--- a/LogisticRegression/LogisticRegression.pptx
+++ b/LogisticRegression/LogisticRegression.pptx
@@ -6,6 +6,23 @@
   </p:sldMasterIdLst>
   <p:sldIdLst>
     <p:sldId id="256" r:id="rId2"/>
+    <p:sldId id="257" r:id="rId3"/>
+    <p:sldId id="258" r:id="rId4"/>
+    <p:sldId id="259" r:id="rId5"/>
+    <p:sldId id="260" r:id="rId6"/>
+    <p:sldId id="261" r:id="rId7"/>
+    <p:sldId id="262" r:id="rId8"/>
+    <p:sldId id="263" r:id="rId9"/>
+    <p:sldId id="264" r:id="rId10"/>
+    <p:sldId id="268" r:id="rId11"/>
+    <p:sldId id="269" r:id="rId12"/>
+    <p:sldId id="265" r:id="rId13"/>
+    <p:sldId id="266" r:id="rId14"/>
+    <p:sldId id="267" r:id="rId15"/>
+    <p:sldId id="270" r:id="rId16"/>
+    <p:sldId id="271" r:id="rId17"/>
+    <p:sldId id="272" r:id="rId18"/>
+    <p:sldId id="273" r:id="rId19"/>
   </p:sldIdLst>
   <p:sldSz cx="12192000" cy="6858000"/>
   <p:notesSz cx="6858000" cy="9144000"/>
@@ -104,6 +121,11 @@
       </a:defRPr>
     </a:lvl9pPr>
   </p:defaultTextStyle>
+  <p:extLst>
+    <p:ext uri="{EFAFB233-063F-42B5-8137-9DF3F51BA10A}">
+      <p15:sldGuideLst xmlns:p15="http://schemas.microsoft.com/office/powerpoint/2012/main"/>
+    </p:ext>
+  </p:extLst>
 </p:presentation>
 </file>
 
@@ -238,7 +260,7 @@
           <a:p>
             <a:fld id="{B735FAEC-29CD-4049-A2D3-8E2FD5646EEB}" type="datetimeFigureOut">
               <a:rPr lang="en-US" smtClean="0"/>
-              <a:t>1/6/18</a:t>
+              <a:t>1/14/18</a:t>
             </a:fld>
             <a:endParaRPr lang="en-US"/>
           </a:p>
@@ -408,7 +430,7 @@
           <a:p>
             <a:fld id="{B735FAEC-29CD-4049-A2D3-8E2FD5646EEB}" type="datetimeFigureOut">
               <a:rPr lang="en-US" smtClean="0"/>
-              <a:t>1/6/18</a:t>
+              <a:t>1/14/18</a:t>
             </a:fld>
             <a:endParaRPr lang="en-US"/>
           </a:p>
@@ -588,7 +610,7 @@
           <a:p>
             <a:fld id="{B735FAEC-29CD-4049-A2D3-8E2FD5646EEB}" type="datetimeFigureOut">
               <a:rPr lang="en-US" smtClean="0"/>
-              <a:t>1/6/18</a:t>
+              <a:t>1/14/18</a:t>
             </a:fld>
             <a:endParaRPr lang="en-US"/>
           </a:p>
@@ -758,7 +780,7 @@
           <a:p>
             <a:fld id="{B735FAEC-29CD-4049-A2D3-8E2FD5646EEB}" type="datetimeFigureOut">
               <a:rPr lang="en-US" smtClean="0"/>
-              <a:t>1/6/18</a:t>
+              <a:t>1/14/18</a:t>
             </a:fld>
             <a:endParaRPr lang="en-US"/>
           </a:p>
@@ -1004,7 +1026,7 @@
           <a:p>
             <a:fld id="{B735FAEC-29CD-4049-A2D3-8E2FD5646EEB}" type="datetimeFigureOut">
               <a:rPr lang="en-US" smtClean="0"/>
-              <a:t>1/6/18</a:t>
+              <a:t>1/14/18</a:t>
             </a:fld>
             <a:endParaRPr lang="en-US"/>
           </a:p>
@@ -1236,7 +1258,7 @@
           <a:p>
             <a:fld id="{B735FAEC-29CD-4049-A2D3-8E2FD5646EEB}" type="datetimeFigureOut">
               <a:rPr lang="en-US" smtClean="0"/>
-              <a:t>1/6/18</a:t>
+              <a:t>1/14/18</a:t>
             </a:fld>
             <a:endParaRPr lang="en-US"/>
           </a:p>
@@ -1603,7 +1625,7 @@
           <a:p>
             <a:fld id="{B735FAEC-29CD-4049-A2D3-8E2FD5646EEB}" type="datetimeFigureOut">
               <a:rPr lang="en-US" smtClean="0"/>
-              <a:t>1/6/18</a:t>
+              <a:t>1/14/18</a:t>
             </a:fld>
             <a:endParaRPr lang="en-US"/>
           </a:p>
@@ -1721,7 +1743,7 @@
           <a:p>
             <a:fld id="{B735FAEC-29CD-4049-A2D3-8E2FD5646EEB}" type="datetimeFigureOut">
               <a:rPr lang="en-US" smtClean="0"/>
-              <a:t>1/6/18</a:t>
+              <a:t>1/14/18</a:t>
             </a:fld>
             <a:endParaRPr lang="en-US"/>
           </a:p>
@@ -1816,7 +1838,7 @@
           <a:p>
             <a:fld id="{B735FAEC-29CD-4049-A2D3-8E2FD5646EEB}" type="datetimeFigureOut">
               <a:rPr lang="en-US" smtClean="0"/>
-              <a:t>1/6/18</a:t>
+              <a:t>1/14/18</a:t>
             </a:fld>
             <a:endParaRPr lang="en-US"/>
           </a:p>
@@ -2093,7 +2115,7 @@
           <a:p>
             <a:fld id="{B735FAEC-29CD-4049-A2D3-8E2FD5646EEB}" type="datetimeFigureOut">
               <a:rPr lang="en-US" smtClean="0"/>
-              <a:t>1/6/18</a:t>
+              <a:t>1/14/18</a:t>
             </a:fld>
             <a:endParaRPr lang="en-US"/>
           </a:p>
@@ -2346,7 +2368,7 @@
           <a:p>
             <a:fld id="{B735FAEC-29CD-4049-A2D3-8E2FD5646EEB}" type="datetimeFigureOut">
               <a:rPr lang="en-US" smtClean="0"/>
-              <a:t>1/6/18</a:t>
+              <a:t>1/14/18</a:t>
             </a:fld>
             <a:endParaRPr lang="en-US"/>
           </a:p>
@@ -2559,7 +2581,7 @@
           <a:p>
             <a:fld id="{B735FAEC-29CD-4049-A2D3-8E2FD5646EEB}" type="datetimeFigureOut">
               <a:rPr lang="en-US" smtClean="0"/>
-              <a:t>1/6/18</a:t>
+              <a:t>1/14/18</a:t>
             </a:fld>
             <a:endParaRPr lang="en-US"/>
           </a:p>
@@ -2979,7 +3001,11 @@
           <a:bodyPr/>
           <a:lstStyle/>
           <a:p>
-            <a:endParaRPr lang="en-US"/>
+            <a:r>
+              <a:rPr lang="en-US" altLang="zh-CN" dirty="0" err="1" smtClean="0"/>
+              <a:t>LogisticRegression</a:t>
+            </a:r>
+            <a:endParaRPr lang="en-US" dirty="0"/>
           </a:p>
         </p:txBody>
       </p:sp>
@@ -3006,6 +3032,8101 @@
     <p:extLst>
       <p:ext uri="{BB962C8B-B14F-4D97-AF65-F5344CB8AC3E}">
         <p14:creationId xmlns:p14="http://schemas.microsoft.com/office/powerpoint/2010/main" val="675994131"/>
+      </p:ext>
+    </p:extLst>
+  </p:cSld>
+  <p:clrMapOvr>
+    <a:masterClrMapping/>
+  </p:clrMapOvr>
+</p:sld>
+</file>
+
+<file path=ppt/slides/slide10.xml><?xml version="1.0" encoding="utf-8"?>
+<p:sld xmlns:a="http://schemas.openxmlformats.org/drawingml/2006/main" xmlns:r="http://schemas.openxmlformats.org/officeDocument/2006/relationships" xmlns:p="http://schemas.openxmlformats.org/presentationml/2006/main">
+  <p:cSld>
+    <p:spTree>
+      <p:nvGrpSpPr>
+        <p:cNvPr id="1" name=""/>
+        <p:cNvGrpSpPr/>
+        <p:nvPr/>
+      </p:nvGrpSpPr>
+      <p:grpSpPr>
+        <a:xfrm>
+          <a:off x="0" y="0"/>
+          <a:ext cx="0" cy="0"/>
+          <a:chOff x="0" y="0"/>
+          <a:chExt cx="0" cy="0"/>
+        </a:xfrm>
+      </p:grpSpPr>
+      <p:sp>
+        <p:nvSpPr>
+          <p:cNvPr id="2" name="Title 1"/>
+          <p:cNvSpPr>
+            <a:spLocks noGrp="1"/>
+          </p:cNvSpPr>
+          <p:nvPr>
+            <p:ph type="title"/>
+          </p:nvPr>
+        </p:nvSpPr>
+        <p:spPr/>
+        <p:txBody>
+          <a:bodyPr/>
+          <a:lstStyle/>
+          <a:p>
+            <a:r>
+              <a:rPr lang="zh-CN" altLang="en-US" dirty="0" smtClean="0"/>
+              <a:t>发生比</a:t>
+            </a:r>
+            <a:r>
+              <a:rPr lang="en-US" altLang="zh-CN" dirty="0" smtClean="0"/>
+              <a:t>(odds)</a:t>
+            </a:r>
+            <a:endParaRPr lang="en-US" dirty="0"/>
+          </a:p>
+        </p:txBody>
+      </p:sp>
+      <mc:AlternateContent xmlns:mc="http://schemas.openxmlformats.org/markup-compatibility/2006" xmlns:a14="http://schemas.microsoft.com/office/drawing/2010/main">
+        <mc:Choice Requires="a14">
+          <p:sp>
+            <p:nvSpPr>
+              <p:cNvPr id="3" name="Content Placeholder 2"/>
+              <p:cNvSpPr>
+                <a:spLocks noGrp="1"/>
+              </p:cNvSpPr>
+              <p:nvPr>
+                <p:ph idx="1"/>
+              </p:nvPr>
+            </p:nvSpPr>
+            <p:spPr/>
+            <p:txBody>
+              <a:bodyPr>
+                <a:normAutofit fontScale="92500" lnSpcReduction="10000"/>
+              </a:bodyPr>
+              <a:lstStyle/>
+              <a:p>
+                <a:pPr marL="0" marR="0" lvl="0" indent="0" defTabSz="914400" eaLnBrk="1" fontAlgn="auto" latinLnBrk="0" hangingPunct="1">
+                  <a:lnSpc>
+                    <a:spcPct val="100000"/>
+                  </a:lnSpc>
+                  <a:spcBef>
+                    <a:spcPts val="0"/>
+                  </a:spcBef>
+                  <a:spcAft>
+                    <a:spcPts val="0"/>
+                  </a:spcAft>
+                  <a:buClrTx/>
+                  <a:buSzTx/>
+                  <a:buFontTx/>
+                  <a:buNone/>
+                  <a:tabLst/>
+                  <a:defRPr/>
+                </a:pPr>
+                <a:r>
+                  <a:rPr lang="zh-CN" altLang="en-US" dirty="0" smtClean="0"/>
+                  <a:t>根据之前的公式，某个事件发生的概率为：</a:t>
+                </a:r>
+                <a:endParaRPr lang="en-US" altLang="zh-CN" dirty="0" smtClean="0"/>
+              </a:p>
+              <a:p>
+                <a:pPr marL="0" lvl="0" indent="0">
+                  <a:lnSpc>
+                    <a:spcPct val="100000"/>
+                  </a:lnSpc>
+                  <a:spcBef>
+                    <a:spcPts val="0"/>
+                  </a:spcBef>
+                  <a:buNone/>
+                </a:pPr>
+                <a14:m>
+                  <m:oMathPara xmlns:m="http://schemas.openxmlformats.org/officeDocument/2006/math">
+                    <m:oMathParaPr>
+                      <m:jc m:val="centerGroup"/>
+                    </m:oMathParaPr>
+                    <m:oMath xmlns:m="http://schemas.openxmlformats.org/officeDocument/2006/math">
+                      <m:r>
+                        <a:rPr lang="en-US" altLang="zh-CN" b="0" i="1" dirty="0" smtClean="0">
+                          <a:latin typeface="Cambria Math" charset="0"/>
+                          <a:ea typeface="Cambria Math" charset="0"/>
+                          <a:cs typeface="Cambria Math" charset="0"/>
+                        </a:rPr>
+                        <m:t>𝑝</m:t>
+                      </m:r>
+                      <m:r>
+                        <a:rPr lang="en-US" altLang="zh-CN" i="1" dirty="0">
+                          <a:latin typeface="Cambria Math" charset="0"/>
+                          <a:ea typeface="Cambria Math" charset="0"/>
+                          <a:cs typeface="Cambria Math" charset="0"/>
+                        </a:rPr>
+                        <m:t>=</m:t>
+                      </m:r>
+                      <m:f>
+                        <m:fPr>
+                          <m:ctrlPr>
+                            <a:rPr lang="mr-IN" altLang="zh-CN" i="1" dirty="0">
+                              <a:latin typeface="Cambria Math" charset="0"/>
+                              <a:ea typeface="Cambria Math" charset="0"/>
+                              <a:cs typeface="Cambria Math" charset="0"/>
+                            </a:rPr>
+                          </m:ctrlPr>
+                        </m:fPr>
+                        <m:num>
+                          <m:r>
+                            <a:rPr lang="en-US" altLang="zh-CN" i="1" dirty="0">
+                              <a:latin typeface="Cambria Math" charset="0"/>
+                              <a:ea typeface="Cambria Math" charset="0"/>
+                              <a:cs typeface="Cambria Math" charset="0"/>
+                            </a:rPr>
+                            <m:t>1</m:t>
+                          </m:r>
+                        </m:num>
+                        <m:den>
+                          <m:r>
+                            <a:rPr lang="en-US" altLang="zh-CN" i="1" dirty="0">
+                              <a:latin typeface="Cambria Math" charset="0"/>
+                              <a:ea typeface="Cambria Math" charset="0"/>
+                              <a:cs typeface="Cambria Math" charset="0"/>
+                            </a:rPr>
+                            <m:t>1+</m:t>
+                          </m:r>
+                          <m:sSup>
+                            <m:sSupPr>
+                              <m:ctrlPr>
+                                <a:rPr lang="mr-IN" altLang="zh-CN" i="1" dirty="0">
+                                  <a:latin typeface="Cambria Math" charset="0"/>
+                                  <a:ea typeface="Cambria Math" charset="0"/>
+                                  <a:cs typeface="Cambria Math" charset="0"/>
+                                </a:rPr>
+                              </m:ctrlPr>
+                            </m:sSupPr>
+                            <m:e>
+                              <m:r>
+                                <a:rPr lang="mr-IN" altLang="zh-CN" i="1" dirty="0">
+                                  <a:latin typeface="Cambria Math" charset="0"/>
+                                  <a:ea typeface="Cambria Math" charset="0"/>
+                                  <a:cs typeface="Cambria Math" charset="0"/>
+                                </a:rPr>
+                                <m:t>𝑒</m:t>
+                              </m:r>
+                            </m:e>
+                            <m:sup>
+                              <m:r>
+                                <a:rPr lang="mr-IN" altLang="zh-CN" i="1" dirty="0">
+                                  <a:latin typeface="Cambria Math" charset="0"/>
+                                  <a:ea typeface="Cambria Math" charset="0"/>
+                                  <a:cs typeface="Cambria Math" charset="0"/>
+                                </a:rPr>
+                                <m:t>−</m:t>
+                              </m:r>
+                              <m:r>
+                                <a:rPr lang="en-US" altLang="zh-CN" i="1" dirty="0">
+                                  <a:latin typeface="Cambria Math" charset="0"/>
+                                  <a:ea typeface="Cambria Math" charset="0"/>
+                                  <a:cs typeface="Cambria Math" charset="0"/>
+                                </a:rPr>
+                                <m:t>(</m:t>
+                              </m:r>
+                              <m:sSup>
+                                <m:sSupPr>
+                                  <m:ctrlPr>
+                                    <a:rPr lang="en-US" altLang="zh-CN" i="1" dirty="0">
+                                      <a:latin typeface="Cambria Math" charset="0"/>
+                                      <a:ea typeface="Cambria Math" charset="0"/>
+                                      <a:cs typeface="Cambria Math" charset="0"/>
+                                    </a:rPr>
+                                  </m:ctrlPr>
+                                </m:sSupPr>
+                                <m:e>
+                                  <m:r>
+                                    <a:rPr lang="en-US" altLang="zh-CN" i="1" dirty="0">
+                                      <a:latin typeface="Cambria Math" charset="0"/>
+                                      <a:ea typeface="Cambria Math" charset="0"/>
+                                      <a:cs typeface="Cambria Math" charset="0"/>
+                                    </a:rPr>
+                                    <m:t>𝜔</m:t>
+                                  </m:r>
+                                </m:e>
+                                <m:sup>
+                                  <m:r>
+                                    <a:rPr lang="en-US" altLang="zh-CN" i="1" dirty="0">
+                                      <a:latin typeface="Cambria Math" charset="0"/>
+                                      <a:ea typeface="Cambria Math" charset="0"/>
+                                      <a:cs typeface="Cambria Math" charset="0"/>
+                                    </a:rPr>
+                                    <m:t>𝑇</m:t>
+                                  </m:r>
+                                </m:sup>
+                              </m:sSup>
+                              <m:r>
+                                <a:rPr lang="en-US" altLang="zh-CN" i="1" dirty="0">
+                                  <a:latin typeface="Cambria Math" charset="0"/>
+                                  <a:ea typeface="Cambria Math" charset="0"/>
+                                  <a:cs typeface="Cambria Math" charset="0"/>
+                                </a:rPr>
+                                <m:t>𝑥</m:t>
+                              </m:r>
+                              <m:r>
+                                <a:rPr lang="en-US" altLang="zh-CN" i="1" dirty="0">
+                                  <a:latin typeface="Cambria Math" charset="0"/>
+                                  <a:ea typeface="Cambria Math" charset="0"/>
+                                  <a:cs typeface="Cambria Math" charset="0"/>
+                                </a:rPr>
+                                <m:t>+</m:t>
+                              </m:r>
+                              <m:sSub>
+                                <m:sSubPr>
+                                  <m:ctrlPr>
+                                    <a:rPr lang="en-US" altLang="zh-CN" i="1" dirty="0">
+                                      <a:latin typeface="Cambria Math" charset="0"/>
+                                      <a:ea typeface="Cambria Math" charset="0"/>
+                                      <a:cs typeface="Cambria Math" charset="0"/>
+                                    </a:rPr>
+                                  </m:ctrlPr>
+                                </m:sSubPr>
+                                <m:e>
+                                  <m:r>
+                                    <a:rPr lang="en-US" altLang="zh-CN" i="1" dirty="0">
+                                      <a:latin typeface="Cambria Math" charset="0"/>
+                                      <a:ea typeface="Cambria Math" charset="0"/>
+                                      <a:cs typeface="Cambria Math" charset="0"/>
+                                    </a:rPr>
+                                    <m:t>𝜔</m:t>
+                                  </m:r>
+                                </m:e>
+                                <m:sub>
+                                  <m:r>
+                                    <a:rPr lang="en-US" altLang="zh-CN" i="1" dirty="0">
+                                      <a:latin typeface="Cambria Math" charset="0"/>
+                                      <a:ea typeface="Cambria Math" charset="0"/>
+                                      <a:cs typeface="Cambria Math" charset="0"/>
+                                    </a:rPr>
+                                    <m:t>0</m:t>
+                                  </m:r>
+                                </m:sub>
+                              </m:sSub>
+                              <m:r>
+                                <a:rPr lang="en-US" altLang="zh-CN" i="1" dirty="0">
+                                  <a:latin typeface="Cambria Math" charset="0"/>
+                                  <a:ea typeface="Cambria Math" charset="0"/>
+                                  <a:cs typeface="Cambria Math" charset="0"/>
+                                </a:rPr>
+                                <m:t>)</m:t>
+                              </m:r>
+                            </m:sup>
+                          </m:sSup>
+                        </m:den>
+                      </m:f>
+                    </m:oMath>
+                  </m:oMathPara>
+                </a14:m>
+                <a:endParaRPr lang="en-US" altLang="zh-CN" dirty="0" smtClean="0"/>
+              </a:p>
+              <a:p>
+                <a:pPr marL="0" lvl="0" indent="0">
+                  <a:lnSpc>
+                    <a:spcPct val="100000"/>
+                  </a:lnSpc>
+                  <a:spcBef>
+                    <a:spcPts val="0"/>
+                  </a:spcBef>
+                  <a:buNone/>
+                </a:pPr>
+                <a:r>
+                  <a:rPr lang="zh-CN" altLang="en-US" dirty="0" smtClean="0"/>
+                  <a:t>所以不发生的概率为：</a:t>
+                </a:r>
+                <a:endParaRPr lang="en-US" altLang="zh-CN" dirty="0" smtClean="0"/>
+              </a:p>
+              <a:p>
+                <a:pPr marL="0" lvl="0" indent="0">
+                  <a:lnSpc>
+                    <a:spcPct val="100000"/>
+                  </a:lnSpc>
+                  <a:spcBef>
+                    <a:spcPts val="0"/>
+                  </a:spcBef>
+                  <a:buNone/>
+                </a:pPr>
+                <a14:m>
+                  <m:oMathPara xmlns:m="http://schemas.openxmlformats.org/officeDocument/2006/math">
+                    <m:oMathParaPr>
+                      <m:jc m:val="centerGroup"/>
+                    </m:oMathParaPr>
+                    <m:oMath xmlns:m="http://schemas.openxmlformats.org/officeDocument/2006/math">
+                      <m:r>
+                        <a:rPr lang="en-US" altLang="zh-CN" b="0" i="1" dirty="0" smtClean="0">
+                          <a:latin typeface="Cambria Math" charset="0"/>
+                          <a:ea typeface="Cambria Math" charset="0"/>
+                          <a:cs typeface="Cambria Math" charset="0"/>
+                        </a:rPr>
+                        <m:t>1−</m:t>
+                      </m:r>
+                      <m:r>
+                        <a:rPr lang="en-US" altLang="zh-CN" b="0" i="1" dirty="0" smtClean="0">
+                          <a:latin typeface="Cambria Math" charset="0"/>
+                          <a:ea typeface="Cambria Math" charset="0"/>
+                          <a:cs typeface="Cambria Math" charset="0"/>
+                        </a:rPr>
+                        <m:t>𝑝</m:t>
+                      </m:r>
+                      <m:r>
+                        <a:rPr lang="en-US" altLang="zh-CN" i="1" dirty="0">
+                          <a:latin typeface="Cambria Math" charset="0"/>
+                          <a:ea typeface="Cambria Math" charset="0"/>
+                          <a:cs typeface="Cambria Math" charset="0"/>
+                        </a:rPr>
+                        <m:t>=</m:t>
+                      </m:r>
+                      <m:f>
+                        <m:fPr>
+                          <m:ctrlPr>
+                            <a:rPr lang="mr-IN" altLang="zh-CN" i="1" dirty="0">
+                              <a:latin typeface="Cambria Math" charset="0"/>
+                              <a:ea typeface="Cambria Math" charset="0"/>
+                              <a:cs typeface="Cambria Math" charset="0"/>
+                            </a:rPr>
+                          </m:ctrlPr>
+                        </m:fPr>
+                        <m:num>
+                          <m:r>
+                            <a:rPr lang="en-US" altLang="zh-CN" i="1" dirty="0">
+                              <a:latin typeface="Cambria Math" charset="0"/>
+                              <a:ea typeface="Cambria Math" charset="0"/>
+                              <a:cs typeface="Cambria Math" charset="0"/>
+                            </a:rPr>
+                            <m:t>1</m:t>
+                          </m:r>
+                        </m:num>
+                        <m:den>
+                          <m:r>
+                            <a:rPr lang="en-US" altLang="zh-CN" i="1" dirty="0">
+                              <a:latin typeface="Cambria Math" charset="0"/>
+                              <a:ea typeface="Cambria Math" charset="0"/>
+                              <a:cs typeface="Cambria Math" charset="0"/>
+                            </a:rPr>
+                            <m:t>1+</m:t>
+                          </m:r>
+                          <m:sSup>
+                            <m:sSupPr>
+                              <m:ctrlPr>
+                                <a:rPr lang="mr-IN" altLang="zh-CN" i="1" dirty="0">
+                                  <a:latin typeface="Cambria Math" charset="0"/>
+                                  <a:ea typeface="Cambria Math" charset="0"/>
+                                  <a:cs typeface="Cambria Math" charset="0"/>
+                                </a:rPr>
+                              </m:ctrlPr>
+                            </m:sSupPr>
+                            <m:e>
+                              <m:r>
+                                <a:rPr lang="mr-IN" altLang="zh-CN" i="1" dirty="0">
+                                  <a:latin typeface="Cambria Math" charset="0"/>
+                                  <a:ea typeface="Cambria Math" charset="0"/>
+                                  <a:cs typeface="Cambria Math" charset="0"/>
+                                </a:rPr>
+                                <m:t>𝑒</m:t>
+                              </m:r>
+                            </m:e>
+                            <m:sup>
+                              <m:r>
+                                <a:rPr lang="mr-IN" altLang="zh-CN" i="1" dirty="0">
+                                  <a:latin typeface="Cambria Math" charset="0"/>
+                                  <a:ea typeface="Cambria Math" charset="0"/>
+                                  <a:cs typeface="Cambria Math" charset="0"/>
+                                </a:rPr>
+                                <m:t>−</m:t>
+                              </m:r>
+                              <m:r>
+                                <a:rPr lang="en-US" altLang="zh-CN" i="1" dirty="0">
+                                  <a:latin typeface="Cambria Math" charset="0"/>
+                                  <a:ea typeface="Cambria Math" charset="0"/>
+                                  <a:cs typeface="Cambria Math" charset="0"/>
+                                </a:rPr>
+                                <m:t>(</m:t>
+                              </m:r>
+                              <m:sSup>
+                                <m:sSupPr>
+                                  <m:ctrlPr>
+                                    <a:rPr lang="en-US" altLang="zh-CN" i="1" dirty="0">
+                                      <a:latin typeface="Cambria Math" charset="0"/>
+                                      <a:ea typeface="Cambria Math" charset="0"/>
+                                      <a:cs typeface="Cambria Math" charset="0"/>
+                                    </a:rPr>
+                                  </m:ctrlPr>
+                                </m:sSupPr>
+                                <m:e>
+                                  <m:r>
+                                    <a:rPr lang="en-US" altLang="zh-CN" i="1" dirty="0">
+                                      <a:latin typeface="Cambria Math" charset="0"/>
+                                      <a:ea typeface="Cambria Math" charset="0"/>
+                                      <a:cs typeface="Cambria Math" charset="0"/>
+                                    </a:rPr>
+                                    <m:t>𝜔</m:t>
+                                  </m:r>
+                                </m:e>
+                                <m:sup>
+                                  <m:r>
+                                    <a:rPr lang="en-US" altLang="zh-CN" i="1" dirty="0">
+                                      <a:latin typeface="Cambria Math" charset="0"/>
+                                      <a:ea typeface="Cambria Math" charset="0"/>
+                                      <a:cs typeface="Cambria Math" charset="0"/>
+                                    </a:rPr>
+                                    <m:t>𝑇</m:t>
+                                  </m:r>
+                                </m:sup>
+                              </m:sSup>
+                              <m:r>
+                                <a:rPr lang="en-US" altLang="zh-CN" i="1" dirty="0">
+                                  <a:latin typeface="Cambria Math" charset="0"/>
+                                  <a:ea typeface="Cambria Math" charset="0"/>
+                                  <a:cs typeface="Cambria Math" charset="0"/>
+                                </a:rPr>
+                                <m:t>𝑥</m:t>
+                              </m:r>
+                              <m:r>
+                                <a:rPr lang="en-US" altLang="zh-CN" i="1" dirty="0">
+                                  <a:latin typeface="Cambria Math" charset="0"/>
+                                  <a:ea typeface="Cambria Math" charset="0"/>
+                                  <a:cs typeface="Cambria Math" charset="0"/>
+                                </a:rPr>
+                                <m:t>+</m:t>
+                              </m:r>
+                              <m:sSub>
+                                <m:sSubPr>
+                                  <m:ctrlPr>
+                                    <a:rPr lang="en-US" altLang="zh-CN" i="1" dirty="0">
+                                      <a:latin typeface="Cambria Math" charset="0"/>
+                                      <a:ea typeface="Cambria Math" charset="0"/>
+                                      <a:cs typeface="Cambria Math" charset="0"/>
+                                    </a:rPr>
+                                  </m:ctrlPr>
+                                </m:sSubPr>
+                                <m:e>
+                                  <m:r>
+                                    <a:rPr lang="en-US" altLang="zh-CN" i="1" dirty="0">
+                                      <a:latin typeface="Cambria Math" charset="0"/>
+                                      <a:ea typeface="Cambria Math" charset="0"/>
+                                      <a:cs typeface="Cambria Math" charset="0"/>
+                                    </a:rPr>
+                                    <m:t>𝜔</m:t>
+                                  </m:r>
+                                </m:e>
+                                <m:sub>
+                                  <m:r>
+                                    <a:rPr lang="en-US" altLang="zh-CN" i="1" dirty="0">
+                                      <a:latin typeface="Cambria Math" charset="0"/>
+                                      <a:ea typeface="Cambria Math" charset="0"/>
+                                      <a:cs typeface="Cambria Math" charset="0"/>
+                                    </a:rPr>
+                                    <m:t>0</m:t>
+                                  </m:r>
+                                </m:sub>
+                              </m:sSub>
+                              <m:r>
+                                <a:rPr lang="en-US" altLang="zh-CN" i="1" dirty="0">
+                                  <a:latin typeface="Cambria Math" charset="0"/>
+                                  <a:ea typeface="Cambria Math" charset="0"/>
+                                  <a:cs typeface="Cambria Math" charset="0"/>
+                                </a:rPr>
+                                <m:t>)</m:t>
+                              </m:r>
+                            </m:sup>
+                          </m:sSup>
+                        </m:den>
+                      </m:f>
+                    </m:oMath>
+                  </m:oMathPara>
+                </a14:m>
+                <a:endParaRPr lang="en-US" altLang="zh-CN" dirty="0" smtClean="0"/>
+              </a:p>
+              <a:p>
+                <a:pPr marL="0" lvl="0" indent="0">
+                  <a:lnSpc>
+                    <a:spcPct val="100000"/>
+                  </a:lnSpc>
+                  <a:spcBef>
+                    <a:spcPts val="0"/>
+                  </a:spcBef>
+                  <a:buNone/>
+                </a:pPr>
+                <a:endParaRPr lang="en-US" altLang="zh-CN" dirty="0"/>
+              </a:p>
+              <a:p>
+                <a:pPr marL="0" lvl="0" indent="0">
+                  <a:lnSpc>
+                    <a:spcPct val="100000"/>
+                  </a:lnSpc>
+                  <a:spcBef>
+                    <a:spcPts val="0"/>
+                  </a:spcBef>
+                  <a:buNone/>
+                </a:pPr>
+                <a:r>
+                  <a:rPr lang="zh-CN" altLang="en-US" dirty="0" smtClean="0"/>
+                  <a:t>发生比</a:t>
+                </a:r>
+                <a:r>
+                  <a:rPr lang="en-US" altLang="zh-CN" dirty="0" smtClean="0"/>
+                  <a:t>(odds</a:t>
+                </a:r>
+                <a:r>
+                  <a:rPr lang="zh-CN" altLang="en-US" dirty="0" smtClean="0"/>
+                  <a:t>）定义为发生的概率和不发生的概率的比值：</a:t>
+                </a:r>
+                <a:endParaRPr lang="en-US" altLang="zh-CN" dirty="0" smtClean="0"/>
+              </a:p>
+              <a:p>
+                <a:pPr marL="0" lvl="0" indent="0">
+                  <a:lnSpc>
+                    <a:spcPct val="100000"/>
+                  </a:lnSpc>
+                  <a:spcBef>
+                    <a:spcPts val="0"/>
+                  </a:spcBef>
+                  <a:buNone/>
+                </a:pPr>
+                <a:endParaRPr lang="en-US" altLang="zh-CN" dirty="0"/>
+              </a:p>
+              <a:p>
+                <a:pPr marL="0" lvl="0" indent="0">
+                  <a:lnSpc>
+                    <a:spcPct val="100000"/>
+                  </a:lnSpc>
+                  <a:spcBef>
+                    <a:spcPts val="0"/>
+                  </a:spcBef>
+                  <a:buNone/>
+                </a:pPr>
+                <a14:m>
+                  <m:oMathPara xmlns:m="http://schemas.openxmlformats.org/officeDocument/2006/math">
+                    <m:oMathParaPr>
+                      <m:jc m:val="centerGroup"/>
+                    </m:oMathParaPr>
+                    <m:oMath xmlns:m="http://schemas.openxmlformats.org/officeDocument/2006/math">
+                      <m:r>
+                        <a:rPr lang="en-US" altLang="zh-CN" b="0" i="1" dirty="0" smtClean="0">
+                          <a:latin typeface="Cambria Math" charset="0"/>
+                          <a:ea typeface="Cambria Math" charset="0"/>
+                          <a:cs typeface="Cambria Math" charset="0"/>
+                        </a:rPr>
+                        <m:t>𝑜𝑑𝑑𝑠</m:t>
+                      </m:r>
+                      <m:r>
+                        <a:rPr lang="en-US" altLang="zh-CN" b="0" i="1" dirty="0" smtClean="0">
+                          <a:latin typeface="Cambria Math" charset="0"/>
+                          <a:ea typeface="Cambria Math" charset="0"/>
+                          <a:cs typeface="Cambria Math" charset="0"/>
+                        </a:rPr>
+                        <m:t>= </m:t>
+                      </m:r>
+                      <m:f>
+                        <m:fPr>
+                          <m:ctrlPr>
+                            <a:rPr lang="mr-IN" altLang="zh-CN" b="0" i="1" dirty="0" smtClean="0">
+                              <a:latin typeface="Cambria Math" charset="0"/>
+                              <a:ea typeface="Cambria Math" charset="0"/>
+                              <a:cs typeface="Cambria Math" charset="0"/>
+                            </a:rPr>
+                          </m:ctrlPr>
+                        </m:fPr>
+                        <m:num>
+                          <m:r>
+                            <m:rPr>
+                              <m:sty m:val="p"/>
+                            </m:rPr>
+                            <a:rPr lang="en-US" altLang="zh-CN" i="1" dirty="0">
+                              <a:latin typeface="Cambria Math" charset="0"/>
+                              <a:ea typeface="Cambria Math" charset="0"/>
+                              <a:cs typeface="Cambria Math" charset="0"/>
+                            </a:rPr>
+                            <m:t>p</m:t>
+                          </m:r>
+                        </m:num>
+                        <m:den>
+                          <m:r>
+                            <a:rPr lang="en-US" altLang="zh-CN" b="0" i="1" dirty="0" smtClean="0">
+                              <a:latin typeface="Cambria Math" charset="0"/>
+                              <a:ea typeface="Cambria Math" charset="0"/>
+                              <a:cs typeface="Cambria Math" charset="0"/>
+                            </a:rPr>
+                            <m:t>1−</m:t>
+                          </m:r>
+                          <m:r>
+                            <m:rPr>
+                              <m:sty m:val="p"/>
+                            </m:rPr>
+                            <a:rPr lang="en-US" altLang="zh-CN" i="1" dirty="0">
+                              <a:latin typeface="Cambria Math" charset="0"/>
+                              <a:ea typeface="Cambria Math" charset="0"/>
+                              <a:cs typeface="Cambria Math" charset="0"/>
+                            </a:rPr>
+                            <m:t>p</m:t>
+                          </m:r>
+                        </m:den>
+                      </m:f>
+                      <m:r>
+                        <a:rPr lang="en-US" altLang="zh-CN" b="0" i="1" dirty="0" smtClean="0">
+                          <a:latin typeface="Cambria Math" charset="0"/>
+                          <a:ea typeface="Cambria Math" charset="0"/>
+                          <a:cs typeface="Cambria Math" charset="0"/>
+                        </a:rPr>
+                        <m:t>=</m:t>
+                      </m:r>
+                      <m:sSup>
+                        <m:sSupPr>
+                          <m:ctrlPr>
+                            <a:rPr lang="mr-IN" altLang="zh-CN" i="1" dirty="0">
+                              <a:latin typeface="Cambria Math" charset="0"/>
+                              <a:ea typeface="Cambria Math" charset="0"/>
+                              <a:cs typeface="Cambria Math" charset="0"/>
+                            </a:rPr>
+                          </m:ctrlPr>
+                        </m:sSupPr>
+                        <m:e>
+                          <m:r>
+                            <a:rPr lang="mr-IN" altLang="zh-CN" i="1" dirty="0">
+                              <a:latin typeface="Cambria Math" charset="0"/>
+                              <a:ea typeface="Cambria Math" charset="0"/>
+                              <a:cs typeface="Cambria Math" charset="0"/>
+                            </a:rPr>
+                            <m:t>𝑒</m:t>
+                          </m:r>
+                        </m:e>
+                        <m:sup>
+                          <m:sSup>
+                            <m:sSupPr>
+                              <m:ctrlPr>
+                                <a:rPr lang="en-US" altLang="zh-CN" i="1" dirty="0">
+                                  <a:latin typeface="Cambria Math" charset="0"/>
+                                  <a:ea typeface="Cambria Math" charset="0"/>
+                                  <a:cs typeface="Cambria Math" charset="0"/>
+                                </a:rPr>
+                              </m:ctrlPr>
+                            </m:sSupPr>
+                            <m:e>
+                              <m:r>
+                                <a:rPr lang="en-US" altLang="zh-CN" i="1" dirty="0">
+                                  <a:latin typeface="Cambria Math" charset="0"/>
+                                  <a:ea typeface="Cambria Math" charset="0"/>
+                                  <a:cs typeface="Cambria Math" charset="0"/>
+                                </a:rPr>
+                                <m:t>𝜔</m:t>
+                              </m:r>
+                            </m:e>
+                            <m:sup>
+                              <m:r>
+                                <a:rPr lang="en-US" altLang="zh-CN" i="1" dirty="0">
+                                  <a:latin typeface="Cambria Math" charset="0"/>
+                                  <a:ea typeface="Cambria Math" charset="0"/>
+                                  <a:cs typeface="Cambria Math" charset="0"/>
+                                </a:rPr>
+                                <m:t>𝑇</m:t>
+                              </m:r>
+                            </m:sup>
+                          </m:sSup>
+                          <m:r>
+                            <a:rPr lang="en-US" altLang="zh-CN" i="1" dirty="0">
+                              <a:latin typeface="Cambria Math" charset="0"/>
+                              <a:ea typeface="Cambria Math" charset="0"/>
+                              <a:cs typeface="Cambria Math" charset="0"/>
+                            </a:rPr>
+                            <m:t>𝑥</m:t>
+                          </m:r>
+                          <m:r>
+                            <a:rPr lang="en-US" altLang="zh-CN" i="1" dirty="0">
+                              <a:latin typeface="Cambria Math" charset="0"/>
+                              <a:ea typeface="Cambria Math" charset="0"/>
+                              <a:cs typeface="Cambria Math" charset="0"/>
+                            </a:rPr>
+                            <m:t>+</m:t>
+                          </m:r>
+                          <m:sSub>
+                            <m:sSubPr>
+                              <m:ctrlPr>
+                                <a:rPr lang="en-US" altLang="zh-CN" i="1" dirty="0">
+                                  <a:latin typeface="Cambria Math" charset="0"/>
+                                  <a:ea typeface="Cambria Math" charset="0"/>
+                                  <a:cs typeface="Cambria Math" charset="0"/>
+                                </a:rPr>
+                              </m:ctrlPr>
+                            </m:sSubPr>
+                            <m:e>
+                              <m:r>
+                                <a:rPr lang="en-US" altLang="zh-CN" i="1" dirty="0">
+                                  <a:latin typeface="Cambria Math" charset="0"/>
+                                  <a:ea typeface="Cambria Math" charset="0"/>
+                                  <a:cs typeface="Cambria Math" charset="0"/>
+                                </a:rPr>
+                                <m:t>𝜔</m:t>
+                              </m:r>
+                            </m:e>
+                            <m:sub>
+                              <m:r>
+                                <a:rPr lang="en-US" altLang="zh-CN" i="1" dirty="0">
+                                  <a:latin typeface="Cambria Math" charset="0"/>
+                                  <a:ea typeface="Cambria Math" charset="0"/>
+                                  <a:cs typeface="Cambria Math" charset="0"/>
+                                </a:rPr>
+                                <m:t>0</m:t>
+                              </m:r>
+                            </m:sub>
+                          </m:sSub>
+                        </m:sup>
+                      </m:sSup>
+                      <m:r>
+                        <a:rPr lang="en-US" altLang="zh-CN" b="0" i="1" dirty="0" smtClean="0">
+                          <a:latin typeface="Cambria Math" charset="0"/>
+                          <a:ea typeface="Cambria Math" charset="0"/>
+                          <a:cs typeface="Cambria Math" charset="0"/>
+                        </a:rPr>
+                        <m:t>&gt;0</m:t>
+                      </m:r>
+                    </m:oMath>
+                  </m:oMathPara>
+                </a14:m>
+                <a:endParaRPr lang="en-US" altLang="zh-CN" dirty="0" smtClean="0"/>
+              </a:p>
+            </p:txBody>
+          </p:sp>
+        </mc:Choice>
+        <mc:Fallback xmlns="">
+          <p:sp>
+            <p:nvSpPr>
+              <p:cNvPr id="3" name="Content Placeholder 2"/>
+              <p:cNvSpPr>
+                <a:spLocks noGrp="1" noRot="1" noChangeAspect="1" noMove="1" noResize="1" noEditPoints="1" noAdjustHandles="1" noChangeArrowheads="1" noChangeShapeType="1" noTextEdit="1"/>
+              </p:cNvSpPr>
+              <p:nvPr>
+                <p:ph idx="1"/>
+              </p:nvPr>
+            </p:nvSpPr>
+            <p:spPr>
+              <a:blipFill rotWithShape="0">
+                <a:blip r:embed="rId2"/>
+                <a:stretch>
+                  <a:fillRect l="-1043" t="-2101"/>
+                </a:stretch>
+              </a:blipFill>
+            </p:spPr>
+            <p:txBody>
+              <a:bodyPr/>
+              <a:lstStyle/>
+              <a:p>
+                <a:r>
+                  <a:rPr lang="en-US">
+                    <a:noFill/>
+                  </a:rPr>
+                  <a:t> </a:t>
+                </a:r>
+              </a:p>
+            </p:txBody>
+          </p:sp>
+        </mc:Fallback>
+      </mc:AlternateContent>
+    </p:spTree>
+    <p:extLst>
+      <p:ext uri="{BB962C8B-B14F-4D97-AF65-F5344CB8AC3E}">
+        <p14:creationId xmlns:p14="http://schemas.microsoft.com/office/powerpoint/2010/main" val="1500428356"/>
+      </p:ext>
+    </p:extLst>
+  </p:cSld>
+  <p:clrMapOvr>
+    <a:masterClrMapping/>
+  </p:clrMapOvr>
+</p:sld>
+</file>
+
+<file path=ppt/slides/slide11.xml><?xml version="1.0" encoding="utf-8"?>
+<p:sld xmlns:a="http://schemas.openxmlformats.org/drawingml/2006/main" xmlns:r="http://schemas.openxmlformats.org/officeDocument/2006/relationships" xmlns:p="http://schemas.openxmlformats.org/presentationml/2006/main">
+  <p:cSld>
+    <p:spTree>
+      <p:nvGrpSpPr>
+        <p:cNvPr id="1" name=""/>
+        <p:cNvGrpSpPr/>
+        <p:nvPr/>
+      </p:nvGrpSpPr>
+      <p:grpSpPr>
+        <a:xfrm>
+          <a:off x="0" y="0"/>
+          <a:ext cx="0" cy="0"/>
+          <a:chOff x="0" y="0"/>
+          <a:chExt cx="0" cy="0"/>
+        </a:xfrm>
+      </p:grpSpPr>
+      <p:sp>
+        <p:nvSpPr>
+          <p:cNvPr id="2" name="Title 1"/>
+          <p:cNvSpPr>
+            <a:spLocks noGrp="1"/>
+          </p:cNvSpPr>
+          <p:nvPr>
+            <p:ph type="title"/>
+          </p:nvPr>
+        </p:nvSpPr>
+        <p:spPr/>
+        <p:txBody>
+          <a:bodyPr/>
+          <a:lstStyle/>
+          <a:p>
+            <a:r>
+              <a:rPr lang="en-US" altLang="zh-CN" dirty="0" smtClean="0"/>
+              <a:t>logit</a:t>
+            </a:r>
+            <a:r>
+              <a:rPr lang="zh-CN" altLang="en-US" dirty="0" smtClean="0"/>
+              <a:t>形式</a:t>
+            </a:r>
+            <a:endParaRPr lang="en-US" dirty="0"/>
+          </a:p>
+        </p:txBody>
+      </p:sp>
+      <mc:AlternateContent xmlns:mc="http://schemas.openxmlformats.org/markup-compatibility/2006">
+        <mc:Choice xmlns:a14="http://schemas.microsoft.com/office/drawing/2010/main" Requires="a14">
+          <p:sp>
+            <p:nvSpPr>
+              <p:cNvPr id="3" name="Content Placeholder 2"/>
+              <p:cNvSpPr>
+                <a:spLocks noGrp="1"/>
+              </p:cNvSpPr>
+              <p:nvPr>
+                <p:ph idx="1"/>
+              </p:nvPr>
+            </p:nvSpPr>
+            <p:spPr/>
+            <p:txBody>
+              <a:bodyPr>
+                <a:normAutofit fontScale="70000" lnSpcReduction="20000"/>
+              </a:bodyPr>
+              <a:lstStyle/>
+              <a:p>
+                <a:pPr marL="0" indent="0">
+                  <a:lnSpc>
+                    <a:spcPct val="120000"/>
+                  </a:lnSpc>
+                  <a:buNone/>
+                </a:pPr>
+                <a:r>
+                  <a:rPr lang="zh-CN" altLang="en-US" dirty="0" smtClean="0"/>
+                  <a:t>我们将发生比两边取自然对数可得：</a:t>
+                </a:r>
+                <a:endParaRPr lang="en-US" altLang="zh-CN" i="1" dirty="0" smtClean="0">
+                  <a:latin typeface="Cambria Math" charset="0"/>
+                  <a:ea typeface="Cambria Math" charset="0"/>
+                  <a:cs typeface="Cambria Math" charset="0"/>
+                </a:endParaRPr>
+              </a:p>
+              <a:p>
+                <a:pPr marL="0" indent="0">
+                  <a:lnSpc>
+                    <a:spcPct val="120000"/>
+                  </a:lnSpc>
+                  <a:buNone/>
+                </a:pPr>
+                <a:endParaRPr lang="en-US" altLang="zh-CN" i="1" dirty="0" smtClean="0">
+                  <a:latin typeface="Cambria Math" charset="0"/>
+                  <a:ea typeface="Cambria Math" charset="0"/>
+                  <a:cs typeface="Cambria Math" charset="0"/>
+                </a:endParaRPr>
+              </a:p>
+              <a:p>
+                <a:pPr marL="0" indent="0">
+                  <a:lnSpc>
+                    <a:spcPct val="120000"/>
+                  </a:lnSpc>
+                  <a:buNone/>
+                </a:pPr>
+                <a14:m>
+                  <m:oMathPara xmlns:m="http://schemas.openxmlformats.org/officeDocument/2006/math">
+                    <m:oMathParaPr>
+                      <m:jc m:val="centerGroup"/>
+                    </m:oMathParaPr>
+                    <m:oMath xmlns:m="http://schemas.openxmlformats.org/officeDocument/2006/math">
+                      <m:r>
+                        <m:rPr>
+                          <m:sty m:val="p"/>
+                        </m:rPr>
+                        <a:rPr lang="en-US" altLang="zh-CN" i="1" dirty="0" smtClean="0">
+                          <a:latin typeface="Cambria Math" charset="0"/>
+                          <a:ea typeface="Cambria Math" charset="0"/>
+                          <a:cs typeface="Cambria Math" charset="0"/>
+                        </a:rPr>
+                        <m:t>ln</m:t>
+                      </m:r>
+                      <m:d>
+                        <m:dPr>
+                          <m:ctrlPr>
+                            <a:rPr lang="en-US" altLang="zh-CN" b="0" i="1" dirty="0" smtClean="0">
+                              <a:latin typeface="Cambria Math" charset="0"/>
+                              <a:ea typeface="Cambria Math" charset="0"/>
+                              <a:cs typeface="Cambria Math" charset="0"/>
+                            </a:rPr>
+                          </m:ctrlPr>
+                        </m:dPr>
+                        <m:e>
+                          <m:r>
+                            <a:rPr lang="en-US" altLang="zh-CN" b="0" i="1" dirty="0" smtClean="0">
+                              <a:latin typeface="Cambria Math" charset="0"/>
+                              <a:ea typeface="Cambria Math" charset="0"/>
+                              <a:cs typeface="Cambria Math" charset="0"/>
+                            </a:rPr>
+                            <m:t>𝑜𝑑𝑑𝑠</m:t>
+                          </m:r>
+                        </m:e>
+                      </m:d>
+                      <m:r>
+                        <a:rPr lang="en-US" altLang="zh-CN" b="0" i="1" dirty="0" smtClean="0">
+                          <a:latin typeface="Cambria Math" charset="0"/>
+                          <a:ea typeface="Cambria Math" charset="0"/>
+                          <a:cs typeface="Cambria Math" charset="0"/>
+                        </a:rPr>
+                        <m:t>=</m:t>
+                      </m:r>
+                      <m:r>
+                        <a:rPr lang="en-US" altLang="zh-CN" i="1">
+                          <a:latin typeface="Cambria Math" charset="0"/>
+                        </a:rPr>
+                        <m:t>𝑙𝑛</m:t>
+                      </m:r>
+                      <m:f>
+                        <m:fPr>
+                          <m:ctrlPr>
+                            <a:rPr lang="mr-IN" altLang="zh-CN" i="1">
+                              <a:latin typeface="Cambria Math" charset="0"/>
+                            </a:rPr>
+                          </m:ctrlPr>
+                        </m:fPr>
+                        <m:num>
+                          <m:r>
+                            <a:rPr lang="en-US" altLang="zh-CN" b="0" i="1" smtClean="0">
+                              <a:latin typeface="Cambria Math" charset="0"/>
+                            </a:rPr>
+                            <m:t>𝑝</m:t>
+                          </m:r>
+                        </m:num>
+                        <m:den>
+                          <m:r>
+                            <a:rPr lang="en-US" altLang="zh-CN" i="1">
+                              <a:latin typeface="Cambria Math" charset="0"/>
+                            </a:rPr>
+                            <m:t>1−</m:t>
+                          </m:r>
+                          <m:r>
+                            <a:rPr lang="en-US" altLang="zh-CN" b="0" i="1" smtClean="0">
+                              <a:latin typeface="Cambria Math" charset="0"/>
+                            </a:rPr>
+                            <m:t>𝑝</m:t>
+                          </m:r>
+                        </m:den>
+                      </m:f>
+                      <m:r>
+                        <a:rPr lang="en-US" altLang="zh-CN" b="0" i="1" smtClean="0">
+                          <a:latin typeface="Cambria Math" charset="0"/>
+                        </a:rPr>
+                        <m:t>=</m:t>
+                      </m:r>
+                      <m:sSup>
+                        <m:sSupPr>
+                          <m:ctrlPr>
+                            <a:rPr lang="en-US" altLang="zh-CN" i="1" dirty="0">
+                              <a:latin typeface="Cambria Math" charset="0"/>
+                              <a:ea typeface="Cambria Math" charset="0"/>
+                              <a:cs typeface="Cambria Math" charset="0"/>
+                            </a:rPr>
+                          </m:ctrlPr>
+                        </m:sSupPr>
+                        <m:e>
+                          <m:r>
+                            <a:rPr lang="en-US" altLang="zh-CN" i="1" dirty="0">
+                              <a:latin typeface="Cambria Math" charset="0"/>
+                              <a:ea typeface="Cambria Math" charset="0"/>
+                              <a:cs typeface="Cambria Math" charset="0"/>
+                            </a:rPr>
+                            <m:t>𝜔</m:t>
+                          </m:r>
+                        </m:e>
+                        <m:sup>
+                          <m:r>
+                            <a:rPr lang="en-US" altLang="zh-CN" i="1" dirty="0">
+                              <a:latin typeface="Cambria Math" charset="0"/>
+                              <a:ea typeface="Cambria Math" charset="0"/>
+                              <a:cs typeface="Cambria Math" charset="0"/>
+                            </a:rPr>
+                            <m:t>𝑇</m:t>
+                          </m:r>
+                        </m:sup>
+                      </m:sSup>
+                      <m:r>
+                        <a:rPr lang="en-US" altLang="zh-CN" i="1" dirty="0">
+                          <a:latin typeface="Cambria Math" charset="0"/>
+                          <a:ea typeface="Cambria Math" charset="0"/>
+                          <a:cs typeface="Cambria Math" charset="0"/>
+                        </a:rPr>
+                        <m:t>𝑥</m:t>
+                      </m:r>
+                      <m:r>
+                        <a:rPr lang="en-US" altLang="zh-CN" i="1" dirty="0">
+                          <a:latin typeface="Cambria Math" charset="0"/>
+                          <a:ea typeface="Cambria Math" charset="0"/>
+                          <a:cs typeface="Cambria Math" charset="0"/>
+                        </a:rPr>
+                        <m:t>+</m:t>
+                      </m:r>
+                      <m:sSub>
+                        <m:sSubPr>
+                          <m:ctrlPr>
+                            <a:rPr lang="en-US" altLang="zh-CN" i="1" dirty="0">
+                              <a:latin typeface="Cambria Math" charset="0"/>
+                              <a:ea typeface="Cambria Math" charset="0"/>
+                              <a:cs typeface="Cambria Math" charset="0"/>
+                            </a:rPr>
+                          </m:ctrlPr>
+                        </m:sSubPr>
+                        <m:e>
+                          <m:r>
+                            <a:rPr lang="en-US" altLang="zh-CN" i="1" dirty="0">
+                              <a:latin typeface="Cambria Math" charset="0"/>
+                              <a:ea typeface="Cambria Math" charset="0"/>
+                              <a:cs typeface="Cambria Math" charset="0"/>
+                            </a:rPr>
+                            <m:t>𝜔</m:t>
+                          </m:r>
+                        </m:e>
+                        <m:sub>
+                          <m:r>
+                            <a:rPr lang="en-US" altLang="zh-CN" i="1" dirty="0">
+                              <a:latin typeface="Cambria Math" charset="0"/>
+                              <a:ea typeface="Cambria Math" charset="0"/>
+                              <a:cs typeface="Cambria Math" charset="0"/>
+                            </a:rPr>
+                            <m:t>0</m:t>
+                          </m:r>
+                        </m:sub>
+                      </m:sSub>
+                    </m:oMath>
+                  </m:oMathPara>
+                </a14:m>
+                <a:endParaRPr lang="en-US" altLang="zh-CN" dirty="0" smtClean="0"/>
+              </a:p>
+              <a:p>
+                <a:pPr marL="0" indent="0">
+                  <a:lnSpc>
+                    <a:spcPct val="120000"/>
+                  </a:lnSpc>
+                  <a:buNone/>
+                </a:pPr>
+                <a:endParaRPr lang="en-US" altLang="zh-CN" dirty="0" smtClean="0"/>
+              </a:p>
+              <a:p>
+                <a:pPr marL="0" indent="0">
+                  <a:lnSpc>
+                    <a:spcPct val="120000"/>
+                  </a:lnSpc>
+                  <a:buNone/>
+                </a:pPr>
+                <a:r>
+                  <a:rPr lang="zh-CN" altLang="en-US" dirty="0" smtClean="0"/>
+                  <a:t>我们把上述形式称为</a:t>
+                </a:r>
+                <a:r>
+                  <a:rPr lang="en-US" altLang="zh-CN" dirty="0" smtClean="0"/>
+                  <a:t>logit</a:t>
+                </a:r>
+                <a:r>
+                  <a:rPr lang="zh-CN" altLang="en-US" dirty="0" smtClean="0"/>
+                  <a:t>形式，也称作</a:t>
+                </a:r>
+                <a:r>
+                  <a:rPr lang="en-US" altLang="zh-CN" dirty="0" smtClean="0"/>
+                  <a:t>y</a:t>
+                </a:r>
+                <a:r>
+                  <a:rPr lang="zh-CN" altLang="en-US" dirty="0" smtClean="0"/>
+                  <a:t>的</a:t>
+                </a:r>
+                <a:r>
+                  <a:rPr lang="en-US" altLang="zh-CN" dirty="0" smtClean="0"/>
+                  <a:t>logit</a:t>
+                </a:r>
+                <a:r>
+                  <a:rPr lang="zh-CN" altLang="en-US" dirty="0" smtClean="0"/>
+                  <a:t>，即</a:t>
+                </a:r>
+                <a:r>
+                  <a:rPr lang="en-US" altLang="zh-CN" dirty="0" smtClean="0"/>
+                  <a:t>logit(y)</a:t>
+                </a:r>
+                <a:r>
+                  <a:rPr lang="zh-CN" altLang="en-US" dirty="0" smtClean="0"/>
+                  <a:t>。这一转换的重要性在于：</a:t>
+                </a:r>
+                <a:r>
+                  <a:rPr lang="en-US" altLang="zh-CN" dirty="0"/>
+                  <a:t> logit(y)</a:t>
+                </a:r>
+                <a:r>
+                  <a:rPr lang="zh-CN" altLang="en-US" dirty="0"/>
+                  <a:t>对于其参数而言是线性</a:t>
+                </a:r>
+                <a:r>
+                  <a:rPr lang="zh-CN" altLang="en-US" dirty="0" smtClean="0"/>
+                  <a:t>的，并且依赖于</a:t>
+                </a:r>
+                <a:r>
+                  <a:rPr lang="en-US" altLang="zh-CN" dirty="0" smtClean="0"/>
+                  <a:t>x</a:t>
+                </a:r>
+                <a:r>
+                  <a:rPr lang="zh-CN" altLang="en-US" dirty="0" smtClean="0"/>
+                  <a:t>的取值，它的值域是负无穷到正无穷。从而</a:t>
+                </a:r>
+                <a:r>
+                  <a:rPr lang="en-US" altLang="zh-CN" dirty="0" smtClean="0"/>
+                  <a:t>logit(y)</a:t>
+                </a:r>
+                <a:r>
+                  <a:rPr lang="zh-CN" altLang="en-US" dirty="0" smtClean="0"/>
+                  <a:t>就可以利用很多线性回归模型的性质。</a:t>
+                </a:r>
+                <a:endParaRPr lang="en-US" altLang="zh-CN" dirty="0" smtClean="0"/>
+              </a:p>
+              <a:p>
+                <a:pPr marL="0" indent="0">
+                  <a:lnSpc>
+                    <a:spcPct val="120000"/>
+                  </a:lnSpc>
+                  <a:buNone/>
+                </a:pPr>
+                <a:endParaRPr lang="en-US" altLang="zh-CN" dirty="0"/>
+              </a:p>
+              <a:p>
+                <a:pPr marL="0" indent="0">
+                  <a:lnSpc>
+                    <a:spcPct val="120000"/>
+                  </a:lnSpc>
+                  <a:buNone/>
+                </a:pPr>
+                <a:r>
+                  <a:rPr lang="zh-CN" altLang="en-US" dirty="0" smtClean="0"/>
+                  <a:t>同时，当一个变量的作用是增加对数发生比</a:t>
+                </a:r>
+                <a:r>
+                  <a:rPr lang="en-US" altLang="zh-CN" dirty="0" smtClean="0"/>
+                  <a:t>(logit(y))</a:t>
+                </a:r>
+                <a:r>
+                  <a:rPr lang="zh-CN" altLang="en-US" dirty="0" smtClean="0"/>
+                  <a:t>的话，也就是增加时间发生的概率</a:t>
+                </a:r>
+                <a:r>
+                  <a:rPr lang="en-US" altLang="zh-CN" dirty="0" smtClean="0"/>
+                  <a:t>(y)</a:t>
+                </a:r>
+                <a:r>
+                  <a:rPr lang="zh-CN" altLang="en-US" dirty="0" smtClean="0"/>
+                  <a:t>。</a:t>
+                </a:r>
+                <a:endParaRPr lang="en-US" altLang="zh-CN" dirty="0" smtClean="0"/>
+              </a:p>
+            </p:txBody>
+          </p:sp>
+        </mc:Choice>
+        <mc:Fallback>
+          <p:sp>
+            <p:nvSpPr>
+              <p:cNvPr id="3" name="Content Placeholder 2"/>
+              <p:cNvSpPr>
+                <a:spLocks noGrp="1" noRot="1" noChangeAspect="1" noMove="1" noResize="1" noEditPoints="1" noAdjustHandles="1" noChangeArrowheads="1" noChangeShapeType="1" noTextEdit="1"/>
+              </p:cNvSpPr>
+              <p:nvPr>
+                <p:ph idx="1"/>
+              </p:nvPr>
+            </p:nvSpPr>
+            <p:spPr>
+              <a:blipFill rotWithShape="0">
+                <a:blip r:embed="rId2"/>
+                <a:stretch>
+                  <a:fillRect l="-638" t="-700"/>
+                </a:stretch>
+              </a:blipFill>
+            </p:spPr>
+            <p:txBody>
+              <a:bodyPr/>
+              <a:lstStyle/>
+              <a:p>
+                <a:r>
+                  <a:rPr lang="en-US">
+                    <a:noFill/>
+                  </a:rPr>
+                  <a:t> </a:t>
+                </a:r>
+              </a:p>
+            </p:txBody>
+          </p:sp>
+        </mc:Fallback>
+      </mc:AlternateContent>
+    </p:spTree>
+    <p:extLst>
+      <p:ext uri="{BB962C8B-B14F-4D97-AF65-F5344CB8AC3E}">
+        <p14:creationId xmlns:p14="http://schemas.microsoft.com/office/powerpoint/2010/main" val="905020310"/>
+      </p:ext>
+    </p:extLst>
+  </p:cSld>
+  <p:clrMapOvr>
+    <a:masterClrMapping/>
+  </p:clrMapOvr>
+</p:sld>
+</file>
+
+<file path=ppt/slides/slide12.xml><?xml version="1.0" encoding="utf-8"?>
+<p:sld xmlns:a="http://schemas.openxmlformats.org/drawingml/2006/main" xmlns:r="http://schemas.openxmlformats.org/officeDocument/2006/relationships" xmlns:p="http://schemas.openxmlformats.org/presentationml/2006/main">
+  <p:cSld>
+    <p:spTree>
+      <p:nvGrpSpPr>
+        <p:cNvPr id="1" name=""/>
+        <p:cNvGrpSpPr/>
+        <p:nvPr/>
+      </p:nvGrpSpPr>
+      <p:grpSpPr>
+        <a:xfrm>
+          <a:off x="0" y="0"/>
+          <a:ext cx="0" cy="0"/>
+          <a:chOff x="0" y="0"/>
+          <a:chExt cx="0" cy="0"/>
+        </a:xfrm>
+      </p:grpSpPr>
+      <p:sp>
+        <p:nvSpPr>
+          <p:cNvPr id="2" name="Title 1"/>
+          <p:cNvSpPr>
+            <a:spLocks noGrp="1"/>
+          </p:cNvSpPr>
+          <p:nvPr>
+            <p:ph type="title"/>
+          </p:nvPr>
+        </p:nvSpPr>
+        <p:spPr/>
+        <p:txBody>
+          <a:bodyPr/>
+          <a:lstStyle/>
+          <a:p>
+            <a:r>
+              <a:rPr lang="zh-CN" altLang="en-US" dirty="0" smtClean="0"/>
+              <a:t>参数估计</a:t>
+            </a:r>
+            <a:endParaRPr lang="en-US" dirty="0"/>
+          </a:p>
+        </p:txBody>
+      </p:sp>
+      <p:sp>
+        <p:nvSpPr>
+          <p:cNvPr id="3" name="Content Placeholder 2"/>
+          <p:cNvSpPr>
+            <a:spLocks noGrp="1"/>
+          </p:cNvSpPr>
+          <p:nvPr>
+            <p:ph idx="1"/>
+          </p:nvPr>
+        </p:nvSpPr>
+        <p:spPr/>
+        <p:txBody>
+          <a:bodyPr/>
+          <a:lstStyle/>
+          <a:p>
+            <a:r>
+              <a:rPr lang="zh-CN" altLang="en-US" dirty="0" smtClean="0"/>
+              <a:t>最小二乘法（</a:t>
+            </a:r>
+            <a:r>
+              <a:rPr lang="en-US" altLang="zh-CN" dirty="0" smtClean="0"/>
+              <a:t>Least Squares</a:t>
+            </a:r>
+            <a:r>
+              <a:rPr lang="zh-CN" altLang="en-US" dirty="0" smtClean="0"/>
+              <a:t>）</a:t>
+            </a:r>
+            <a:endParaRPr lang="en-US" altLang="zh-CN" dirty="0" smtClean="0"/>
+          </a:p>
+          <a:p>
+            <a:r>
+              <a:rPr lang="zh-CN" altLang="en-US" dirty="0" smtClean="0"/>
+              <a:t>最大似然估计</a:t>
+            </a:r>
+            <a:r>
+              <a:rPr lang="en-US" altLang="zh-CN" dirty="0" smtClean="0"/>
+              <a:t>(MLE)</a:t>
+            </a:r>
+          </a:p>
+          <a:p>
+            <a:r>
+              <a:rPr lang="zh-CN" altLang="en-US" dirty="0" smtClean="0"/>
+              <a:t>朴素贝叶斯</a:t>
+            </a:r>
+            <a:r>
+              <a:rPr lang="en-US" altLang="zh-CN" dirty="0" smtClean="0"/>
+              <a:t>(NB)</a:t>
+            </a:r>
+            <a:endParaRPr lang="en-US" dirty="0"/>
+          </a:p>
+        </p:txBody>
+      </p:sp>
+    </p:spTree>
+    <p:extLst>
+      <p:ext uri="{BB962C8B-B14F-4D97-AF65-F5344CB8AC3E}">
+        <p14:creationId xmlns:p14="http://schemas.microsoft.com/office/powerpoint/2010/main" val="1272445161"/>
+      </p:ext>
+    </p:extLst>
+  </p:cSld>
+  <p:clrMapOvr>
+    <a:masterClrMapping/>
+  </p:clrMapOvr>
+</p:sld>
+</file>
+
+<file path=ppt/slides/slide13.xml><?xml version="1.0" encoding="utf-8"?>
+<p:sld xmlns:a="http://schemas.openxmlformats.org/drawingml/2006/main" xmlns:r="http://schemas.openxmlformats.org/officeDocument/2006/relationships" xmlns:p="http://schemas.openxmlformats.org/presentationml/2006/main">
+  <p:cSld>
+    <p:spTree>
+      <p:nvGrpSpPr>
+        <p:cNvPr id="1" name=""/>
+        <p:cNvGrpSpPr/>
+        <p:nvPr/>
+      </p:nvGrpSpPr>
+      <p:grpSpPr>
+        <a:xfrm>
+          <a:off x="0" y="0"/>
+          <a:ext cx="0" cy="0"/>
+          <a:chOff x="0" y="0"/>
+          <a:chExt cx="0" cy="0"/>
+        </a:xfrm>
+      </p:grpSpPr>
+      <p:sp>
+        <p:nvSpPr>
+          <p:cNvPr id="2" name="Title 1"/>
+          <p:cNvSpPr>
+            <a:spLocks noGrp="1"/>
+          </p:cNvSpPr>
+          <p:nvPr>
+            <p:ph type="title"/>
+          </p:nvPr>
+        </p:nvSpPr>
+        <p:spPr/>
+        <p:txBody>
+          <a:bodyPr/>
+          <a:lstStyle/>
+          <a:p>
+            <a:r>
+              <a:rPr lang="zh-CN" altLang="en-US" dirty="0" smtClean="0"/>
+              <a:t>最小二乘法</a:t>
+            </a:r>
+            <a:endParaRPr lang="en-US" dirty="0"/>
+          </a:p>
+        </p:txBody>
+      </p:sp>
+      <p:sp>
+        <p:nvSpPr>
+          <p:cNvPr id="3" name="Content Placeholder 2"/>
+          <p:cNvSpPr>
+            <a:spLocks noGrp="1"/>
+          </p:cNvSpPr>
+          <p:nvPr>
+            <p:ph idx="1"/>
+          </p:nvPr>
+        </p:nvSpPr>
+        <p:spPr/>
+        <p:txBody>
+          <a:bodyPr/>
+          <a:lstStyle/>
+          <a:p>
+            <a:pPr marL="0" indent="0">
+              <a:buNone/>
+            </a:pPr>
+            <a:r>
+              <a:rPr lang="en-US" altLang="zh-CN" dirty="0" smtClean="0"/>
+              <a:t>NB</a:t>
+            </a:r>
+            <a:r>
+              <a:rPr lang="zh-CN" altLang="en-US" dirty="0" smtClean="0"/>
+              <a:t>：最小二乘法分为线性</a:t>
+            </a:r>
+            <a:r>
+              <a:rPr lang="en-US" altLang="zh-CN" dirty="0" smtClean="0"/>
+              <a:t>/</a:t>
+            </a:r>
+            <a:r>
+              <a:rPr lang="zh-CN" altLang="en-US" dirty="0" smtClean="0"/>
+              <a:t>普通最小二乘法</a:t>
+            </a:r>
+            <a:r>
+              <a:rPr lang="en-US" altLang="zh-CN" dirty="0" smtClean="0"/>
+              <a:t>(ordinary </a:t>
+            </a:r>
+            <a:r>
+              <a:rPr lang="en-US" altLang="zh-CN" dirty="0"/>
+              <a:t>least </a:t>
+            </a:r>
+            <a:r>
+              <a:rPr lang="en-US" altLang="zh-CN" dirty="0" smtClean="0"/>
+              <a:t>squares</a:t>
+            </a:r>
+            <a:r>
+              <a:rPr lang="zh-CN" altLang="en-US" dirty="0" smtClean="0"/>
+              <a:t>，</a:t>
+            </a:r>
+            <a:r>
+              <a:rPr lang="en-US" altLang="zh-CN" dirty="0" smtClean="0"/>
+              <a:t> OLS</a:t>
+            </a:r>
+            <a:r>
+              <a:rPr lang="en-US" altLang="zh-CN" dirty="0"/>
+              <a:t>)</a:t>
+            </a:r>
+            <a:r>
+              <a:rPr lang="zh-CN" altLang="en-US" dirty="0" smtClean="0"/>
+              <a:t>和非线性最小二乘法</a:t>
+            </a:r>
+            <a:r>
+              <a:rPr lang="en-US" altLang="zh-CN" dirty="0"/>
+              <a:t>(Non-linear least squares)</a:t>
+            </a:r>
+            <a:r>
+              <a:rPr lang="zh-CN" altLang="en-US" dirty="0" smtClean="0"/>
+              <a:t>，我们一般都指的是前者。</a:t>
+            </a:r>
+            <a:endParaRPr lang="en-US" altLang="zh-CN" dirty="0" smtClean="0"/>
+          </a:p>
+          <a:p>
+            <a:pPr marL="0" indent="0">
+              <a:buNone/>
+            </a:pPr>
+            <a:endParaRPr lang="en-US" dirty="0"/>
+          </a:p>
+          <a:p>
+            <a:pPr marL="0" indent="0">
+              <a:buNone/>
+            </a:pPr>
+            <a:r>
+              <a:rPr lang="en-US" altLang="zh-CN" dirty="0" smtClean="0"/>
+              <a:t>Wikipedia:</a:t>
+            </a:r>
+            <a:r>
+              <a:rPr lang="zh-CN" altLang="en-US" dirty="0"/>
+              <a:t> 最小二乘法（又称最小平方法）是一种数学优化技术。它通过最小化误差的</a:t>
+            </a:r>
+            <a:r>
+              <a:rPr lang="zh-CN" altLang="en-US" dirty="0" smtClean="0"/>
+              <a:t>平方来寻找</a:t>
+            </a:r>
+            <a:r>
+              <a:rPr lang="zh-CN" altLang="en-US" dirty="0"/>
+              <a:t>数据的最佳函数匹配。</a:t>
+            </a:r>
+            <a:endParaRPr lang="en-US" dirty="0"/>
+          </a:p>
+        </p:txBody>
+      </p:sp>
+    </p:spTree>
+    <p:extLst>
+      <p:ext uri="{BB962C8B-B14F-4D97-AF65-F5344CB8AC3E}">
+        <p14:creationId xmlns:p14="http://schemas.microsoft.com/office/powerpoint/2010/main" val="1109433932"/>
+      </p:ext>
+    </p:extLst>
+  </p:cSld>
+  <p:clrMapOvr>
+    <a:masterClrMapping/>
+  </p:clrMapOvr>
+</p:sld>
+</file>
+
+<file path=ppt/slides/slide14.xml><?xml version="1.0" encoding="utf-8"?>
+<p:sld xmlns:a="http://schemas.openxmlformats.org/drawingml/2006/main" xmlns:r="http://schemas.openxmlformats.org/officeDocument/2006/relationships" xmlns:p="http://schemas.openxmlformats.org/presentationml/2006/main">
+  <p:cSld>
+    <p:spTree>
+      <p:nvGrpSpPr>
+        <p:cNvPr id="1" name=""/>
+        <p:cNvGrpSpPr/>
+        <p:nvPr/>
+      </p:nvGrpSpPr>
+      <p:grpSpPr>
+        <a:xfrm>
+          <a:off x="0" y="0"/>
+          <a:ext cx="0" cy="0"/>
+          <a:chOff x="0" y="0"/>
+          <a:chExt cx="0" cy="0"/>
+        </a:xfrm>
+      </p:grpSpPr>
+      <p:sp>
+        <p:nvSpPr>
+          <p:cNvPr id="2" name="Title 1"/>
+          <p:cNvSpPr>
+            <a:spLocks noGrp="1"/>
+          </p:cNvSpPr>
+          <p:nvPr>
+            <p:ph type="title"/>
+          </p:nvPr>
+        </p:nvSpPr>
+        <p:spPr/>
+        <p:txBody>
+          <a:bodyPr/>
+          <a:lstStyle/>
+          <a:p>
+            <a:r>
+              <a:rPr lang="en-US" altLang="zh-CN" dirty="0" smtClean="0"/>
+              <a:t>OLS</a:t>
+            </a:r>
+            <a:r>
+              <a:rPr lang="zh-CN" altLang="en-US" dirty="0" smtClean="0"/>
+              <a:t>例子</a:t>
+            </a:r>
+            <a:endParaRPr lang="en-US" dirty="0"/>
+          </a:p>
+        </p:txBody>
+      </p:sp>
+      <p:sp>
+        <p:nvSpPr>
+          <p:cNvPr id="3" name="Content Placeholder 2"/>
+          <p:cNvSpPr>
+            <a:spLocks noGrp="1"/>
+          </p:cNvSpPr>
+          <p:nvPr>
+            <p:ph idx="1"/>
+          </p:nvPr>
+        </p:nvSpPr>
+        <p:spPr/>
+        <p:txBody>
+          <a:bodyPr/>
+          <a:lstStyle/>
+          <a:p>
+            <a:pPr marL="0" marR="0" lvl="0" indent="0" defTabSz="914400" eaLnBrk="1" fontAlgn="auto" latinLnBrk="0" hangingPunct="1">
+              <a:lnSpc>
+                <a:spcPct val="100000"/>
+              </a:lnSpc>
+              <a:spcBef>
+                <a:spcPts val="0"/>
+              </a:spcBef>
+              <a:spcAft>
+                <a:spcPts val="0"/>
+              </a:spcAft>
+              <a:buClrTx/>
+              <a:buSzTx/>
+              <a:buFontTx/>
+              <a:buNone/>
+              <a:tabLst/>
+              <a:defRPr/>
+            </a:pPr>
+            <a:endParaRPr lang="en-US" dirty="0"/>
+          </a:p>
+        </p:txBody>
+      </p:sp>
+    </p:spTree>
+    <p:extLst>
+      <p:ext uri="{BB962C8B-B14F-4D97-AF65-F5344CB8AC3E}">
+        <p14:creationId xmlns:p14="http://schemas.microsoft.com/office/powerpoint/2010/main" val="268062895"/>
+      </p:ext>
+    </p:extLst>
+  </p:cSld>
+  <p:clrMapOvr>
+    <a:masterClrMapping/>
+  </p:clrMapOvr>
+</p:sld>
+</file>
+
+<file path=ppt/slides/slide15.xml><?xml version="1.0" encoding="utf-8"?>
+<p:sld xmlns:a="http://schemas.openxmlformats.org/drawingml/2006/main" xmlns:r="http://schemas.openxmlformats.org/officeDocument/2006/relationships" xmlns:p="http://schemas.openxmlformats.org/presentationml/2006/main">
+  <p:cSld>
+    <p:spTree>
+      <p:nvGrpSpPr>
+        <p:cNvPr id="1" name=""/>
+        <p:cNvGrpSpPr/>
+        <p:nvPr/>
+      </p:nvGrpSpPr>
+      <p:grpSpPr>
+        <a:xfrm>
+          <a:off x="0" y="0"/>
+          <a:ext cx="0" cy="0"/>
+          <a:chOff x="0" y="0"/>
+          <a:chExt cx="0" cy="0"/>
+        </a:xfrm>
+      </p:grpSpPr>
+      <p:sp>
+        <p:nvSpPr>
+          <p:cNvPr id="2" name="Title 1"/>
+          <p:cNvSpPr>
+            <a:spLocks noGrp="1"/>
+          </p:cNvSpPr>
+          <p:nvPr>
+            <p:ph type="title"/>
+          </p:nvPr>
+        </p:nvSpPr>
+        <p:spPr/>
+        <p:txBody>
+          <a:bodyPr/>
+          <a:lstStyle/>
+          <a:p>
+            <a:r>
+              <a:rPr lang="zh-CN" altLang="en-US" dirty="0" smtClean="0"/>
+              <a:t>求似然函数</a:t>
+            </a:r>
+            <a:endParaRPr lang="en-US" dirty="0"/>
+          </a:p>
+        </p:txBody>
+      </p:sp>
+      <mc:AlternateContent xmlns:mc="http://schemas.openxmlformats.org/markup-compatibility/2006">
+        <mc:Choice xmlns:a14="http://schemas.microsoft.com/office/drawing/2010/main" Requires="a14">
+          <p:sp>
+            <p:nvSpPr>
+              <p:cNvPr id="3" name="Content Placeholder 2"/>
+              <p:cNvSpPr>
+                <a:spLocks noGrp="1"/>
+              </p:cNvSpPr>
+              <p:nvPr>
+                <p:ph idx="1"/>
+              </p:nvPr>
+            </p:nvSpPr>
+            <p:spPr>
+              <a:xfrm>
+                <a:off x="838200" y="1592494"/>
+                <a:ext cx="10515600" cy="4828853"/>
+              </a:xfrm>
+            </p:spPr>
+            <p:txBody>
+              <a:bodyPr>
+                <a:normAutofit fontScale="55000" lnSpcReduction="20000"/>
+              </a:bodyPr>
+              <a:lstStyle/>
+              <a:p>
+                <a:pPr marL="0" indent="0">
+                  <a:lnSpc>
+                    <a:spcPct val="120000"/>
+                  </a:lnSpc>
+                  <a:buNone/>
+                </a:pPr>
+                <a:r>
+                  <a:rPr lang="zh-CN" altLang="en-US" sz="3100" dirty="0" smtClean="0"/>
+                  <a:t>现在有</a:t>
+                </a:r>
+                <a:r>
+                  <a:rPr lang="en-US" altLang="zh-CN" sz="3100" dirty="0" smtClean="0"/>
+                  <a:t>n</a:t>
+                </a:r>
+                <a:r>
+                  <a:rPr lang="zh-CN" altLang="en-US" sz="3100" dirty="0" smtClean="0"/>
+                  <a:t>个样本，观测值分别为</a:t>
+                </a:r>
+                <a:r>
+                  <a:rPr lang="en-US" altLang="zh-CN" sz="3100" dirty="0" smtClean="0"/>
+                  <a:t>y</a:t>
+                </a:r>
+                <a:r>
+                  <a:rPr lang="en-US" altLang="zh-CN" sz="3100" baseline="-25000" dirty="0" smtClean="0"/>
+                  <a:t>1</a:t>
+                </a:r>
+                <a:r>
+                  <a:rPr lang="en-US" altLang="zh-CN" sz="3100" dirty="0" smtClean="0"/>
+                  <a:t>,y</a:t>
+                </a:r>
+                <a:r>
+                  <a:rPr lang="en-US" altLang="zh-CN" sz="3100" baseline="-25000" dirty="0"/>
+                  <a:t>2</a:t>
+                </a:r>
+                <a:r>
+                  <a:rPr lang="en-US" altLang="zh-CN" sz="3100" dirty="0" smtClean="0"/>
+                  <a:t>,</a:t>
+                </a:r>
+                <a:r>
+                  <a:rPr lang="mr-IN" altLang="zh-CN" sz="3100" dirty="0" smtClean="0"/>
+                  <a:t>…</a:t>
+                </a:r>
+                <a:r>
+                  <a:rPr lang="en-US" altLang="zh-CN" sz="3100" dirty="0" smtClean="0"/>
+                  <a:t>,</a:t>
+                </a:r>
+                <a:r>
+                  <a:rPr lang="en-US" altLang="zh-CN" sz="3100" dirty="0" err="1" smtClean="0"/>
+                  <a:t>y</a:t>
+                </a:r>
+                <a:r>
+                  <a:rPr lang="en-US" altLang="zh-CN" sz="3100" baseline="-25000" dirty="0" err="1"/>
+                  <a:t>n</a:t>
+                </a:r>
+                <a:r>
+                  <a:rPr lang="zh-CN" altLang="en-US" sz="3100" dirty="0" smtClean="0"/>
+                  <a:t>。设</a:t>
+                </a:r>
+                <a:r>
+                  <a:rPr lang="en-US" altLang="zh-CN" sz="3100" dirty="0" smtClean="0"/>
+                  <a:t>p</a:t>
+                </a:r>
+                <a:r>
+                  <a:rPr lang="en-US" altLang="zh-CN" sz="3100" baseline="-25000" dirty="0" smtClean="0"/>
+                  <a:t>i</a:t>
+                </a:r>
+                <a:r>
+                  <a:rPr lang="zh-CN" altLang="en-US" sz="3100" baseline="-25000" dirty="0"/>
+                  <a:t> </a:t>
+                </a:r>
+                <a:r>
+                  <a:rPr lang="en-US" altLang="zh-CN" sz="3100" dirty="0" smtClean="0"/>
+                  <a:t>=p(y=1|x</a:t>
+                </a:r>
+                <a:r>
+                  <a:rPr lang="en-US" altLang="zh-CN" sz="3100" baseline="-25000" dirty="0" smtClean="0"/>
+                  <a:t>i</a:t>
+                </a:r>
+                <a:r>
+                  <a:rPr lang="en-US" altLang="zh-CN" sz="3100" dirty="0" smtClean="0"/>
+                  <a:t>)</a:t>
+                </a:r>
+                <a:r>
+                  <a:rPr lang="zh-CN" altLang="en-US" sz="3100" dirty="0" smtClean="0"/>
+                  <a:t>为给定</a:t>
+                </a:r>
+                <a:r>
+                  <a:rPr lang="en-US" altLang="zh-CN" sz="3100" dirty="0" smtClean="0"/>
+                  <a:t>x</a:t>
+                </a:r>
+                <a:r>
+                  <a:rPr lang="en-US" altLang="zh-CN" sz="3100" baseline="-25000" dirty="0" smtClean="0"/>
+                  <a:t>i</a:t>
+                </a:r>
+                <a:r>
+                  <a:rPr lang="zh-CN" altLang="en-US" sz="3100" dirty="0" smtClean="0"/>
+                  <a:t> </a:t>
+                </a:r>
+                <a:r>
+                  <a:rPr lang="en-US" altLang="zh-CN" sz="3100" dirty="0" smtClean="0"/>
+                  <a:t>(</a:t>
+                </a:r>
+                <a:r>
+                  <a:rPr lang="zh-CN" altLang="en-US" sz="3100" dirty="0" smtClean="0"/>
+                  <a:t>第</a:t>
+                </a:r>
+                <a:r>
+                  <a:rPr lang="en-US" altLang="zh-CN" sz="3100" dirty="0" err="1" smtClean="0"/>
+                  <a:t>i</a:t>
+                </a:r>
+                <a:r>
+                  <a:rPr lang="zh-CN" altLang="en-US" sz="3100" dirty="0" smtClean="0"/>
+                  <a:t>条样本或第</a:t>
+                </a:r>
+                <a:r>
+                  <a:rPr lang="en-US" altLang="zh-CN" sz="3100" dirty="0" err="1" smtClean="0"/>
+                  <a:t>i</a:t>
+                </a:r>
+                <a:r>
+                  <a:rPr lang="zh-CN" altLang="en-US" sz="3100" dirty="0" smtClean="0"/>
+                  <a:t>个观测值</a:t>
+                </a:r>
+                <a:r>
+                  <a:rPr lang="en-US" altLang="zh-CN" sz="3100" dirty="0" smtClean="0"/>
+                  <a:t>)</a:t>
+                </a:r>
+                <a:r>
+                  <a:rPr lang="zh-CN" altLang="en-US" sz="3100" dirty="0" smtClean="0"/>
+                  <a:t>的条件下得到</a:t>
+                </a:r>
+                <a:r>
+                  <a:rPr lang="en-US" altLang="zh-CN" sz="3100" dirty="0" err="1" smtClean="0"/>
+                  <a:t>y</a:t>
+                </a:r>
+                <a:r>
+                  <a:rPr lang="en-US" altLang="zh-CN" sz="3100" baseline="-25000" dirty="0" err="1"/>
+                  <a:t>i</a:t>
+                </a:r>
+                <a:r>
+                  <a:rPr lang="en-US" altLang="zh-CN" sz="3100" dirty="0" smtClean="0"/>
+                  <a:t>=1</a:t>
+                </a:r>
+                <a:r>
+                  <a:rPr lang="zh-CN" altLang="en-US" sz="3100" dirty="0" smtClean="0"/>
+                  <a:t>的条件概率；这样，在同样条件下得到结果</a:t>
+                </a:r>
+                <a:r>
+                  <a:rPr lang="en-US" altLang="zh-CN" sz="3100" dirty="0" err="1" smtClean="0"/>
+                  <a:t>y</a:t>
+                </a:r>
+                <a:r>
+                  <a:rPr lang="en-US" altLang="zh-CN" sz="3100" baseline="-25000" dirty="0" err="1"/>
+                  <a:t>i</a:t>
+                </a:r>
+                <a:r>
+                  <a:rPr lang="en-US" altLang="zh-CN" sz="3100" dirty="0" smtClean="0"/>
+                  <a:t>=0</a:t>
+                </a:r>
+                <a:r>
+                  <a:rPr lang="zh-CN" altLang="en-US" sz="3100" dirty="0" smtClean="0"/>
+                  <a:t>的条件概率为</a:t>
+                </a:r>
+                <a:r>
+                  <a:rPr lang="en-US" altLang="zh-CN" sz="3100" dirty="0" smtClean="0"/>
+                  <a:t>p(y=0|x</a:t>
+                </a:r>
+                <a:r>
+                  <a:rPr lang="en-US" altLang="zh-CN" sz="3100" baseline="-25000" dirty="0" smtClean="0"/>
+                  <a:t>i</a:t>
+                </a:r>
+                <a:r>
+                  <a:rPr lang="en-US" altLang="zh-CN" sz="3100" dirty="0" smtClean="0"/>
+                  <a:t>)=1-p</a:t>
+                </a:r>
+                <a:r>
+                  <a:rPr lang="en-US" altLang="zh-CN" sz="3100" baseline="-25000" dirty="0"/>
+                  <a:t>i</a:t>
+                </a:r>
+                <a:r>
+                  <a:rPr lang="zh-CN" altLang="en-US" sz="3100" dirty="0"/>
+                  <a:t>。</a:t>
+                </a:r>
+                <a:r>
+                  <a:rPr lang="zh-CN" altLang="en-US" sz="3100" dirty="0" smtClean="0"/>
+                  <a:t>从而，我们得到一个观测值的概率为：</a:t>
+                </a:r>
+                <a:endParaRPr lang="en-US" altLang="zh-CN" sz="3100" dirty="0" smtClean="0"/>
+              </a:p>
+              <a:p>
+                <a:pPr marL="0" indent="0">
+                  <a:lnSpc>
+                    <a:spcPct val="120000"/>
+                  </a:lnSpc>
+                  <a:buNone/>
+                </a:pPr>
+                <a:endParaRPr lang="en-US" altLang="zh-CN" baseline="-25000" dirty="0" smtClean="0"/>
+              </a:p>
+              <a:p>
+                <a:pPr marL="0" indent="0">
+                  <a:lnSpc>
+                    <a:spcPct val="120000"/>
+                  </a:lnSpc>
+                  <a:buNone/>
+                </a:pPr>
+                <a14:m>
+                  <m:oMathPara xmlns:m="http://schemas.openxmlformats.org/officeDocument/2006/math">
+                    <m:oMathParaPr>
+                      <m:jc m:val="centerGroup"/>
+                    </m:oMathParaPr>
+                    <m:oMath xmlns:m="http://schemas.openxmlformats.org/officeDocument/2006/math">
+                      <m:r>
+                        <a:rPr lang="en-US" altLang="zh-CN" b="0" i="1" smtClean="0">
+                          <a:latin typeface="Cambria Math" charset="0"/>
+                        </a:rPr>
+                        <m:t>𝑃</m:t>
+                      </m:r>
+                      <m:d>
+                        <m:dPr>
+                          <m:ctrlPr>
+                            <a:rPr lang="en-US" altLang="zh-CN" b="0" i="1" smtClean="0">
+                              <a:latin typeface="Cambria Math" charset="0"/>
+                            </a:rPr>
+                          </m:ctrlPr>
+                        </m:dPr>
+                        <m:e>
+                          <m:sSub>
+                            <m:sSubPr>
+                              <m:ctrlPr>
+                                <a:rPr lang="en-US" altLang="zh-CN" b="0" i="1" smtClean="0">
+                                  <a:latin typeface="Cambria Math" charset="0"/>
+                                </a:rPr>
+                              </m:ctrlPr>
+                            </m:sSubPr>
+                            <m:e>
+                              <m:r>
+                                <a:rPr lang="en-US" altLang="zh-CN" b="0" i="1" smtClean="0">
+                                  <a:latin typeface="Cambria Math" charset="0"/>
+                                </a:rPr>
+                                <m:t>𝑦</m:t>
+                              </m:r>
+                            </m:e>
+                            <m:sub>
+                              <m:r>
+                                <a:rPr lang="en-US" altLang="zh-CN" b="0" i="1" smtClean="0">
+                                  <a:latin typeface="Cambria Math" charset="0"/>
+                                </a:rPr>
+                                <m:t>𝑖</m:t>
+                              </m:r>
+                            </m:sub>
+                          </m:sSub>
+                        </m:e>
+                      </m:d>
+                      <m:r>
+                        <a:rPr lang="en-US" altLang="zh-CN" b="0" i="1" smtClean="0">
+                          <a:latin typeface="Cambria Math" charset="0"/>
+                        </a:rPr>
+                        <m:t>=</m:t>
+                      </m:r>
+                      <m:sSup>
+                        <m:sSupPr>
+                          <m:ctrlPr>
+                            <a:rPr lang="en-US" altLang="zh-CN" b="0" i="1" smtClean="0">
+                              <a:latin typeface="Cambria Math" charset="0"/>
+                            </a:rPr>
+                          </m:ctrlPr>
+                        </m:sSupPr>
+                        <m:e>
+                          <m:sSub>
+                            <m:sSubPr>
+                              <m:ctrlPr>
+                                <a:rPr lang="en-US" altLang="zh-CN" b="0" i="1" smtClean="0">
+                                  <a:latin typeface="Cambria Math" charset="0"/>
+                                </a:rPr>
+                              </m:ctrlPr>
+                            </m:sSubPr>
+                            <m:e>
+                              <m:r>
+                                <a:rPr lang="en-US" altLang="zh-CN" b="0" i="1" smtClean="0">
+                                  <a:latin typeface="Cambria Math" charset="0"/>
+                                </a:rPr>
+                                <m:t>𝑝</m:t>
+                              </m:r>
+                            </m:e>
+                            <m:sub>
+                              <m:r>
+                                <a:rPr lang="en-US" altLang="zh-CN" b="0" i="1" smtClean="0">
+                                  <a:latin typeface="Cambria Math" charset="0"/>
+                                </a:rPr>
+                                <m:t>𝑖</m:t>
+                              </m:r>
+                            </m:sub>
+                          </m:sSub>
+                        </m:e>
+                        <m:sup>
+                          <m:sSub>
+                            <m:sSubPr>
+                              <m:ctrlPr>
+                                <a:rPr lang="en-US" altLang="zh-CN" b="0" i="1" smtClean="0">
+                                  <a:latin typeface="Cambria Math" charset="0"/>
+                                </a:rPr>
+                              </m:ctrlPr>
+                            </m:sSubPr>
+                            <m:e>
+                              <m:r>
+                                <a:rPr lang="en-US" altLang="zh-CN" b="0" i="1" smtClean="0">
+                                  <a:latin typeface="Cambria Math" charset="0"/>
+                                </a:rPr>
+                                <m:t>𝑦</m:t>
+                              </m:r>
+                            </m:e>
+                            <m:sub>
+                              <m:r>
+                                <a:rPr lang="en-US" altLang="zh-CN" b="0" i="1" smtClean="0">
+                                  <a:latin typeface="Cambria Math" charset="0"/>
+                                </a:rPr>
+                                <m:t>𝑖</m:t>
+                              </m:r>
+                            </m:sub>
+                          </m:sSub>
+                        </m:sup>
+                      </m:sSup>
+                      <m:sSup>
+                        <m:sSupPr>
+                          <m:ctrlPr>
+                            <a:rPr lang="en-US" altLang="zh-CN" b="0" i="1" smtClean="0">
+                              <a:latin typeface="Cambria Math" charset="0"/>
+                            </a:rPr>
+                          </m:ctrlPr>
+                        </m:sSupPr>
+                        <m:e>
+                          <m:r>
+                            <a:rPr lang="en-US" altLang="zh-CN" i="1">
+                              <a:latin typeface="Cambria Math" charset="0"/>
+                            </a:rPr>
+                            <m:t>(1−</m:t>
+                          </m:r>
+                          <m:sSub>
+                            <m:sSubPr>
+                              <m:ctrlPr>
+                                <a:rPr lang="en-US" altLang="zh-CN" i="1">
+                                  <a:latin typeface="Cambria Math" charset="0"/>
+                                </a:rPr>
+                              </m:ctrlPr>
+                            </m:sSubPr>
+                            <m:e>
+                              <m:r>
+                                <a:rPr lang="en-US" altLang="zh-CN" i="1">
+                                  <a:latin typeface="Cambria Math" charset="0"/>
+                                </a:rPr>
+                                <m:t>𝑝</m:t>
+                              </m:r>
+                            </m:e>
+                            <m:sub>
+                              <m:r>
+                                <a:rPr lang="en-US" altLang="zh-CN" i="1">
+                                  <a:latin typeface="Cambria Math" charset="0"/>
+                                </a:rPr>
+                                <m:t>𝑖</m:t>
+                              </m:r>
+                            </m:sub>
+                          </m:sSub>
+                          <m:r>
+                            <a:rPr lang="en-US" altLang="zh-CN" i="1">
+                              <a:latin typeface="Cambria Math" charset="0"/>
+                            </a:rPr>
+                            <m:t>)</m:t>
+                          </m:r>
+                          <m:r>
+                            <m:rPr>
+                              <m:nor/>
+                            </m:rPr>
+                            <a:rPr lang="en-US" altLang="zh-CN" dirty="0"/>
+                            <m:t> </m:t>
+                          </m:r>
+                        </m:e>
+                        <m:sup>
+                          <m:r>
+                            <a:rPr lang="en-US" altLang="zh-CN" b="0" i="1" smtClean="0">
+                              <a:latin typeface="Cambria Math" charset="0"/>
+                            </a:rPr>
+                            <m:t>1−</m:t>
+                          </m:r>
+                          <m:sSub>
+                            <m:sSubPr>
+                              <m:ctrlPr>
+                                <a:rPr lang="en-US" altLang="zh-CN" i="1">
+                                  <a:latin typeface="Cambria Math" charset="0"/>
+                                </a:rPr>
+                              </m:ctrlPr>
+                            </m:sSubPr>
+                            <m:e>
+                              <m:r>
+                                <a:rPr lang="en-US" altLang="zh-CN" i="1">
+                                  <a:latin typeface="Cambria Math" charset="0"/>
+                                </a:rPr>
+                                <m:t>𝑦</m:t>
+                              </m:r>
+                            </m:e>
+                            <m:sub>
+                              <m:r>
+                                <a:rPr lang="en-US" altLang="zh-CN" i="1">
+                                  <a:latin typeface="Cambria Math" charset="0"/>
+                                </a:rPr>
+                                <m:t>𝑖</m:t>
+                              </m:r>
+                            </m:sub>
+                          </m:sSub>
+                        </m:sup>
+                      </m:sSup>
+                    </m:oMath>
+                  </m:oMathPara>
+                </a14:m>
+                <a:endParaRPr lang="en-US" altLang="zh-CN" dirty="0" smtClean="0"/>
+              </a:p>
+              <a:p>
+                <a:pPr marL="0" indent="0">
+                  <a:lnSpc>
+                    <a:spcPct val="120000"/>
+                  </a:lnSpc>
+                  <a:buNone/>
+                </a:pPr>
+                <a:endParaRPr lang="en-US" altLang="zh-CN" dirty="0"/>
+              </a:p>
+              <a:p>
+                <a:pPr marL="0" indent="0">
+                  <a:lnSpc>
+                    <a:spcPct val="120000"/>
+                  </a:lnSpc>
+                  <a:buNone/>
+                </a:pPr>
+                <a:r>
+                  <a:rPr lang="zh-CN" altLang="en-US" dirty="0" smtClean="0"/>
+                  <a:t>其中，</a:t>
+                </a:r>
+                <a:r>
+                  <a:rPr lang="en-US" altLang="zh-CN" dirty="0" err="1" smtClean="0"/>
+                  <a:t>y</a:t>
+                </a:r>
+                <a:r>
+                  <a:rPr lang="en-US" altLang="zh-CN" baseline="-25000" dirty="0" err="1" smtClean="0"/>
+                  <a:t>i</a:t>
+                </a:r>
+                <a:r>
+                  <a:rPr lang="en-US" altLang="zh-CN" dirty="0" smtClean="0"/>
+                  <a:t>=0</a:t>
+                </a:r>
+                <a:r>
+                  <a:rPr lang="zh-CN" altLang="en-US" dirty="0" smtClean="0"/>
+                  <a:t>或</a:t>
+                </a:r>
+                <a:r>
+                  <a:rPr lang="en-US" altLang="zh-CN" dirty="0" err="1" smtClean="0"/>
+                  <a:t>y</a:t>
+                </a:r>
+                <a:r>
+                  <a:rPr lang="en-US" altLang="zh-CN" baseline="-25000" dirty="0" err="1" smtClean="0"/>
+                  <a:t>i</a:t>
+                </a:r>
+                <a:r>
+                  <a:rPr lang="en-US" altLang="zh-CN" dirty="0" smtClean="0"/>
+                  <a:t>=1.</a:t>
+                </a:r>
+                <a:r>
+                  <a:rPr lang="zh-CN" altLang="en-US" dirty="0" smtClean="0"/>
+                  <a:t> 因为各项观测值相互独立，所以他们的联合分布就是各边缘分布的乘积：</a:t>
+                </a:r>
+                <a:endParaRPr lang="en-US" altLang="zh-CN" dirty="0" smtClean="0"/>
+              </a:p>
+              <a:p>
+                <a:pPr marL="0" indent="0">
+                  <a:lnSpc>
+                    <a:spcPct val="120000"/>
+                  </a:lnSpc>
+                  <a:buNone/>
+                </a:pPr>
+                <a:endParaRPr lang="en-US" altLang="zh-CN" dirty="0"/>
+              </a:p>
+              <a:p>
+                <a:pPr marL="0" indent="0">
+                  <a:lnSpc>
+                    <a:spcPct val="120000"/>
+                  </a:lnSpc>
+                  <a:buNone/>
+                </a:pPr>
+                <a14:m>
+                  <m:oMathPara xmlns:m="http://schemas.openxmlformats.org/officeDocument/2006/math">
+                    <m:oMathParaPr>
+                      <m:jc m:val="centerGroup"/>
+                    </m:oMathParaPr>
+                    <m:oMath xmlns:m="http://schemas.openxmlformats.org/officeDocument/2006/math">
+                      <m:r>
+                        <a:rPr lang="en-US" altLang="zh-CN" b="0" i="1" dirty="0" smtClean="0">
+                          <a:latin typeface="Cambria Math" charset="0"/>
+                        </a:rPr>
+                        <m:t>𝐿</m:t>
+                      </m:r>
+                      <m:d>
+                        <m:dPr>
+                          <m:ctrlPr>
+                            <a:rPr lang="en-US" altLang="zh-CN" b="0" i="1" dirty="0" smtClean="0">
+                              <a:latin typeface="Cambria Math" charset="0"/>
+                            </a:rPr>
+                          </m:ctrlPr>
+                        </m:dPr>
+                        <m:e>
+                          <m:r>
+                            <a:rPr lang="en-US" altLang="zh-CN" b="0" i="1" dirty="0" smtClean="0">
+                              <a:latin typeface="Cambria Math" charset="0"/>
+                              <a:ea typeface="Cambria Math" charset="0"/>
+                              <a:cs typeface="Cambria Math" charset="0"/>
+                            </a:rPr>
+                            <m:t>𝜃</m:t>
+                          </m:r>
+                        </m:e>
+                      </m:d>
+                      <m:r>
+                        <a:rPr lang="en-US" altLang="zh-CN" b="0" i="1" dirty="0" smtClean="0">
+                          <a:latin typeface="Cambria Math" charset="0"/>
+                        </a:rPr>
+                        <m:t>=</m:t>
+                      </m:r>
+                      <m:nary>
+                        <m:naryPr>
+                          <m:chr m:val="∏"/>
+                          <m:ctrlPr>
+                            <a:rPr lang="is-IS" altLang="zh-CN" b="0" i="1" dirty="0" smtClean="0">
+                              <a:latin typeface="Cambria Math" charset="0"/>
+                            </a:rPr>
+                          </m:ctrlPr>
+                        </m:naryPr>
+                        <m:sub>
+                          <m:r>
+                            <m:rPr>
+                              <m:brk m:alnAt="23"/>
+                            </m:rPr>
+                            <a:rPr lang="en-US" altLang="zh-CN" b="0" i="1" dirty="0" smtClean="0">
+                              <a:latin typeface="Cambria Math" charset="0"/>
+                            </a:rPr>
+                            <m:t>𝑖</m:t>
+                          </m:r>
+                          <m:r>
+                            <a:rPr lang="en-US" altLang="zh-CN" b="0" i="1" dirty="0" smtClean="0">
+                              <a:latin typeface="Cambria Math" charset="0"/>
+                            </a:rPr>
+                            <m:t>=1</m:t>
+                          </m:r>
+                        </m:sub>
+                        <m:sup>
+                          <m:r>
+                            <a:rPr lang="en-US" altLang="zh-CN" b="0" i="1" dirty="0" smtClean="0">
+                              <a:latin typeface="Cambria Math" charset="0"/>
+                            </a:rPr>
+                            <m:t>𝑛</m:t>
+                          </m:r>
+                        </m:sup>
+                        <m:e>
+                          <m:sSup>
+                            <m:sSupPr>
+                              <m:ctrlPr>
+                                <a:rPr lang="en-US" altLang="zh-CN" i="1">
+                                  <a:latin typeface="Cambria Math" charset="0"/>
+                                </a:rPr>
+                              </m:ctrlPr>
+                            </m:sSupPr>
+                            <m:e>
+                              <m:sSub>
+                                <m:sSubPr>
+                                  <m:ctrlPr>
+                                    <a:rPr lang="en-US" altLang="zh-CN" i="1">
+                                      <a:latin typeface="Cambria Math" charset="0"/>
+                                    </a:rPr>
+                                  </m:ctrlPr>
+                                </m:sSubPr>
+                                <m:e>
+                                  <m:r>
+                                    <a:rPr lang="en-US" altLang="zh-CN" i="1">
+                                      <a:latin typeface="Cambria Math" charset="0"/>
+                                    </a:rPr>
+                                    <m:t>𝑝</m:t>
+                                  </m:r>
+                                </m:e>
+                                <m:sub>
+                                  <m:r>
+                                    <a:rPr lang="en-US" altLang="zh-CN" i="1">
+                                      <a:latin typeface="Cambria Math" charset="0"/>
+                                    </a:rPr>
+                                    <m:t>𝑖</m:t>
+                                  </m:r>
+                                </m:sub>
+                              </m:sSub>
+                            </m:e>
+                            <m:sup>
+                              <m:sSub>
+                                <m:sSubPr>
+                                  <m:ctrlPr>
+                                    <a:rPr lang="en-US" altLang="zh-CN" i="1">
+                                      <a:latin typeface="Cambria Math" charset="0"/>
+                                    </a:rPr>
+                                  </m:ctrlPr>
+                                </m:sSubPr>
+                                <m:e>
+                                  <m:r>
+                                    <a:rPr lang="en-US" altLang="zh-CN" i="1">
+                                      <a:latin typeface="Cambria Math" charset="0"/>
+                                    </a:rPr>
+                                    <m:t>𝑦</m:t>
+                                  </m:r>
+                                </m:e>
+                                <m:sub>
+                                  <m:r>
+                                    <a:rPr lang="en-US" altLang="zh-CN" i="1">
+                                      <a:latin typeface="Cambria Math" charset="0"/>
+                                    </a:rPr>
+                                    <m:t>𝑖</m:t>
+                                  </m:r>
+                                </m:sub>
+                              </m:sSub>
+                            </m:sup>
+                          </m:sSup>
+                          <m:sSup>
+                            <m:sSupPr>
+                              <m:ctrlPr>
+                                <a:rPr lang="en-US" altLang="zh-CN" i="1">
+                                  <a:latin typeface="Cambria Math" charset="0"/>
+                                </a:rPr>
+                              </m:ctrlPr>
+                            </m:sSupPr>
+                            <m:e>
+                              <m:r>
+                                <a:rPr lang="en-US" altLang="zh-CN" i="1">
+                                  <a:latin typeface="Cambria Math" charset="0"/>
+                                </a:rPr>
+                                <m:t>(1−</m:t>
+                              </m:r>
+                              <m:sSub>
+                                <m:sSubPr>
+                                  <m:ctrlPr>
+                                    <a:rPr lang="en-US" altLang="zh-CN" i="1">
+                                      <a:latin typeface="Cambria Math" charset="0"/>
+                                    </a:rPr>
+                                  </m:ctrlPr>
+                                </m:sSubPr>
+                                <m:e>
+                                  <m:r>
+                                    <a:rPr lang="en-US" altLang="zh-CN" i="1">
+                                      <a:latin typeface="Cambria Math" charset="0"/>
+                                    </a:rPr>
+                                    <m:t>𝑝</m:t>
+                                  </m:r>
+                                </m:e>
+                                <m:sub>
+                                  <m:r>
+                                    <a:rPr lang="en-US" altLang="zh-CN" i="1">
+                                      <a:latin typeface="Cambria Math" charset="0"/>
+                                    </a:rPr>
+                                    <m:t>𝑖</m:t>
+                                  </m:r>
+                                </m:sub>
+                              </m:sSub>
+                              <m:r>
+                                <a:rPr lang="en-US" altLang="zh-CN" i="1">
+                                  <a:latin typeface="Cambria Math" charset="0"/>
+                                </a:rPr>
+                                <m:t>)</m:t>
+                              </m:r>
+                              <m:r>
+                                <m:rPr>
+                                  <m:nor/>
+                                </m:rPr>
+                                <a:rPr lang="en-US" altLang="zh-CN" dirty="0"/>
+                                <m:t> </m:t>
+                              </m:r>
+                            </m:e>
+                            <m:sup>
+                              <m:r>
+                                <a:rPr lang="en-US" altLang="zh-CN" i="1">
+                                  <a:latin typeface="Cambria Math" charset="0"/>
+                                </a:rPr>
+                                <m:t>1−</m:t>
+                              </m:r>
+                              <m:sSub>
+                                <m:sSubPr>
+                                  <m:ctrlPr>
+                                    <a:rPr lang="en-US" altLang="zh-CN" i="1">
+                                      <a:latin typeface="Cambria Math" charset="0"/>
+                                    </a:rPr>
+                                  </m:ctrlPr>
+                                </m:sSubPr>
+                                <m:e>
+                                  <m:r>
+                                    <a:rPr lang="en-US" altLang="zh-CN" i="1">
+                                      <a:latin typeface="Cambria Math" charset="0"/>
+                                    </a:rPr>
+                                    <m:t>𝑦</m:t>
+                                  </m:r>
+                                </m:e>
+                                <m:sub>
+                                  <m:r>
+                                    <a:rPr lang="en-US" altLang="zh-CN" i="1">
+                                      <a:latin typeface="Cambria Math" charset="0"/>
+                                    </a:rPr>
+                                    <m:t>𝑖</m:t>
+                                  </m:r>
+                                </m:sub>
+                              </m:sSub>
+                            </m:sup>
+                          </m:sSup>
+                        </m:e>
+                      </m:nary>
+                    </m:oMath>
+                  </m:oMathPara>
+                </a14:m>
+                <a:endParaRPr lang="en-US" altLang="zh-CN" dirty="0" smtClean="0"/>
+              </a:p>
+              <a:p>
+                <a:pPr marL="0" indent="0">
+                  <a:lnSpc>
+                    <a:spcPct val="120000"/>
+                  </a:lnSpc>
+                  <a:buNone/>
+                </a:pPr>
+                <a:endParaRPr lang="en-US" altLang="zh-CN" dirty="0" smtClean="0"/>
+              </a:p>
+              <a:p>
+                <a:pPr marL="0" indent="0">
+                  <a:lnSpc>
+                    <a:spcPct val="120000"/>
+                  </a:lnSpc>
+                  <a:buNone/>
+                </a:pPr>
+                <a:r>
+                  <a:rPr lang="zh-CN" altLang="en-US" dirty="0" smtClean="0"/>
+                  <a:t>这就是我们要求的</a:t>
+                </a:r>
+                <a:r>
+                  <a:rPr lang="en-US" altLang="zh-CN" dirty="0" smtClean="0"/>
+                  <a:t>n</a:t>
+                </a:r>
+                <a:r>
+                  <a:rPr lang="zh-CN" altLang="en-US" dirty="0" smtClean="0"/>
+                  <a:t>个观测值的似然</a:t>
+                </a:r>
+                <a:r>
+                  <a:rPr lang="zh-CN" altLang="en-US" dirty="0" smtClean="0"/>
+                  <a:t>函数（前面加一个负号就是</a:t>
+                </a:r>
+                <a:r>
+                  <a:rPr lang="en-US" altLang="zh-CN" dirty="0" smtClean="0"/>
+                  <a:t>Logistic</a:t>
+                </a:r>
+                <a:r>
+                  <a:rPr lang="zh-CN" altLang="en-US" dirty="0" smtClean="0"/>
+                  <a:t> </a:t>
+                </a:r>
+                <a:r>
+                  <a:rPr lang="en-US" altLang="zh-CN" dirty="0" smtClean="0"/>
+                  <a:t>Regression</a:t>
+                </a:r>
+                <a:r>
+                  <a:rPr lang="zh-CN" altLang="en-US" dirty="0" smtClean="0"/>
+                  <a:t>的损失函数）。</a:t>
+                </a:r>
+                <a:r>
+                  <a:rPr lang="zh-CN" altLang="en-US" dirty="0" smtClean="0"/>
+                  <a:t>我们的目的是要求出能够使这一似然函数值最大的参数估计。为了简化，我们将其转换为对数形式。</a:t>
+                </a:r>
+                <a:endParaRPr lang="en-US" altLang="zh-CN" dirty="0" smtClean="0"/>
+              </a:p>
+              <a:p>
+                <a:pPr marL="0" indent="0">
+                  <a:lnSpc>
+                    <a:spcPct val="120000"/>
+                  </a:lnSpc>
+                  <a:buNone/>
+                </a:pPr>
+                <a:r>
+                  <a:rPr lang="zh-CN" altLang="en-US" dirty="0" smtClean="0"/>
+                  <a:t>大家尝试一下将其转换为对数形式。</a:t>
+                </a:r>
+                <a:endParaRPr lang="en-US" altLang="zh-CN" dirty="0" smtClean="0"/>
+              </a:p>
+            </p:txBody>
+          </p:sp>
+        </mc:Choice>
+        <mc:Fallback>
+          <p:sp>
+            <p:nvSpPr>
+              <p:cNvPr id="3" name="Content Placeholder 2"/>
+              <p:cNvSpPr>
+                <a:spLocks noGrp="1" noRot="1" noChangeAspect="1" noMove="1" noResize="1" noEditPoints="1" noAdjustHandles="1" noChangeArrowheads="1" noChangeShapeType="1" noTextEdit="1"/>
+              </p:cNvSpPr>
+              <p:nvPr>
+                <p:ph idx="1"/>
+              </p:nvPr>
+            </p:nvSpPr>
+            <p:spPr>
+              <a:xfrm>
+                <a:off x="838200" y="1592494"/>
+                <a:ext cx="10515600" cy="4828853"/>
+              </a:xfrm>
+              <a:blipFill rotWithShape="0">
+                <a:blip r:embed="rId2"/>
+                <a:stretch>
+                  <a:fillRect l="-406" t="-379"/>
+                </a:stretch>
+              </a:blipFill>
+            </p:spPr>
+            <p:txBody>
+              <a:bodyPr/>
+              <a:lstStyle/>
+              <a:p>
+                <a:r>
+                  <a:rPr lang="en-US">
+                    <a:noFill/>
+                  </a:rPr>
+                  <a:t> </a:t>
+                </a:r>
+              </a:p>
+            </p:txBody>
+          </p:sp>
+        </mc:Fallback>
+      </mc:AlternateContent>
+    </p:spTree>
+    <p:extLst>
+      <p:ext uri="{BB962C8B-B14F-4D97-AF65-F5344CB8AC3E}">
+        <p14:creationId xmlns:p14="http://schemas.microsoft.com/office/powerpoint/2010/main" val="457053256"/>
+      </p:ext>
+    </p:extLst>
+  </p:cSld>
+  <p:clrMapOvr>
+    <a:masterClrMapping/>
+  </p:clrMapOvr>
+  <p:timing>
+    <p:tnLst>
+      <p:par>
+        <p:cTn id="1" dur="indefinite" restart="never" nodeType="tmRoot"/>
+      </p:par>
+    </p:tnLst>
+  </p:timing>
+</p:sld>
+</file>
+
+<file path=ppt/slides/slide16.xml><?xml version="1.0" encoding="utf-8"?>
+<p:sld xmlns:a="http://schemas.openxmlformats.org/drawingml/2006/main" xmlns:r="http://schemas.openxmlformats.org/officeDocument/2006/relationships" xmlns:p="http://schemas.openxmlformats.org/presentationml/2006/main">
+  <p:cSld>
+    <p:spTree>
+      <p:nvGrpSpPr>
+        <p:cNvPr id="1" name=""/>
+        <p:cNvGrpSpPr/>
+        <p:nvPr/>
+      </p:nvGrpSpPr>
+      <p:grpSpPr>
+        <a:xfrm>
+          <a:off x="0" y="0"/>
+          <a:ext cx="0" cy="0"/>
+          <a:chOff x="0" y="0"/>
+          <a:chExt cx="0" cy="0"/>
+        </a:xfrm>
+      </p:grpSpPr>
+      <p:sp>
+        <p:nvSpPr>
+          <p:cNvPr id="2" name="Title 1"/>
+          <p:cNvSpPr>
+            <a:spLocks noGrp="1"/>
+          </p:cNvSpPr>
+          <p:nvPr>
+            <p:ph type="title"/>
+          </p:nvPr>
+        </p:nvSpPr>
+        <p:spPr/>
+        <p:txBody>
+          <a:bodyPr/>
+          <a:lstStyle/>
+          <a:p>
+            <a:r>
+              <a:rPr lang="zh-CN" altLang="en-US" dirty="0" smtClean="0"/>
+              <a:t>对数似然函数</a:t>
+            </a:r>
+            <a:endParaRPr lang="en-US" dirty="0"/>
+          </a:p>
+        </p:txBody>
+      </p:sp>
+      <mc:AlternateContent xmlns:mc="http://schemas.openxmlformats.org/markup-compatibility/2006" xmlns:a14="http://schemas.microsoft.com/office/drawing/2010/main">
+        <mc:Choice Requires="a14">
+          <p:sp>
+            <p:nvSpPr>
+              <p:cNvPr id="3" name="Content Placeholder 2"/>
+              <p:cNvSpPr>
+                <a:spLocks noGrp="1"/>
+              </p:cNvSpPr>
+              <p:nvPr>
+                <p:ph idx="1"/>
+              </p:nvPr>
+            </p:nvSpPr>
+            <p:spPr/>
+            <p:txBody>
+              <a:bodyPr>
+                <a:normAutofit fontScale="85000" lnSpcReduction="10000"/>
+              </a:bodyPr>
+              <a:lstStyle/>
+              <a:p>
+                <a:pPr marL="0" lvl="0" indent="0">
+                  <a:lnSpc>
+                    <a:spcPct val="100000"/>
+                  </a:lnSpc>
+                  <a:spcBef>
+                    <a:spcPts val="0"/>
+                  </a:spcBef>
+                  <a:buNone/>
+                </a:pPr>
+                <a14:m>
+                  <m:oMathPara xmlns:m="http://schemas.openxmlformats.org/officeDocument/2006/math">
+                    <m:oMathParaPr>
+                      <m:jc m:val="left"/>
+                    </m:oMathParaPr>
+                    <m:oMath xmlns:m="http://schemas.openxmlformats.org/officeDocument/2006/math">
+                      <m:func>
+                        <m:funcPr>
+                          <m:ctrlPr>
+                            <a:rPr lang="en-US" altLang="zh-CN" b="0" i="1" smtClean="0">
+                              <a:latin typeface="Cambria Math" charset="0"/>
+                            </a:rPr>
+                          </m:ctrlPr>
+                        </m:funcPr>
+                        <m:fName>
+                          <m:r>
+                            <m:rPr>
+                              <m:sty m:val="p"/>
+                            </m:rPr>
+                            <a:rPr lang="en-US" altLang="zh-CN" b="0" i="0" smtClean="0">
+                              <a:latin typeface="Cambria Math" charset="0"/>
+                            </a:rPr>
+                            <m:t>ln</m:t>
+                          </m:r>
+                        </m:fName>
+                        <m:e>
+                          <m:r>
+                            <a:rPr lang="en-US" altLang="zh-CN" b="0" i="1" smtClean="0">
+                              <a:latin typeface="Cambria Math" charset="0"/>
+                            </a:rPr>
+                            <m:t>𝐿</m:t>
+                          </m:r>
+                          <m:d>
+                            <m:dPr>
+                              <m:ctrlPr>
+                                <a:rPr lang="en-US" altLang="zh-CN" b="0" i="1" smtClean="0">
+                                  <a:latin typeface="Cambria Math" charset="0"/>
+                                </a:rPr>
+                              </m:ctrlPr>
+                            </m:dPr>
+                            <m:e>
+                              <m:r>
+                                <a:rPr lang="en-US" altLang="zh-CN" b="0" i="1" smtClean="0">
+                                  <a:latin typeface="Cambria Math" charset="0"/>
+                                  <a:ea typeface="Cambria Math" charset="0"/>
+                                  <a:cs typeface="Cambria Math" charset="0"/>
+                                </a:rPr>
+                                <m:t>𝜃</m:t>
+                              </m:r>
+                            </m:e>
+                          </m:d>
+                        </m:e>
+                      </m:func>
+                      <m:r>
+                        <a:rPr lang="en-US" altLang="zh-CN" b="0" i="1" smtClean="0">
+                          <a:latin typeface="Cambria Math" charset="0"/>
+                          <a:ea typeface="Cambria Math" charset="0"/>
+                          <a:cs typeface="Cambria Math" charset="0"/>
+                        </a:rPr>
+                        <m:t>=</m:t>
+                      </m:r>
+                      <m:func>
+                        <m:funcPr>
+                          <m:ctrlPr>
+                            <a:rPr lang="en-US" altLang="zh-CN" b="0" i="1" smtClean="0">
+                              <a:latin typeface="Cambria Math" charset="0"/>
+                              <a:ea typeface="Cambria Math" charset="0"/>
+                              <a:cs typeface="Cambria Math" charset="0"/>
+                            </a:rPr>
+                          </m:ctrlPr>
+                        </m:funcPr>
+                        <m:fName>
+                          <m:r>
+                            <m:rPr>
+                              <m:sty m:val="p"/>
+                            </m:rPr>
+                            <a:rPr lang="en-US" altLang="zh-CN" b="0" i="0" smtClean="0">
+                              <a:latin typeface="Cambria Math" charset="0"/>
+                              <a:ea typeface="Cambria Math" charset="0"/>
+                              <a:cs typeface="Cambria Math" charset="0"/>
+                            </a:rPr>
+                            <m:t>ln</m:t>
+                          </m:r>
+                        </m:fName>
+                        <m:e>
+                          <m:d>
+                            <m:dPr>
+                              <m:ctrlPr>
+                                <a:rPr lang="en-US" altLang="zh-CN" b="0" i="1" smtClean="0">
+                                  <a:latin typeface="Cambria Math" charset="0"/>
+                                  <a:ea typeface="Cambria Math" charset="0"/>
+                                  <a:cs typeface="Cambria Math" charset="0"/>
+                                </a:rPr>
+                              </m:ctrlPr>
+                            </m:dPr>
+                            <m:e>
+                              <m:nary>
+                                <m:naryPr>
+                                  <m:chr m:val="∏"/>
+                                  <m:ctrlPr>
+                                    <a:rPr lang="is-IS" altLang="zh-CN" i="1" dirty="0">
+                                      <a:latin typeface="Cambria Math" charset="0"/>
+                                    </a:rPr>
+                                  </m:ctrlPr>
+                                </m:naryPr>
+                                <m:sub>
+                                  <m:r>
+                                    <m:rPr>
+                                      <m:brk m:alnAt="23"/>
+                                    </m:rPr>
+                                    <a:rPr lang="en-US" altLang="zh-CN" i="1" dirty="0">
+                                      <a:latin typeface="Cambria Math" charset="0"/>
+                                    </a:rPr>
+                                    <m:t>𝑖</m:t>
+                                  </m:r>
+                                  <m:r>
+                                    <a:rPr lang="en-US" altLang="zh-CN" i="1" dirty="0">
+                                      <a:latin typeface="Cambria Math" charset="0"/>
+                                    </a:rPr>
+                                    <m:t>=1</m:t>
+                                  </m:r>
+                                </m:sub>
+                                <m:sup>
+                                  <m:r>
+                                    <a:rPr lang="en-US" altLang="zh-CN" i="1" dirty="0">
+                                      <a:latin typeface="Cambria Math" charset="0"/>
+                                    </a:rPr>
+                                    <m:t>𝑛</m:t>
+                                  </m:r>
+                                </m:sup>
+                                <m:e>
+                                  <m:sSup>
+                                    <m:sSupPr>
+                                      <m:ctrlPr>
+                                        <a:rPr lang="en-US" altLang="zh-CN" i="1">
+                                          <a:latin typeface="Cambria Math" charset="0"/>
+                                        </a:rPr>
+                                      </m:ctrlPr>
+                                    </m:sSupPr>
+                                    <m:e>
+                                      <m:sSub>
+                                        <m:sSubPr>
+                                          <m:ctrlPr>
+                                            <a:rPr lang="en-US" altLang="zh-CN" i="1">
+                                              <a:latin typeface="Cambria Math" charset="0"/>
+                                            </a:rPr>
+                                          </m:ctrlPr>
+                                        </m:sSubPr>
+                                        <m:e>
+                                          <m:r>
+                                            <a:rPr lang="en-US" altLang="zh-CN" i="1">
+                                              <a:latin typeface="Cambria Math" charset="0"/>
+                                            </a:rPr>
+                                            <m:t>𝑝</m:t>
+                                          </m:r>
+                                        </m:e>
+                                        <m:sub>
+                                          <m:r>
+                                            <a:rPr lang="en-US" altLang="zh-CN" i="1">
+                                              <a:latin typeface="Cambria Math" charset="0"/>
+                                            </a:rPr>
+                                            <m:t>𝑖</m:t>
+                                          </m:r>
+                                        </m:sub>
+                                      </m:sSub>
+                                    </m:e>
+                                    <m:sup>
+                                      <m:sSub>
+                                        <m:sSubPr>
+                                          <m:ctrlPr>
+                                            <a:rPr lang="en-US" altLang="zh-CN" i="1">
+                                              <a:latin typeface="Cambria Math" charset="0"/>
+                                            </a:rPr>
+                                          </m:ctrlPr>
+                                        </m:sSubPr>
+                                        <m:e>
+                                          <m:r>
+                                            <a:rPr lang="en-US" altLang="zh-CN" i="1">
+                                              <a:latin typeface="Cambria Math" charset="0"/>
+                                            </a:rPr>
+                                            <m:t>𝑦</m:t>
+                                          </m:r>
+                                        </m:e>
+                                        <m:sub>
+                                          <m:r>
+                                            <a:rPr lang="en-US" altLang="zh-CN" i="1">
+                                              <a:latin typeface="Cambria Math" charset="0"/>
+                                            </a:rPr>
+                                            <m:t>𝑖</m:t>
+                                          </m:r>
+                                        </m:sub>
+                                      </m:sSub>
+                                    </m:sup>
+                                  </m:sSup>
+                                  <m:sSup>
+                                    <m:sSupPr>
+                                      <m:ctrlPr>
+                                        <a:rPr lang="en-US" altLang="zh-CN" i="1">
+                                          <a:latin typeface="Cambria Math" charset="0"/>
+                                        </a:rPr>
+                                      </m:ctrlPr>
+                                    </m:sSupPr>
+                                    <m:e>
+                                      <m:d>
+                                        <m:dPr>
+                                          <m:ctrlPr>
+                                            <a:rPr lang="en-US" altLang="zh-CN" i="1">
+                                              <a:latin typeface="Cambria Math" charset="0"/>
+                                            </a:rPr>
+                                          </m:ctrlPr>
+                                        </m:dPr>
+                                        <m:e>
+                                          <m:r>
+                                            <a:rPr lang="en-US" altLang="zh-CN" i="1">
+                                              <a:latin typeface="Cambria Math" charset="0"/>
+                                            </a:rPr>
+                                            <m:t>1−</m:t>
+                                          </m:r>
+                                          <m:sSub>
+                                            <m:sSubPr>
+                                              <m:ctrlPr>
+                                                <a:rPr lang="en-US" altLang="zh-CN" i="1">
+                                                  <a:latin typeface="Cambria Math" charset="0"/>
+                                                </a:rPr>
+                                              </m:ctrlPr>
+                                            </m:sSubPr>
+                                            <m:e>
+                                              <m:r>
+                                                <a:rPr lang="en-US" altLang="zh-CN" i="1">
+                                                  <a:latin typeface="Cambria Math" charset="0"/>
+                                                </a:rPr>
+                                                <m:t>𝑝</m:t>
+                                              </m:r>
+                                            </m:e>
+                                            <m:sub>
+                                              <m:r>
+                                                <a:rPr lang="en-US" altLang="zh-CN" i="1">
+                                                  <a:latin typeface="Cambria Math" charset="0"/>
+                                                </a:rPr>
+                                                <m:t>𝑖</m:t>
+                                              </m:r>
+                                            </m:sub>
+                                          </m:sSub>
+                                        </m:e>
+                                      </m:d>
+                                      <m:r>
+                                        <m:rPr>
+                                          <m:nor/>
+                                        </m:rPr>
+                                        <a:rPr lang="en-US" altLang="zh-CN" dirty="0"/>
+                                        <m:t> </m:t>
+                                      </m:r>
+                                    </m:e>
+                                    <m:sup>
+                                      <m:r>
+                                        <a:rPr lang="en-US" altLang="zh-CN" i="1">
+                                          <a:latin typeface="Cambria Math" charset="0"/>
+                                        </a:rPr>
+                                        <m:t>1−</m:t>
+                                      </m:r>
+                                      <m:sSub>
+                                        <m:sSubPr>
+                                          <m:ctrlPr>
+                                            <a:rPr lang="en-US" altLang="zh-CN" i="1">
+                                              <a:latin typeface="Cambria Math" charset="0"/>
+                                            </a:rPr>
+                                          </m:ctrlPr>
+                                        </m:sSubPr>
+                                        <m:e>
+                                          <m:r>
+                                            <a:rPr lang="en-US" altLang="zh-CN" i="1">
+                                              <a:latin typeface="Cambria Math" charset="0"/>
+                                            </a:rPr>
+                                            <m:t>𝑦</m:t>
+                                          </m:r>
+                                        </m:e>
+                                        <m:sub>
+                                          <m:r>
+                                            <a:rPr lang="en-US" altLang="zh-CN" i="1">
+                                              <a:latin typeface="Cambria Math" charset="0"/>
+                                            </a:rPr>
+                                            <m:t>𝑖</m:t>
+                                          </m:r>
+                                        </m:sub>
+                                      </m:sSub>
+                                    </m:sup>
+                                  </m:sSup>
+                                </m:e>
+                              </m:nary>
+                            </m:e>
+                          </m:d>
+                        </m:e>
+                      </m:func>
+                    </m:oMath>
+                    <m:oMath xmlns:m="http://schemas.openxmlformats.org/officeDocument/2006/math">
+                      <m:r>
+                        <a:rPr lang="en-US" altLang="zh-CN" b="0" i="1" smtClean="0">
+                          <a:latin typeface="Cambria Math" charset="0"/>
+                          <a:ea typeface="Cambria Math" charset="0"/>
+                          <a:cs typeface="Cambria Math" charset="0"/>
+                        </a:rPr>
+                        <m:t>=</m:t>
+                      </m:r>
+                      <m:nary>
+                        <m:naryPr>
+                          <m:chr m:val="∑"/>
+                          <m:ctrlPr>
+                            <a:rPr lang="mr-IN" altLang="zh-CN" b="0" i="1" smtClean="0">
+                              <a:latin typeface="Cambria Math" charset="0"/>
+                              <a:ea typeface="Cambria Math" charset="0"/>
+                              <a:cs typeface="Cambria Math" charset="0"/>
+                            </a:rPr>
+                          </m:ctrlPr>
+                        </m:naryPr>
+                        <m:sub>
+                          <m:r>
+                            <a:rPr lang="mr-IN" altLang="zh-CN" b="0" i="1" smtClean="0">
+                              <a:latin typeface="Cambria Math" charset="0"/>
+                              <a:ea typeface="Cambria Math" charset="0"/>
+                              <a:cs typeface="Cambria Math" charset="0"/>
+                            </a:rPr>
+                            <m:t>𝑖</m:t>
+                          </m:r>
+                          <m:r>
+                            <a:rPr lang="mr-IN" altLang="zh-CN" b="0" i="1" smtClean="0">
+                              <a:latin typeface="Cambria Math" charset="0"/>
+                              <a:ea typeface="Cambria Math" charset="0"/>
+                              <a:cs typeface="Cambria Math" charset="0"/>
+                            </a:rPr>
+                            <m:t>=0</m:t>
+                          </m:r>
+                        </m:sub>
+                        <m:sup>
+                          <m:r>
+                            <a:rPr lang="mr-IN" altLang="zh-CN" b="0" i="1" smtClean="0">
+                              <a:latin typeface="Cambria Math" charset="0"/>
+                              <a:ea typeface="Cambria Math" charset="0"/>
+                              <a:cs typeface="Cambria Math" charset="0"/>
+                            </a:rPr>
+                            <m:t>𝑛</m:t>
+                          </m:r>
+                        </m:sup>
+                        <m:e>
+                          <m:d>
+                            <m:dPr>
+                              <m:begChr m:val="["/>
+                              <m:ctrlPr>
+                                <a:rPr lang="en-US" altLang="zh-CN" b="0" i="1" smtClean="0">
+                                  <a:latin typeface="Cambria Math" charset="0"/>
+                                  <a:ea typeface="Cambria Math" charset="0"/>
+                                  <a:cs typeface="Cambria Math" charset="0"/>
+                                </a:rPr>
+                              </m:ctrlPr>
+                            </m:dPr>
+                            <m:e>
+                              <m:sSub>
+                                <m:sSubPr>
+                                  <m:ctrlPr>
+                                    <a:rPr lang="en-US" altLang="zh-CN" i="1">
+                                      <a:latin typeface="Cambria Math" charset="0"/>
+                                    </a:rPr>
+                                  </m:ctrlPr>
+                                </m:sSubPr>
+                                <m:e>
+                                  <m:r>
+                                    <a:rPr lang="en-US" altLang="zh-CN" i="1">
+                                      <a:latin typeface="Cambria Math" charset="0"/>
+                                    </a:rPr>
+                                    <m:t>𝑦</m:t>
+                                  </m:r>
+                                </m:e>
+                                <m:sub>
+                                  <m:r>
+                                    <a:rPr lang="en-US" altLang="zh-CN" i="1">
+                                      <a:latin typeface="Cambria Math" charset="0"/>
+                                    </a:rPr>
+                                    <m:t>𝑖</m:t>
+                                  </m:r>
+                                </m:sub>
+                              </m:sSub>
+                              <m:r>
+                                <a:rPr lang="en-US" altLang="zh-CN" b="0" i="1" smtClean="0">
+                                  <a:latin typeface="Cambria Math" charset="0"/>
+                                </a:rPr>
+                                <m:t>𝑙𝑛</m:t>
+                              </m:r>
+                              <m:sSub>
+                                <m:sSubPr>
+                                  <m:ctrlPr>
+                                    <a:rPr lang="en-US" altLang="zh-CN" i="1">
+                                      <a:latin typeface="Cambria Math" charset="0"/>
+                                    </a:rPr>
+                                  </m:ctrlPr>
+                                </m:sSubPr>
+                                <m:e>
+                                  <m:r>
+                                    <a:rPr lang="en-US" altLang="zh-CN" b="0" i="1" smtClean="0">
+                                      <a:latin typeface="Cambria Math" charset="0"/>
+                                    </a:rPr>
+                                    <m:t>(</m:t>
+                                  </m:r>
+                                  <m:r>
+                                    <a:rPr lang="en-US" altLang="zh-CN" b="0" i="1" smtClean="0">
+                                      <a:latin typeface="Cambria Math" charset="0"/>
+                                    </a:rPr>
+                                    <m:t>𝑝</m:t>
+                                  </m:r>
+                                </m:e>
+                                <m:sub>
+                                  <m:r>
+                                    <a:rPr lang="en-US" altLang="zh-CN" i="1">
+                                      <a:latin typeface="Cambria Math" charset="0"/>
+                                    </a:rPr>
+                                    <m:t>𝑖</m:t>
+                                  </m:r>
+                                </m:sub>
+                              </m:sSub>
+                            </m:e>
+                          </m:d>
+                          <m:r>
+                            <a:rPr lang="en-US" altLang="zh-CN" b="0" i="1" smtClean="0">
+                              <a:latin typeface="Cambria Math" charset="0"/>
+                            </a:rPr>
+                            <m:t>+</m:t>
+                          </m:r>
+                          <m:d>
+                            <m:dPr>
+                              <m:ctrlPr>
+                                <a:rPr lang="en-US" altLang="zh-CN" b="0" i="1" smtClean="0">
+                                  <a:latin typeface="Cambria Math" charset="0"/>
+                                </a:rPr>
+                              </m:ctrlPr>
+                            </m:dPr>
+                            <m:e>
+                              <m:r>
+                                <a:rPr lang="en-US" altLang="zh-CN" b="0" i="1" smtClean="0">
+                                  <a:latin typeface="Cambria Math" charset="0"/>
+                                </a:rPr>
+                                <m:t>1−</m:t>
+                              </m:r>
+                              <m:sSub>
+                                <m:sSubPr>
+                                  <m:ctrlPr>
+                                    <a:rPr lang="en-US" altLang="zh-CN" i="1">
+                                      <a:latin typeface="Cambria Math" charset="0"/>
+                                    </a:rPr>
+                                  </m:ctrlPr>
+                                </m:sSubPr>
+                                <m:e>
+                                  <m:r>
+                                    <a:rPr lang="en-US" altLang="zh-CN" i="1">
+                                      <a:latin typeface="Cambria Math" charset="0"/>
+                                    </a:rPr>
+                                    <m:t>𝑦</m:t>
+                                  </m:r>
+                                </m:e>
+                                <m:sub>
+                                  <m:r>
+                                    <a:rPr lang="en-US" altLang="zh-CN" i="1">
+                                      <a:latin typeface="Cambria Math" charset="0"/>
+                                    </a:rPr>
+                                    <m:t>𝑖</m:t>
+                                  </m:r>
+                                </m:sub>
+                              </m:sSub>
+                            </m:e>
+                          </m:d>
+                          <m:r>
+                            <m:rPr>
+                              <m:sty m:val="p"/>
+                            </m:rPr>
+                            <a:rPr lang="en-US" altLang="zh-CN" b="0" i="0" smtClean="0">
+                              <a:latin typeface="Cambria Math" charset="0"/>
+                            </a:rPr>
+                            <m:t>ln</m:t>
+                          </m:r>
+                          <m:r>
+                            <a:rPr lang="en-US" altLang="zh-CN" b="0" i="1" smtClean="0">
+                              <a:latin typeface="Cambria Math" charset="0"/>
+                            </a:rPr>
+                            <m:t>⁡(1−</m:t>
+                          </m:r>
+                          <m:sSub>
+                            <m:sSubPr>
+                              <m:ctrlPr>
+                                <a:rPr lang="en-US" altLang="zh-CN" i="1">
+                                  <a:latin typeface="Cambria Math" charset="0"/>
+                                </a:rPr>
+                              </m:ctrlPr>
+                            </m:sSubPr>
+                            <m:e>
+                              <m:r>
+                                <a:rPr lang="en-US" altLang="zh-CN" b="0" i="1" smtClean="0">
+                                  <a:latin typeface="Cambria Math" charset="0"/>
+                                </a:rPr>
+                                <m:t>𝑝</m:t>
+                              </m:r>
+                            </m:e>
+                            <m:sub>
+                              <m:r>
+                                <a:rPr lang="en-US" altLang="zh-CN" i="1">
+                                  <a:latin typeface="Cambria Math" charset="0"/>
+                                </a:rPr>
+                                <m:t>𝑖</m:t>
+                              </m:r>
+                            </m:sub>
+                          </m:sSub>
+                          <m:r>
+                            <a:rPr lang="en-US" altLang="zh-CN" b="0" i="1" smtClean="0">
+                              <a:latin typeface="Cambria Math" charset="0"/>
+                            </a:rPr>
+                            <m:t>)</m:t>
+                          </m:r>
+                          <m:r>
+                            <a:rPr lang="en-US" altLang="zh-CN" b="0" i="1" smtClean="0">
+                              <a:latin typeface="Cambria Math" charset="0"/>
+                              <a:ea typeface="Cambria Math" charset="0"/>
+                              <a:cs typeface="Cambria Math" charset="0"/>
+                            </a:rPr>
+                            <m:t>]</m:t>
+                          </m:r>
+                        </m:e>
+                      </m:nary>
+                    </m:oMath>
+                    <m:oMath xmlns:m="http://schemas.openxmlformats.org/officeDocument/2006/math">
+                      <m:r>
+                        <a:rPr lang="en-US" altLang="zh-CN" b="0" i="1" smtClean="0">
+                          <a:latin typeface="Cambria Math" charset="0"/>
+                          <a:ea typeface="Cambria Math" charset="0"/>
+                          <a:cs typeface="Cambria Math" charset="0"/>
+                        </a:rPr>
+                        <m:t>=</m:t>
+                      </m:r>
+                      <m:nary>
+                        <m:naryPr>
+                          <m:chr m:val="∑"/>
+                          <m:ctrlPr>
+                            <a:rPr lang="mr-IN" altLang="zh-CN" b="0" i="1" smtClean="0">
+                              <a:latin typeface="Cambria Math" charset="0"/>
+                              <a:ea typeface="Cambria Math" charset="0"/>
+                              <a:cs typeface="Cambria Math" charset="0"/>
+                            </a:rPr>
+                          </m:ctrlPr>
+                        </m:naryPr>
+                        <m:sub>
+                          <m:r>
+                            <a:rPr lang="mr-IN" altLang="zh-CN" b="0" i="1" smtClean="0">
+                              <a:latin typeface="Cambria Math" charset="0"/>
+                              <a:ea typeface="Cambria Math" charset="0"/>
+                              <a:cs typeface="Cambria Math" charset="0"/>
+                            </a:rPr>
+                            <m:t>𝑖</m:t>
+                          </m:r>
+                          <m:r>
+                            <a:rPr lang="mr-IN" altLang="zh-CN" b="0" i="1" smtClean="0">
+                              <a:latin typeface="Cambria Math" charset="0"/>
+                              <a:ea typeface="Cambria Math" charset="0"/>
+                              <a:cs typeface="Cambria Math" charset="0"/>
+                            </a:rPr>
+                            <m:t>=0</m:t>
+                          </m:r>
+                        </m:sub>
+                        <m:sup>
+                          <m:r>
+                            <a:rPr lang="mr-IN" altLang="zh-CN" b="0" i="1" smtClean="0">
+                              <a:latin typeface="Cambria Math" charset="0"/>
+                              <a:ea typeface="Cambria Math" charset="0"/>
+                              <a:cs typeface="Cambria Math" charset="0"/>
+                            </a:rPr>
+                            <m:t>𝑛</m:t>
+                          </m:r>
+                        </m:sup>
+                        <m:e>
+                          <m:sSub>
+                            <m:sSubPr>
+                              <m:ctrlPr>
+                                <a:rPr lang="en-US" altLang="zh-CN" i="1">
+                                  <a:latin typeface="Cambria Math" charset="0"/>
+                                </a:rPr>
+                              </m:ctrlPr>
+                            </m:sSubPr>
+                            <m:e>
+                              <m:r>
+                                <a:rPr lang="en-US" altLang="zh-CN" b="0" i="1" smtClean="0">
+                                  <a:latin typeface="Cambria Math" charset="0"/>
+                                </a:rPr>
+                                <m:t>[</m:t>
+                              </m:r>
+                              <m:r>
+                                <a:rPr lang="en-US" altLang="zh-CN" i="1">
+                                  <a:latin typeface="Cambria Math" charset="0"/>
+                                </a:rPr>
+                                <m:t>𝑦</m:t>
+                              </m:r>
+                            </m:e>
+                            <m:sub>
+                              <m:r>
+                                <a:rPr lang="en-US" altLang="zh-CN" i="1">
+                                  <a:latin typeface="Cambria Math" charset="0"/>
+                                </a:rPr>
+                                <m:t>𝑖</m:t>
+                              </m:r>
+                            </m:sub>
+                          </m:sSub>
+                          <m:r>
+                            <a:rPr lang="en-US" altLang="zh-CN" i="1">
+                              <a:latin typeface="Cambria Math" charset="0"/>
+                            </a:rPr>
+                            <m:t>𝑙𝑛</m:t>
+                          </m:r>
+                          <m:f>
+                            <m:fPr>
+                              <m:ctrlPr>
+                                <a:rPr lang="mr-IN" altLang="zh-CN" i="1">
+                                  <a:latin typeface="Cambria Math" charset="0"/>
+                                </a:rPr>
+                              </m:ctrlPr>
+                            </m:fPr>
+                            <m:num>
+                              <m:sSub>
+                                <m:sSubPr>
+                                  <m:ctrlPr>
+                                    <a:rPr lang="en-US" altLang="zh-CN" i="1">
+                                      <a:latin typeface="Cambria Math" charset="0"/>
+                                    </a:rPr>
+                                  </m:ctrlPr>
+                                </m:sSubPr>
+                                <m:e>
+                                  <m:r>
+                                    <a:rPr lang="en-US" altLang="zh-CN" i="1">
+                                      <a:latin typeface="Cambria Math" charset="0"/>
+                                    </a:rPr>
+                                    <m:t>𝑝</m:t>
+                                  </m:r>
+                                </m:e>
+                                <m:sub>
+                                  <m:r>
+                                    <a:rPr lang="en-US" altLang="zh-CN" i="1">
+                                      <a:latin typeface="Cambria Math" charset="0"/>
+                                    </a:rPr>
+                                    <m:t>𝑖</m:t>
+                                  </m:r>
+                                </m:sub>
+                              </m:sSub>
+                            </m:num>
+                            <m:den>
+                              <m:r>
+                                <a:rPr lang="en-US" altLang="zh-CN" i="1">
+                                  <a:latin typeface="Cambria Math" charset="0"/>
+                                </a:rPr>
+                                <m:t>1−</m:t>
+                              </m:r>
+                              <m:sSub>
+                                <m:sSubPr>
+                                  <m:ctrlPr>
+                                    <a:rPr lang="en-US" altLang="zh-CN" i="1">
+                                      <a:latin typeface="Cambria Math" charset="0"/>
+                                    </a:rPr>
+                                  </m:ctrlPr>
+                                </m:sSubPr>
+                                <m:e>
+                                  <m:r>
+                                    <a:rPr lang="en-US" altLang="zh-CN" i="1">
+                                      <a:latin typeface="Cambria Math" charset="0"/>
+                                    </a:rPr>
+                                    <m:t>𝑝</m:t>
+                                  </m:r>
+                                </m:e>
+                                <m:sub>
+                                  <m:r>
+                                    <a:rPr lang="en-US" altLang="zh-CN" i="1">
+                                      <a:latin typeface="Cambria Math" charset="0"/>
+                                    </a:rPr>
+                                    <m:t>𝑖</m:t>
+                                  </m:r>
+                                </m:sub>
+                              </m:sSub>
+                            </m:den>
+                          </m:f>
+                          <m:r>
+                            <a:rPr lang="en-US" altLang="zh-CN">
+                              <a:latin typeface="Cambria Math" charset="0"/>
+                            </a:rPr>
+                            <m:t>+</m:t>
+                          </m:r>
+                          <m:r>
+                            <m:rPr>
+                              <m:sty m:val="p"/>
+                            </m:rPr>
+                            <a:rPr lang="en-US" altLang="zh-CN">
+                              <a:latin typeface="Cambria Math" charset="0"/>
+                            </a:rPr>
+                            <m:t>ln</m:t>
+                          </m:r>
+                          <m:d>
+                            <m:dPr>
+                              <m:ctrlPr>
+                                <a:rPr lang="en-US" altLang="zh-CN" i="1">
+                                  <a:latin typeface="Cambria Math" charset="0"/>
+                                </a:rPr>
+                              </m:ctrlPr>
+                            </m:dPr>
+                            <m:e>
+                              <m:r>
+                                <a:rPr lang="en-US" altLang="zh-CN">
+                                  <a:latin typeface="Cambria Math" charset="0"/>
+                                </a:rPr>
+                                <m:t>1−</m:t>
+                              </m:r>
+                              <m:sSub>
+                                <m:sSubPr>
+                                  <m:ctrlPr>
+                                    <a:rPr lang="en-US" altLang="zh-CN" i="1">
+                                      <a:latin typeface="Cambria Math" charset="0"/>
+                                    </a:rPr>
+                                  </m:ctrlPr>
+                                </m:sSubPr>
+                                <m:e>
+                                  <m:r>
+                                    <a:rPr lang="en-US" altLang="zh-CN" i="1">
+                                      <a:latin typeface="Cambria Math" charset="0"/>
+                                    </a:rPr>
+                                    <m:t>𝑝</m:t>
+                                  </m:r>
+                                </m:e>
+                                <m:sub>
+                                  <m:r>
+                                    <a:rPr lang="en-US" altLang="zh-CN" i="1">
+                                      <a:latin typeface="Cambria Math" charset="0"/>
+                                    </a:rPr>
+                                    <m:t>𝑖</m:t>
+                                  </m:r>
+                                </m:sub>
+                              </m:sSub>
+                            </m:e>
+                          </m:d>
+                          <m:r>
+                            <a:rPr lang="en-US" altLang="zh-CN" b="0" i="1" smtClean="0">
+                              <a:latin typeface="Cambria Math" charset="0"/>
+                            </a:rPr>
+                            <m:t>]</m:t>
+                          </m:r>
+                        </m:e>
+                      </m:nary>
+                    </m:oMath>
+                    <m:oMath xmlns:m="http://schemas.openxmlformats.org/officeDocument/2006/math">
+                      <m:r>
+                        <a:rPr lang="en-US" altLang="zh-CN" b="0" i="1" smtClean="0">
+                          <a:latin typeface="Cambria Math" charset="0"/>
+                        </a:rPr>
+                        <m:t>=</m:t>
+                      </m:r>
+                      <m:nary>
+                        <m:naryPr>
+                          <m:chr m:val="∑"/>
+                          <m:ctrlPr>
+                            <a:rPr lang="mr-IN" altLang="zh-CN" b="0" i="1" smtClean="0">
+                              <a:latin typeface="Cambria Math" charset="0"/>
+                            </a:rPr>
+                          </m:ctrlPr>
+                        </m:naryPr>
+                        <m:sub>
+                          <m:r>
+                            <a:rPr lang="mr-IN" altLang="zh-CN" b="0" i="1" smtClean="0">
+                              <a:latin typeface="Cambria Math" charset="0"/>
+                            </a:rPr>
+                            <m:t>𝑖</m:t>
+                          </m:r>
+                          <m:r>
+                            <a:rPr lang="mr-IN" altLang="zh-CN" b="0" i="1" smtClean="0">
+                              <a:latin typeface="Cambria Math" charset="0"/>
+                            </a:rPr>
+                            <m:t>=0</m:t>
+                          </m:r>
+                        </m:sub>
+                        <m:sup>
+                          <m:r>
+                            <a:rPr lang="mr-IN" altLang="zh-CN" b="0" i="1" smtClean="0">
+                              <a:latin typeface="Cambria Math" charset="0"/>
+                            </a:rPr>
+                            <m:t>𝑛</m:t>
+                          </m:r>
+                        </m:sup>
+                        <m:e>
+                          <m:r>
+                            <a:rPr lang="en-US" altLang="zh-CN" b="0" i="1" smtClean="0">
+                              <a:latin typeface="Cambria Math" charset="0"/>
+                            </a:rPr>
+                            <m:t>[</m:t>
+                          </m:r>
+                          <m:sSub>
+                            <m:sSubPr>
+                              <m:ctrlPr>
+                                <a:rPr lang="en-US" altLang="zh-CN" i="1">
+                                  <a:latin typeface="Cambria Math" charset="0"/>
+                                </a:rPr>
+                              </m:ctrlPr>
+                            </m:sSubPr>
+                            <m:e>
+                              <m:r>
+                                <a:rPr lang="en-US" altLang="zh-CN" i="1">
+                                  <a:latin typeface="Cambria Math" charset="0"/>
+                                </a:rPr>
+                                <m:t>𝑦</m:t>
+                              </m:r>
+                            </m:e>
+                            <m:sub>
+                              <m:r>
+                                <a:rPr lang="en-US" altLang="zh-CN" i="1">
+                                  <a:latin typeface="Cambria Math" charset="0"/>
+                                </a:rPr>
+                                <m:t>𝑖</m:t>
+                              </m:r>
+                            </m:sub>
+                          </m:sSub>
+                          <m:d>
+                            <m:dPr>
+                              <m:ctrlPr>
+                                <a:rPr lang="en-US" altLang="zh-CN" b="0" i="1" smtClean="0">
+                                  <a:latin typeface="Cambria Math" charset="0"/>
+                                </a:rPr>
+                              </m:ctrlPr>
+                            </m:dPr>
+                            <m:e>
+                              <m:sSup>
+                                <m:sSupPr>
+                                  <m:ctrlPr>
+                                    <a:rPr lang="en-US" altLang="zh-CN" i="1" dirty="0">
+                                      <a:latin typeface="Cambria Math" charset="0"/>
+                                      <a:ea typeface="Cambria Math" charset="0"/>
+                                      <a:cs typeface="Cambria Math" charset="0"/>
+                                    </a:rPr>
+                                  </m:ctrlPr>
+                                </m:sSupPr>
+                                <m:e>
+                                  <m:r>
+                                    <a:rPr lang="en-US" altLang="zh-CN" i="1" dirty="0">
+                                      <a:latin typeface="Cambria Math" charset="0"/>
+                                      <a:ea typeface="Cambria Math" charset="0"/>
+                                      <a:cs typeface="Cambria Math" charset="0"/>
+                                    </a:rPr>
+                                    <m:t>𝜔</m:t>
+                                  </m:r>
+                                </m:e>
+                                <m:sup>
+                                  <m:r>
+                                    <a:rPr lang="en-US" altLang="zh-CN" i="1" dirty="0">
+                                      <a:latin typeface="Cambria Math" charset="0"/>
+                                      <a:ea typeface="Cambria Math" charset="0"/>
+                                      <a:cs typeface="Cambria Math" charset="0"/>
+                                    </a:rPr>
+                                    <m:t>𝑇</m:t>
+                                  </m:r>
+                                </m:sup>
+                              </m:sSup>
+                              <m:sSub>
+                                <m:sSubPr>
+                                  <m:ctrlPr>
+                                    <a:rPr lang="en-US" altLang="zh-CN" i="1" dirty="0" smtClean="0">
+                                      <a:latin typeface="Cambria Math" charset="0"/>
+                                      <a:ea typeface="Cambria Math" charset="0"/>
+                                      <a:cs typeface="Cambria Math" charset="0"/>
+                                    </a:rPr>
+                                  </m:ctrlPr>
+                                </m:sSubPr>
+                                <m:e>
+                                  <m:r>
+                                    <a:rPr lang="en-US" altLang="zh-CN" b="0" i="1" dirty="0" smtClean="0">
+                                      <a:latin typeface="Cambria Math" charset="0"/>
+                                      <a:ea typeface="Cambria Math" charset="0"/>
+                                      <a:cs typeface="Cambria Math" charset="0"/>
+                                    </a:rPr>
+                                    <m:t>𝑥</m:t>
+                                  </m:r>
+                                </m:e>
+                                <m:sub>
+                                  <m:r>
+                                    <a:rPr lang="en-US" altLang="zh-CN" b="0" i="1" dirty="0" smtClean="0">
+                                      <a:latin typeface="Cambria Math" charset="0"/>
+                                      <a:ea typeface="Cambria Math" charset="0"/>
+                                      <a:cs typeface="Cambria Math" charset="0"/>
+                                    </a:rPr>
+                                    <m:t>𝑖</m:t>
+                                  </m:r>
+                                </m:sub>
+                              </m:sSub>
+                              <m:r>
+                                <a:rPr lang="en-US" altLang="zh-CN" i="1" dirty="0">
+                                  <a:latin typeface="Cambria Math" charset="0"/>
+                                  <a:ea typeface="Cambria Math" charset="0"/>
+                                  <a:cs typeface="Cambria Math" charset="0"/>
+                                </a:rPr>
+                                <m:t>+</m:t>
+                              </m:r>
+                              <m:sSub>
+                                <m:sSubPr>
+                                  <m:ctrlPr>
+                                    <a:rPr lang="en-US" altLang="zh-CN" i="1" dirty="0">
+                                      <a:latin typeface="Cambria Math" charset="0"/>
+                                      <a:ea typeface="Cambria Math" charset="0"/>
+                                      <a:cs typeface="Cambria Math" charset="0"/>
+                                    </a:rPr>
+                                  </m:ctrlPr>
+                                </m:sSubPr>
+                                <m:e>
+                                  <m:r>
+                                    <a:rPr lang="en-US" altLang="zh-CN" i="1" dirty="0">
+                                      <a:latin typeface="Cambria Math" charset="0"/>
+                                      <a:ea typeface="Cambria Math" charset="0"/>
+                                      <a:cs typeface="Cambria Math" charset="0"/>
+                                    </a:rPr>
+                                    <m:t>𝜔</m:t>
+                                  </m:r>
+                                </m:e>
+                                <m:sub>
+                                  <m:r>
+                                    <a:rPr lang="en-US" altLang="zh-CN" i="1" dirty="0">
+                                      <a:latin typeface="Cambria Math" charset="0"/>
+                                      <a:ea typeface="Cambria Math" charset="0"/>
+                                      <a:cs typeface="Cambria Math" charset="0"/>
+                                    </a:rPr>
+                                    <m:t>0</m:t>
+                                  </m:r>
+                                </m:sub>
+                              </m:sSub>
+                            </m:e>
+                          </m:d>
+                          <m:r>
+                            <a:rPr lang="en-US" altLang="zh-CN" b="0" i="1" smtClean="0">
+                              <a:latin typeface="Cambria Math" charset="0"/>
+                            </a:rPr>
+                            <m:t>−</m:t>
+                          </m:r>
+                          <m:r>
+                            <m:rPr>
+                              <m:sty m:val="p"/>
+                            </m:rPr>
+                            <a:rPr lang="en-US" altLang="zh-CN" b="0" i="0" smtClean="0">
+                              <a:latin typeface="Cambria Math" charset="0"/>
+                            </a:rPr>
+                            <m:t>ln</m:t>
+                          </m:r>
+                          <m:r>
+                            <a:rPr lang="en-US" altLang="zh-CN" b="0" i="1" smtClean="0">
+                              <a:latin typeface="Cambria Math" charset="0"/>
+                            </a:rPr>
+                            <m:t>⁡(1+</m:t>
+                          </m:r>
+                          <m:sSup>
+                            <m:sSupPr>
+                              <m:ctrlPr>
+                                <a:rPr lang="mr-IN" altLang="zh-CN" i="1" dirty="0">
+                                  <a:latin typeface="Cambria Math" charset="0"/>
+                                  <a:ea typeface="Cambria Math" charset="0"/>
+                                  <a:cs typeface="Cambria Math" charset="0"/>
+                                </a:rPr>
+                              </m:ctrlPr>
+                            </m:sSupPr>
+                            <m:e>
+                              <m:r>
+                                <a:rPr lang="mr-IN" altLang="zh-CN" i="1" dirty="0">
+                                  <a:latin typeface="Cambria Math" charset="0"/>
+                                  <a:ea typeface="Cambria Math" charset="0"/>
+                                  <a:cs typeface="Cambria Math" charset="0"/>
+                                </a:rPr>
+                                <m:t>𝑒</m:t>
+                              </m:r>
+                            </m:e>
+                            <m:sup>
+                              <m:sSup>
+                                <m:sSupPr>
+                                  <m:ctrlPr>
+                                    <a:rPr lang="en-US" altLang="zh-CN" i="1" dirty="0">
+                                      <a:latin typeface="Cambria Math" charset="0"/>
+                                      <a:ea typeface="Cambria Math" charset="0"/>
+                                      <a:cs typeface="Cambria Math" charset="0"/>
+                                    </a:rPr>
+                                  </m:ctrlPr>
+                                </m:sSupPr>
+                                <m:e>
+                                  <m:r>
+                                    <a:rPr lang="en-US" altLang="zh-CN" i="1" dirty="0">
+                                      <a:latin typeface="Cambria Math" charset="0"/>
+                                      <a:ea typeface="Cambria Math" charset="0"/>
+                                      <a:cs typeface="Cambria Math" charset="0"/>
+                                    </a:rPr>
+                                    <m:t>𝜔</m:t>
+                                  </m:r>
+                                </m:e>
+                                <m:sup>
+                                  <m:r>
+                                    <a:rPr lang="en-US" altLang="zh-CN" i="1" dirty="0">
+                                      <a:latin typeface="Cambria Math" charset="0"/>
+                                      <a:ea typeface="Cambria Math" charset="0"/>
+                                      <a:cs typeface="Cambria Math" charset="0"/>
+                                    </a:rPr>
+                                    <m:t>𝑇</m:t>
+                                  </m:r>
+                                </m:sup>
+                              </m:sSup>
+                              <m:sSub>
+                                <m:sSubPr>
+                                  <m:ctrlPr>
+                                    <a:rPr lang="en-US" altLang="zh-CN" i="1" dirty="0">
+                                      <a:latin typeface="Cambria Math" charset="0"/>
+                                      <a:ea typeface="Cambria Math" charset="0"/>
+                                      <a:cs typeface="Cambria Math" charset="0"/>
+                                    </a:rPr>
+                                  </m:ctrlPr>
+                                </m:sSubPr>
+                                <m:e>
+                                  <m:r>
+                                    <a:rPr lang="en-US" altLang="zh-CN" i="1" dirty="0">
+                                      <a:latin typeface="Cambria Math" charset="0"/>
+                                      <a:ea typeface="Cambria Math" charset="0"/>
+                                      <a:cs typeface="Cambria Math" charset="0"/>
+                                    </a:rPr>
+                                    <m:t>𝑥</m:t>
+                                  </m:r>
+                                </m:e>
+                                <m:sub>
+                                  <m:r>
+                                    <a:rPr lang="en-US" altLang="zh-CN" i="1" dirty="0">
+                                      <a:latin typeface="Cambria Math" charset="0"/>
+                                      <a:ea typeface="Cambria Math" charset="0"/>
+                                      <a:cs typeface="Cambria Math" charset="0"/>
+                                    </a:rPr>
+                                    <m:t>𝑖</m:t>
+                                  </m:r>
+                                </m:sub>
+                              </m:sSub>
+                              <m:r>
+                                <a:rPr lang="en-US" altLang="zh-CN" i="1" dirty="0">
+                                  <a:latin typeface="Cambria Math" charset="0"/>
+                                  <a:ea typeface="Cambria Math" charset="0"/>
+                                  <a:cs typeface="Cambria Math" charset="0"/>
+                                </a:rPr>
+                                <m:t>+</m:t>
+                              </m:r>
+                              <m:sSub>
+                                <m:sSubPr>
+                                  <m:ctrlPr>
+                                    <a:rPr lang="en-US" altLang="zh-CN" i="1" dirty="0">
+                                      <a:latin typeface="Cambria Math" charset="0"/>
+                                      <a:ea typeface="Cambria Math" charset="0"/>
+                                      <a:cs typeface="Cambria Math" charset="0"/>
+                                    </a:rPr>
+                                  </m:ctrlPr>
+                                </m:sSubPr>
+                                <m:e>
+                                  <m:r>
+                                    <a:rPr lang="en-US" altLang="zh-CN" i="1" dirty="0">
+                                      <a:latin typeface="Cambria Math" charset="0"/>
+                                      <a:ea typeface="Cambria Math" charset="0"/>
+                                      <a:cs typeface="Cambria Math" charset="0"/>
+                                    </a:rPr>
+                                    <m:t>𝜔</m:t>
+                                  </m:r>
+                                </m:e>
+                                <m:sub>
+                                  <m:r>
+                                    <a:rPr lang="en-US" altLang="zh-CN" i="1" dirty="0">
+                                      <a:latin typeface="Cambria Math" charset="0"/>
+                                      <a:ea typeface="Cambria Math" charset="0"/>
+                                      <a:cs typeface="Cambria Math" charset="0"/>
+                                    </a:rPr>
+                                    <m:t>0</m:t>
+                                  </m:r>
+                                </m:sub>
+                              </m:sSub>
+                            </m:sup>
+                          </m:sSup>
+                          <m:r>
+                            <a:rPr lang="en-US" altLang="zh-CN" b="0" i="1" smtClean="0">
+                              <a:latin typeface="Cambria Math" charset="0"/>
+                            </a:rPr>
+                            <m:t>)]</m:t>
+                          </m:r>
+                        </m:e>
+                      </m:nary>
+                    </m:oMath>
+                  </m:oMathPara>
+                </a14:m>
+                <a:r>
+                  <a:rPr lang="en-US" altLang="zh-CN" b="0" dirty="0" smtClean="0">
+                    <a:ea typeface="Cambria Math" charset="0"/>
+                    <a:cs typeface="Cambria Math" charset="0"/>
+                  </a:rPr>
+                  <a:t/>
+                </a:r>
+                <a:br>
+                  <a:rPr lang="en-US" altLang="zh-CN" b="0" dirty="0" smtClean="0">
+                    <a:ea typeface="Cambria Math" charset="0"/>
+                    <a:cs typeface="Cambria Math" charset="0"/>
+                  </a:rPr>
+                </a:br>
+                <a:endParaRPr lang="en-US" altLang="zh-CN" b="0" dirty="0" smtClean="0">
+                  <a:ea typeface="Cambria Math" charset="0"/>
+                  <a:cs typeface="Cambria Math" charset="0"/>
+                </a:endParaRPr>
+              </a:p>
+            </p:txBody>
+          </p:sp>
+        </mc:Choice>
+        <mc:Fallback xmlns="">
+          <p:sp>
+            <p:nvSpPr>
+              <p:cNvPr id="3" name="Content Placeholder 2"/>
+              <p:cNvSpPr>
+                <a:spLocks noGrp="1" noRot="1" noChangeAspect="1" noMove="1" noResize="1" noEditPoints="1" noAdjustHandles="1" noChangeArrowheads="1" noChangeShapeType="1" noTextEdit="1"/>
+              </p:cNvSpPr>
+              <p:nvPr>
+                <p:ph idx="1"/>
+              </p:nvPr>
+            </p:nvSpPr>
+            <p:spPr>
+              <a:blipFill rotWithShape="0">
+                <a:blip r:embed="rId2"/>
+                <a:stretch>
+                  <a:fillRect/>
+                </a:stretch>
+              </a:blipFill>
+            </p:spPr>
+            <p:txBody>
+              <a:bodyPr/>
+              <a:lstStyle/>
+              <a:p>
+                <a:r>
+                  <a:rPr lang="en-US">
+                    <a:noFill/>
+                  </a:rPr>
+                  <a:t> </a:t>
+                </a:r>
+              </a:p>
+            </p:txBody>
+          </p:sp>
+        </mc:Fallback>
+      </mc:AlternateContent>
+    </p:spTree>
+    <p:extLst>
+      <p:ext uri="{BB962C8B-B14F-4D97-AF65-F5344CB8AC3E}">
+        <p14:creationId xmlns:p14="http://schemas.microsoft.com/office/powerpoint/2010/main" val="409347983"/>
+      </p:ext>
+    </p:extLst>
+  </p:cSld>
+  <p:clrMapOvr>
+    <a:masterClrMapping/>
+  </p:clrMapOvr>
+  <p:timing>
+    <p:tnLst>
+      <p:par>
+        <p:cTn id="1" dur="indefinite" restart="never" nodeType="tmRoot"/>
+      </p:par>
+    </p:tnLst>
+  </p:timing>
+</p:sld>
+</file>
+
+<file path=ppt/slides/slide17.xml><?xml version="1.0" encoding="utf-8"?>
+<p:sld xmlns:a="http://schemas.openxmlformats.org/drawingml/2006/main" xmlns:r="http://schemas.openxmlformats.org/officeDocument/2006/relationships" xmlns:p="http://schemas.openxmlformats.org/presentationml/2006/main">
+  <p:cSld>
+    <p:spTree>
+      <p:nvGrpSpPr>
+        <p:cNvPr id="1" name=""/>
+        <p:cNvGrpSpPr/>
+        <p:nvPr/>
+      </p:nvGrpSpPr>
+      <p:grpSpPr>
+        <a:xfrm>
+          <a:off x="0" y="0"/>
+          <a:ext cx="0" cy="0"/>
+          <a:chOff x="0" y="0"/>
+          <a:chExt cx="0" cy="0"/>
+        </a:xfrm>
+      </p:grpSpPr>
+      <p:sp>
+        <p:nvSpPr>
+          <p:cNvPr id="2" name="Title 1"/>
+          <p:cNvSpPr>
+            <a:spLocks noGrp="1"/>
+          </p:cNvSpPr>
+          <p:nvPr>
+            <p:ph type="title"/>
+          </p:nvPr>
+        </p:nvSpPr>
+        <p:spPr/>
+        <p:txBody>
+          <a:bodyPr/>
+          <a:lstStyle/>
+          <a:p>
+            <a:r>
+              <a:rPr lang="zh-CN" altLang="en-US" dirty="0" smtClean="0"/>
+              <a:t>如何求似然函数极值</a:t>
+            </a:r>
+            <a:endParaRPr lang="en-US" dirty="0"/>
+          </a:p>
+        </p:txBody>
+      </p:sp>
+      <mc:AlternateContent xmlns:mc="http://schemas.openxmlformats.org/markup-compatibility/2006">
+        <mc:Choice xmlns:a14="http://schemas.microsoft.com/office/drawing/2010/main" Requires="a14">
+          <p:sp>
+            <p:nvSpPr>
+              <p:cNvPr id="3" name="Content Placeholder 2"/>
+              <p:cNvSpPr>
+                <a:spLocks noGrp="1"/>
+              </p:cNvSpPr>
+              <p:nvPr>
+                <p:ph idx="1"/>
+              </p:nvPr>
+            </p:nvSpPr>
+            <p:spPr/>
+            <p:txBody>
+              <a:bodyPr>
+                <a:normAutofit fontScale="92500"/>
+              </a:bodyPr>
+              <a:lstStyle/>
+              <a:p>
+                <a:pPr marL="0" indent="0">
+                  <a:buNone/>
+                </a:pPr>
+                <a:r>
+                  <a:rPr lang="zh-CN" altLang="en-US" dirty="0" smtClean="0"/>
+                  <a:t>分别对参数</a:t>
+                </a:r>
+                <a14:m>
+                  <m:oMath xmlns:m="http://schemas.openxmlformats.org/officeDocument/2006/math">
+                    <m:r>
+                      <a:rPr lang="en-US" altLang="zh-CN" i="1" dirty="0">
+                        <a:latin typeface="Cambria Math" charset="0"/>
+                        <a:ea typeface="Cambria Math" charset="0"/>
+                        <a:cs typeface="Cambria Math" charset="0"/>
+                      </a:rPr>
+                      <m:t>𝜔</m:t>
+                    </m:r>
+                  </m:oMath>
+                </a14:m>
+                <a:r>
+                  <a:rPr lang="zh-CN" altLang="en-US" dirty="0" smtClean="0"/>
+                  <a:t>和</a:t>
+                </a:r>
+                <a14:m>
+                  <m:oMath xmlns:m="http://schemas.openxmlformats.org/officeDocument/2006/math">
+                    <m:sSub>
+                      <m:sSubPr>
+                        <m:ctrlPr>
+                          <a:rPr lang="en-US" altLang="zh-CN" i="1" dirty="0">
+                            <a:latin typeface="Cambria Math" charset="0"/>
+                            <a:ea typeface="Cambria Math" charset="0"/>
+                            <a:cs typeface="Cambria Math" charset="0"/>
+                          </a:rPr>
+                        </m:ctrlPr>
+                      </m:sSubPr>
+                      <m:e>
+                        <m:r>
+                          <a:rPr lang="en-US" altLang="zh-CN" i="1" dirty="0">
+                            <a:latin typeface="Cambria Math" charset="0"/>
+                            <a:ea typeface="Cambria Math" charset="0"/>
+                            <a:cs typeface="Cambria Math" charset="0"/>
+                          </a:rPr>
+                          <m:t>𝜔</m:t>
+                        </m:r>
+                      </m:e>
+                      <m:sub>
+                        <m:r>
+                          <a:rPr lang="en-US" altLang="zh-CN" i="1" dirty="0">
+                            <a:latin typeface="Cambria Math" charset="0"/>
+                            <a:ea typeface="Cambria Math" charset="0"/>
+                            <a:cs typeface="Cambria Math" charset="0"/>
+                          </a:rPr>
+                          <m:t>0</m:t>
+                        </m:r>
+                      </m:sub>
+                    </m:sSub>
+                  </m:oMath>
+                </a14:m>
+                <a:r>
+                  <a:rPr lang="zh-CN" altLang="en-US" dirty="0" smtClean="0"/>
+                  <a:t>求偏导数，然后另偏倒数等于</a:t>
+                </a:r>
+                <a:r>
+                  <a:rPr lang="en-US" altLang="zh-CN" dirty="0" smtClean="0"/>
+                  <a:t>0</a:t>
+                </a:r>
+                <a:r>
+                  <a:rPr lang="zh-CN" altLang="en-US" dirty="0" smtClean="0"/>
+                  <a:t>：</a:t>
+                </a:r>
+                <a:endParaRPr lang="en-US" altLang="zh-CN" dirty="0" smtClean="0"/>
+              </a:p>
+              <a:p>
+                <a:pPr marL="0" indent="0">
+                  <a:buNone/>
+                </a:pPr>
+                <a:endParaRPr lang="en-US" altLang="zh-CN" dirty="0"/>
+              </a:p>
+              <a:p>
+                <a:pPr marL="0" indent="0">
+                  <a:buNone/>
+                </a:pPr>
+                <a14:m>
+                  <m:oMathPara xmlns:m="http://schemas.openxmlformats.org/officeDocument/2006/math">
+                    <m:oMathParaPr>
+                      <m:jc m:val="centerGroup"/>
+                    </m:oMathParaPr>
+                    <m:oMath xmlns:m="http://schemas.openxmlformats.org/officeDocument/2006/math">
+                      <m:f>
+                        <m:fPr>
+                          <m:ctrlPr>
+                            <a:rPr lang="mr-IN" altLang="zh-CN" i="1" smtClean="0">
+                              <a:latin typeface="Cambria Math" charset="0"/>
+                            </a:rPr>
+                          </m:ctrlPr>
+                        </m:fPr>
+                        <m:num>
+                          <m:r>
+                            <a:rPr lang="mr-IN" altLang="zh-CN" i="1" smtClean="0">
+                              <a:latin typeface="Cambria Math" charset="0"/>
+                              <a:ea typeface="Cambria Math" charset="0"/>
+                              <a:cs typeface="Cambria Math" charset="0"/>
+                            </a:rPr>
+                            <m:t>𝜕</m:t>
+                          </m:r>
+                          <m:r>
+                            <m:rPr>
+                              <m:sty m:val="p"/>
+                            </m:rPr>
+                            <a:rPr lang="en-US" altLang="zh-CN" b="0" i="0" smtClean="0">
+                              <a:latin typeface="Cambria Math" charset="0"/>
+                              <a:ea typeface="Cambria Math" charset="0"/>
+                              <a:cs typeface="Cambria Math" charset="0"/>
+                            </a:rPr>
+                            <m:t>ln</m:t>
+                          </m:r>
+                          <m:r>
+                            <a:rPr lang="en-US" altLang="zh-CN" b="0" i="1" smtClean="0">
+                              <a:latin typeface="Cambria Math" charset="0"/>
+                              <a:ea typeface="Cambria Math" charset="0"/>
+                              <a:cs typeface="Cambria Math" charset="0"/>
+                            </a:rPr>
+                            <m:t>⁡</m:t>
+                          </m:r>
+                          <m:r>
+                            <a:rPr lang="en-US" altLang="zh-CN" i="1">
+                              <a:latin typeface="Cambria Math" charset="0"/>
+                            </a:rPr>
+                            <m:t>𝐿</m:t>
+                          </m:r>
+                          <m:d>
+                            <m:dPr>
+                              <m:ctrlPr>
+                                <a:rPr lang="en-US" altLang="zh-CN" i="1">
+                                  <a:latin typeface="Cambria Math" charset="0"/>
+                                </a:rPr>
+                              </m:ctrlPr>
+                            </m:dPr>
+                            <m:e>
+                              <m:r>
+                                <a:rPr lang="en-US" altLang="zh-CN" i="1">
+                                  <a:latin typeface="Cambria Math" charset="0"/>
+                                  <a:ea typeface="Cambria Math" charset="0"/>
+                                  <a:cs typeface="Cambria Math" charset="0"/>
+                                </a:rPr>
+                                <m:t>𝜃</m:t>
+                              </m:r>
+                            </m:e>
+                          </m:d>
+                        </m:num>
+                        <m:den>
+                          <m:r>
+                            <a:rPr lang="mr-IN" altLang="zh-CN" i="1">
+                              <a:latin typeface="Cambria Math" charset="0"/>
+                              <a:ea typeface="Cambria Math" charset="0"/>
+                              <a:cs typeface="Cambria Math" charset="0"/>
+                            </a:rPr>
+                            <m:t>𝜕</m:t>
+                          </m:r>
+                          <m:sSub>
+                            <m:sSubPr>
+                              <m:ctrlPr>
+                                <a:rPr lang="en-US" altLang="zh-CN" i="1" dirty="0">
+                                  <a:latin typeface="Cambria Math" charset="0"/>
+                                  <a:ea typeface="Cambria Math" charset="0"/>
+                                  <a:cs typeface="Cambria Math" charset="0"/>
+                                </a:rPr>
+                              </m:ctrlPr>
+                            </m:sSubPr>
+                            <m:e>
+                              <m:r>
+                                <a:rPr lang="en-US" altLang="zh-CN" i="1" dirty="0">
+                                  <a:latin typeface="Cambria Math" charset="0"/>
+                                  <a:ea typeface="Cambria Math" charset="0"/>
+                                  <a:cs typeface="Cambria Math" charset="0"/>
+                                </a:rPr>
+                                <m:t>𝜔</m:t>
+                              </m:r>
+                            </m:e>
+                            <m:sub>
+                              <m:r>
+                                <a:rPr lang="en-US" altLang="zh-CN" i="1" dirty="0">
+                                  <a:latin typeface="Cambria Math" charset="0"/>
+                                  <a:ea typeface="Cambria Math" charset="0"/>
+                                  <a:cs typeface="Cambria Math" charset="0"/>
+                                </a:rPr>
+                                <m:t>0</m:t>
+                              </m:r>
+                            </m:sub>
+                          </m:sSub>
+                        </m:den>
+                      </m:f>
+                      <m:r>
+                        <a:rPr lang="en-US" altLang="zh-CN" b="0" i="1" smtClean="0">
+                          <a:latin typeface="Cambria Math" charset="0"/>
+                        </a:rPr>
+                        <m:t>=</m:t>
+                      </m:r>
+                      <m:nary>
+                        <m:naryPr>
+                          <m:chr m:val="∑"/>
+                          <m:ctrlPr>
+                            <a:rPr lang="mr-IN" altLang="zh-CN" b="0" i="1" smtClean="0">
+                              <a:latin typeface="Cambria Math" charset="0"/>
+                            </a:rPr>
+                          </m:ctrlPr>
+                        </m:naryPr>
+                        <m:sub>
+                          <m:r>
+                            <a:rPr lang="mr-IN" altLang="zh-CN" b="0" i="1" smtClean="0">
+                              <a:latin typeface="Cambria Math" charset="0"/>
+                            </a:rPr>
+                            <m:t>𝑖</m:t>
+                          </m:r>
+                          <m:r>
+                            <a:rPr lang="mr-IN" altLang="zh-CN" b="0" i="1" smtClean="0">
+                              <a:latin typeface="Cambria Math" charset="0"/>
+                            </a:rPr>
+                            <m:t>=0</m:t>
+                          </m:r>
+                        </m:sub>
+                        <m:sup>
+                          <m:r>
+                            <a:rPr lang="mr-IN" altLang="zh-CN" b="0" i="1" smtClean="0">
+                              <a:latin typeface="Cambria Math" charset="0"/>
+                            </a:rPr>
+                            <m:t>𝑛</m:t>
+                          </m:r>
+                        </m:sup>
+                        <m:e>
+                          <m:r>
+                            <a:rPr lang="en-US" altLang="zh-CN" b="0" i="1" smtClean="0">
+                              <a:latin typeface="Cambria Math" charset="0"/>
+                            </a:rPr>
+                            <m:t>[</m:t>
+                          </m:r>
+                          <m:sSub>
+                            <m:sSubPr>
+                              <m:ctrlPr>
+                                <a:rPr lang="en-US" altLang="zh-CN" i="1">
+                                  <a:latin typeface="Cambria Math" charset="0"/>
+                                </a:rPr>
+                              </m:ctrlPr>
+                            </m:sSubPr>
+                            <m:e>
+                              <m:r>
+                                <a:rPr lang="en-US" altLang="zh-CN" i="1">
+                                  <a:latin typeface="Cambria Math" charset="0"/>
+                                </a:rPr>
+                                <m:t>𝑦</m:t>
+                              </m:r>
+                            </m:e>
+                            <m:sub>
+                              <m:r>
+                                <a:rPr lang="en-US" altLang="zh-CN" i="1">
+                                  <a:latin typeface="Cambria Math" charset="0"/>
+                                </a:rPr>
+                                <m:t>𝑖</m:t>
+                              </m:r>
+                            </m:sub>
+                          </m:sSub>
+                          <m:r>
+                            <a:rPr lang="en-US" altLang="zh-CN" b="0" i="1" smtClean="0">
+                              <a:latin typeface="Cambria Math" charset="0"/>
+                            </a:rPr>
+                            <m:t>−</m:t>
+                          </m:r>
+                          <m:f>
+                            <m:fPr>
+                              <m:ctrlPr>
+                                <a:rPr lang="mr-IN" altLang="zh-CN" b="0" i="1" smtClean="0">
+                                  <a:latin typeface="Cambria Math" charset="0"/>
+                                </a:rPr>
+                              </m:ctrlPr>
+                            </m:fPr>
+                            <m:num>
+                              <m:sSup>
+                                <m:sSupPr>
+                                  <m:ctrlPr>
+                                    <a:rPr lang="mr-IN" altLang="zh-CN" i="1" dirty="0">
+                                      <a:latin typeface="Cambria Math" charset="0"/>
+                                      <a:ea typeface="Cambria Math" charset="0"/>
+                                      <a:cs typeface="Cambria Math" charset="0"/>
+                                    </a:rPr>
+                                  </m:ctrlPr>
+                                </m:sSupPr>
+                                <m:e>
+                                  <m:r>
+                                    <a:rPr lang="mr-IN" altLang="zh-CN" i="1" dirty="0">
+                                      <a:latin typeface="Cambria Math" charset="0"/>
+                                      <a:ea typeface="Cambria Math" charset="0"/>
+                                      <a:cs typeface="Cambria Math" charset="0"/>
+                                    </a:rPr>
+                                    <m:t>𝑒</m:t>
+                                  </m:r>
+                                </m:e>
+                                <m:sup>
+                                  <m:sSup>
+                                    <m:sSupPr>
+                                      <m:ctrlPr>
+                                        <a:rPr lang="en-US" altLang="zh-CN" i="1" dirty="0">
+                                          <a:latin typeface="Cambria Math" charset="0"/>
+                                          <a:ea typeface="Cambria Math" charset="0"/>
+                                          <a:cs typeface="Cambria Math" charset="0"/>
+                                        </a:rPr>
+                                      </m:ctrlPr>
+                                    </m:sSupPr>
+                                    <m:e>
+                                      <m:r>
+                                        <a:rPr lang="en-US" altLang="zh-CN" i="1" dirty="0">
+                                          <a:latin typeface="Cambria Math" charset="0"/>
+                                          <a:ea typeface="Cambria Math" charset="0"/>
+                                          <a:cs typeface="Cambria Math" charset="0"/>
+                                        </a:rPr>
+                                        <m:t>𝜔</m:t>
+                                      </m:r>
+                                    </m:e>
+                                    <m:sup>
+                                      <m:r>
+                                        <a:rPr lang="en-US" altLang="zh-CN" i="1" dirty="0">
+                                          <a:latin typeface="Cambria Math" charset="0"/>
+                                          <a:ea typeface="Cambria Math" charset="0"/>
+                                          <a:cs typeface="Cambria Math" charset="0"/>
+                                        </a:rPr>
+                                        <m:t>𝑇</m:t>
+                                      </m:r>
+                                    </m:sup>
+                                  </m:sSup>
+                                  <m:sSub>
+                                    <m:sSubPr>
+                                      <m:ctrlPr>
+                                        <a:rPr lang="en-US" altLang="zh-CN" i="1" dirty="0">
+                                          <a:latin typeface="Cambria Math" charset="0"/>
+                                          <a:ea typeface="Cambria Math" charset="0"/>
+                                          <a:cs typeface="Cambria Math" charset="0"/>
+                                        </a:rPr>
+                                      </m:ctrlPr>
+                                    </m:sSubPr>
+                                    <m:e>
+                                      <m:r>
+                                        <a:rPr lang="en-US" altLang="zh-CN" i="1" dirty="0">
+                                          <a:latin typeface="Cambria Math" charset="0"/>
+                                          <a:ea typeface="Cambria Math" charset="0"/>
+                                          <a:cs typeface="Cambria Math" charset="0"/>
+                                        </a:rPr>
+                                        <m:t>𝑥</m:t>
+                                      </m:r>
+                                    </m:e>
+                                    <m:sub>
+                                      <m:r>
+                                        <a:rPr lang="en-US" altLang="zh-CN" i="1" dirty="0">
+                                          <a:latin typeface="Cambria Math" charset="0"/>
+                                          <a:ea typeface="Cambria Math" charset="0"/>
+                                          <a:cs typeface="Cambria Math" charset="0"/>
+                                        </a:rPr>
+                                        <m:t>𝑖</m:t>
+                                      </m:r>
+                                    </m:sub>
+                                  </m:sSub>
+                                  <m:r>
+                                    <a:rPr lang="en-US" altLang="zh-CN" i="1" dirty="0">
+                                      <a:latin typeface="Cambria Math" charset="0"/>
+                                      <a:ea typeface="Cambria Math" charset="0"/>
+                                      <a:cs typeface="Cambria Math" charset="0"/>
+                                    </a:rPr>
+                                    <m:t>+</m:t>
+                                  </m:r>
+                                  <m:sSub>
+                                    <m:sSubPr>
+                                      <m:ctrlPr>
+                                        <a:rPr lang="en-US" altLang="zh-CN" i="1" dirty="0">
+                                          <a:latin typeface="Cambria Math" charset="0"/>
+                                          <a:ea typeface="Cambria Math" charset="0"/>
+                                          <a:cs typeface="Cambria Math" charset="0"/>
+                                        </a:rPr>
+                                      </m:ctrlPr>
+                                    </m:sSubPr>
+                                    <m:e>
+                                      <m:r>
+                                        <a:rPr lang="en-US" altLang="zh-CN" i="1" dirty="0">
+                                          <a:latin typeface="Cambria Math" charset="0"/>
+                                          <a:ea typeface="Cambria Math" charset="0"/>
+                                          <a:cs typeface="Cambria Math" charset="0"/>
+                                        </a:rPr>
+                                        <m:t>𝜔</m:t>
+                                      </m:r>
+                                    </m:e>
+                                    <m:sub>
+                                      <m:r>
+                                        <a:rPr lang="en-US" altLang="zh-CN" i="1" dirty="0">
+                                          <a:latin typeface="Cambria Math" charset="0"/>
+                                          <a:ea typeface="Cambria Math" charset="0"/>
+                                          <a:cs typeface="Cambria Math" charset="0"/>
+                                        </a:rPr>
+                                        <m:t>0</m:t>
+                                      </m:r>
+                                    </m:sub>
+                                  </m:sSub>
+                                </m:sup>
+                              </m:sSup>
+                            </m:num>
+                            <m:den>
+                              <m:r>
+                                <a:rPr lang="en-US" altLang="zh-CN" b="0" i="1" smtClean="0">
+                                  <a:latin typeface="Cambria Math" charset="0"/>
+                                </a:rPr>
+                                <m:t>1+</m:t>
+                              </m:r>
+                              <m:sSup>
+                                <m:sSupPr>
+                                  <m:ctrlPr>
+                                    <a:rPr lang="mr-IN" altLang="zh-CN" i="1" dirty="0">
+                                      <a:latin typeface="Cambria Math" charset="0"/>
+                                      <a:ea typeface="Cambria Math" charset="0"/>
+                                      <a:cs typeface="Cambria Math" charset="0"/>
+                                    </a:rPr>
+                                  </m:ctrlPr>
+                                </m:sSupPr>
+                                <m:e>
+                                  <m:r>
+                                    <a:rPr lang="mr-IN" altLang="zh-CN" i="1" dirty="0">
+                                      <a:latin typeface="Cambria Math" charset="0"/>
+                                      <a:ea typeface="Cambria Math" charset="0"/>
+                                      <a:cs typeface="Cambria Math" charset="0"/>
+                                    </a:rPr>
+                                    <m:t>𝑒</m:t>
+                                  </m:r>
+                                </m:e>
+                                <m:sup>
+                                  <m:sSup>
+                                    <m:sSupPr>
+                                      <m:ctrlPr>
+                                        <a:rPr lang="en-US" altLang="zh-CN" i="1" dirty="0">
+                                          <a:latin typeface="Cambria Math" charset="0"/>
+                                          <a:ea typeface="Cambria Math" charset="0"/>
+                                          <a:cs typeface="Cambria Math" charset="0"/>
+                                        </a:rPr>
+                                      </m:ctrlPr>
+                                    </m:sSupPr>
+                                    <m:e>
+                                      <m:r>
+                                        <a:rPr lang="en-US" altLang="zh-CN" i="1" dirty="0">
+                                          <a:latin typeface="Cambria Math" charset="0"/>
+                                          <a:ea typeface="Cambria Math" charset="0"/>
+                                          <a:cs typeface="Cambria Math" charset="0"/>
+                                        </a:rPr>
+                                        <m:t>𝜔</m:t>
+                                      </m:r>
+                                    </m:e>
+                                    <m:sup>
+                                      <m:r>
+                                        <a:rPr lang="en-US" altLang="zh-CN" i="1" dirty="0">
+                                          <a:latin typeface="Cambria Math" charset="0"/>
+                                          <a:ea typeface="Cambria Math" charset="0"/>
+                                          <a:cs typeface="Cambria Math" charset="0"/>
+                                        </a:rPr>
+                                        <m:t>𝑇</m:t>
+                                      </m:r>
+                                    </m:sup>
+                                  </m:sSup>
+                                  <m:sSub>
+                                    <m:sSubPr>
+                                      <m:ctrlPr>
+                                        <a:rPr lang="en-US" altLang="zh-CN" i="1" dirty="0">
+                                          <a:latin typeface="Cambria Math" charset="0"/>
+                                          <a:ea typeface="Cambria Math" charset="0"/>
+                                          <a:cs typeface="Cambria Math" charset="0"/>
+                                        </a:rPr>
+                                      </m:ctrlPr>
+                                    </m:sSubPr>
+                                    <m:e>
+                                      <m:r>
+                                        <a:rPr lang="en-US" altLang="zh-CN" i="1" dirty="0">
+                                          <a:latin typeface="Cambria Math" charset="0"/>
+                                          <a:ea typeface="Cambria Math" charset="0"/>
+                                          <a:cs typeface="Cambria Math" charset="0"/>
+                                        </a:rPr>
+                                        <m:t>𝑥</m:t>
+                                      </m:r>
+                                    </m:e>
+                                    <m:sub>
+                                      <m:r>
+                                        <a:rPr lang="en-US" altLang="zh-CN" i="1" dirty="0">
+                                          <a:latin typeface="Cambria Math" charset="0"/>
+                                          <a:ea typeface="Cambria Math" charset="0"/>
+                                          <a:cs typeface="Cambria Math" charset="0"/>
+                                        </a:rPr>
+                                        <m:t>𝑖</m:t>
+                                      </m:r>
+                                    </m:sub>
+                                  </m:sSub>
+                                  <m:r>
+                                    <a:rPr lang="en-US" altLang="zh-CN" i="1" dirty="0">
+                                      <a:latin typeface="Cambria Math" charset="0"/>
+                                      <a:ea typeface="Cambria Math" charset="0"/>
+                                      <a:cs typeface="Cambria Math" charset="0"/>
+                                    </a:rPr>
+                                    <m:t>+</m:t>
+                                  </m:r>
+                                  <m:sSub>
+                                    <m:sSubPr>
+                                      <m:ctrlPr>
+                                        <a:rPr lang="en-US" altLang="zh-CN" i="1" dirty="0">
+                                          <a:latin typeface="Cambria Math" charset="0"/>
+                                          <a:ea typeface="Cambria Math" charset="0"/>
+                                          <a:cs typeface="Cambria Math" charset="0"/>
+                                        </a:rPr>
+                                      </m:ctrlPr>
+                                    </m:sSubPr>
+                                    <m:e>
+                                      <m:r>
+                                        <a:rPr lang="en-US" altLang="zh-CN" i="1" dirty="0">
+                                          <a:latin typeface="Cambria Math" charset="0"/>
+                                          <a:ea typeface="Cambria Math" charset="0"/>
+                                          <a:cs typeface="Cambria Math" charset="0"/>
+                                        </a:rPr>
+                                        <m:t>𝜔</m:t>
+                                      </m:r>
+                                    </m:e>
+                                    <m:sub>
+                                      <m:r>
+                                        <a:rPr lang="en-US" altLang="zh-CN" i="1" dirty="0">
+                                          <a:latin typeface="Cambria Math" charset="0"/>
+                                          <a:ea typeface="Cambria Math" charset="0"/>
+                                          <a:cs typeface="Cambria Math" charset="0"/>
+                                        </a:rPr>
+                                        <m:t>0</m:t>
+                                      </m:r>
+                                    </m:sub>
+                                  </m:sSub>
+                                </m:sup>
+                              </m:sSup>
+                            </m:den>
+                          </m:f>
+                          <m:r>
+                            <a:rPr lang="en-US" altLang="zh-CN" b="0" i="1" smtClean="0">
+                              <a:latin typeface="Cambria Math" charset="0"/>
+                            </a:rPr>
+                            <m:t>]</m:t>
+                          </m:r>
+                        </m:e>
+                      </m:nary>
+                    </m:oMath>
+                  </m:oMathPara>
+                </a14:m>
+                <a:endParaRPr lang="en-US" altLang="zh-CN" b="0" dirty="0" smtClean="0"/>
+              </a:p>
+              <a:p>
+                <a:pPr marL="0" indent="0">
+                  <a:buNone/>
+                </a:pPr>
+                <a:endParaRPr lang="en-US" altLang="zh-CN" dirty="0" smtClean="0"/>
+              </a:p>
+              <a:p>
+                <a:pPr marL="0" indent="0">
+                  <a:buNone/>
+                </a:pPr>
+                <a14:m>
+                  <m:oMathPara xmlns:m="http://schemas.openxmlformats.org/officeDocument/2006/math">
+                    <m:oMathParaPr>
+                      <m:jc m:val="centerGroup"/>
+                    </m:oMathParaPr>
+                    <m:oMath xmlns:m="http://schemas.openxmlformats.org/officeDocument/2006/math">
+                      <m:f>
+                        <m:fPr>
+                          <m:ctrlPr>
+                            <a:rPr lang="mr-IN" altLang="zh-CN" i="1">
+                              <a:latin typeface="Cambria Math" charset="0"/>
+                            </a:rPr>
+                          </m:ctrlPr>
+                        </m:fPr>
+                        <m:num>
+                          <m:r>
+                            <a:rPr lang="mr-IN" altLang="zh-CN" i="1">
+                              <a:latin typeface="Cambria Math" charset="0"/>
+                              <a:ea typeface="Cambria Math" charset="0"/>
+                              <a:cs typeface="Cambria Math" charset="0"/>
+                            </a:rPr>
+                            <m:t>𝜕</m:t>
+                          </m:r>
+                          <m:r>
+                            <m:rPr>
+                              <m:sty m:val="p"/>
+                            </m:rPr>
+                            <a:rPr lang="en-US" altLang="zh-CN">
+                              <a:latin typeface="Cambria Math" charset="0"/>
+                              <a:ea typeface="Cambria Math" charset="0"/>
+                              <a:cs typeface="Cambria Math" charset="0"/>
+                            </a:rPr>
+                            <m:t>ln</m:t>
+                          </m:r>
+                          <m:r>
+                            <a:rPr lang="en-US" altLang="zh-CN" i="1">
+                              <a:latin typeface="Cambria Math" charset="0"/>
+                              <a:ea typeface="Cambria Math" charset="0"/>
+                              <a:cs typeface="Cambria Math" charset="0"/>
+                            </a:rPr>
+                            <m:t>⁡</m:t>
+                          </m:r>
+                          <m:r>
+                            <a:rPr lang="en-US" altLang="zh-CN" i="1">
+                              <a:latin typeface="Cambria Math" charset="0"/>
+                            </a:rPr>
+                            <m:t>𝐿</m:t>
+                          </m:r>
+                          <m:d>
+                            <m:dPr>
+                              <m:ctrlPr>
+                                <a:rPr lang="en-US" altLang="zh-CN" i="1">
+                                  <a:latin typeface="Cambria Math" charset="0"/>
+                                </a:rPr>
+                              </m:ctrlPr>
+                            </m:dPr>
+                            <m:e>
+                              <m:r>
+                                <a:rPr lang="en-US" altLang="zh-CN" i="1">
+                                  <a:latin typeface="Cambria Math" charset="0"/>
+                                  <a:ea typeface="Cambria Math" charset="0"/>
+                                  <a:cs typeface="Cambria Math" charset="0"/>
+                                </a:rPr>
+                                <m:t>𝜃</m:t>
+                              </m:r>
+                            </m:e>
+                          </m:d>
+                        </m:num>
+                        <m:den>
+                          <m:r>
+                            <a:rPr lang="mr-IN" altLang="zh-CN" i="1">
+                              <a:latin typeface="Cambria Math" charset="0"/>
+                              <a:ea typeface="Cambria Math" charset="0"/>
+                              <a:cs typeface="Cambria Math" charset="0"/>
+                            </a:rPr>
+                            <m:t>𝜕</m:t>
+                          </m:r>
+                          <m:sSub>
+                            <m:sSubPr>
+                              <m:ctrlPr>
+                                <a:rPr lang="en-US" altLang="zh-CN" i="1" dirty="0">
+                                  <a:latin typeface="Cambria Math" charset="0"/>
+                                  <a:ea typeface="Cambria Math" charset="0"/>
+                                  <a:cs typeface="Cambria Math" charset="0"/>
+                                </a:rPr>
+                              </m:ctrlPr>
+                            </m:sSubPr>
+                            <m:e>
+                              <m:r>
+                                <a:rPr lang="en-US" altLang="zh-CN" i="1" dirty="0">
+                                  <a:latin typeface="Cambria Math" charset="0"/>
+                                  <a:ea typeface="Cambria Math" charset="0"/>
+                                  <a:cs typeface="Cambria Math" charset="0"/>
+                                </a:rPr>
+                                <m:t>𝜔</m:t>
+                              </m:r>
+                            </m:e>
+                            <m:sub>
+                              <m:r>
+                                <a:rPr lang="en-US" altLang="zh-CN" i="1" dirty="0">
+                                  <a:latin typeface="Cambria Math" charset="0"/>
+                                  <a:ea typeface="Cambria Math" charset="0"/>
+                                  <a:cs typeface="Cambria Math" charset="0"/>
+                                </a:rPr>
+                                <m:t>0</m:t>
+                              </m:r>
+                            </m:sub>
+                          </m:sSub>
+                        </m:den>
+                      </m:f>
+                      <m:r>
+                        <a:rPr lang="en-US" altLang="zh-CN" i="1">
+                          <a:latin typeface="Cambria Math" charset="0"/>
+                        </a:rPr>
+                        <m:t>=</m:t>
+                      </m:r>
+                      <m:nary>
+                        <m:naryPr>
+                          <m:chr m:val="∑"/>
+                          <m:ctrlPr>
+                            <a:rPr lang="mr-IN" altLang="zh-CN" i="1">
+                              <a:latin typeface="Cambria Math" charset="0"/>
+                            </a:rPr>
+                          </m:ctrlPr>
+                        </m:naryPr>
+                        <m:sub>
+                          <m:r>
+                            <a:rPr lang="mr-IN" altLang="zh-CN" i="1">
+                              <a:latin typeface="Cambria Math" charset="0"/>
+                            </a:rPr>
+                            <m:t>𝑖</m:t>
+                          </m:r>
+                          <m:r>
+                            <a:rPr lang="mr-IN" altLang="zh-CN" i="1">
+                              <a:latin typeface="Cambria Math" charset="0"/>
+                            </a:rPr>
+                            <m:t>=0</m:t>
+                          </m:r>
+                        </m:sub>
+                        <m:sup>
+                          <m:r>
+                            <a:rPr lang="mr-IN" altLang="zh-CN" i="1">
+                              <a:latin typeface="Cambria Math" charset="0"/>
+                            </a:rPr>
+                            <m:t>𝑛</m:t>
+                          </m:r>
+                        </m:sup>
+                        <m:e>
+                          <m:d>
+                            <m:dPr>
+                              <m:begChr m:val="["/>
+                              <m:endChr m:val="]"/>
+                              <m:ctrlPr>
+                                <a:rPr lang="en-US" altLang="zh-CN" i="1">
+                                  <a:latin typeface="Cambria Math" charset="0"/>
+                                </a:rPr>
+                              </m:ctrlPr>
+                            </m:dPr>
+                            <m:e>
+                              <m:sSub>
+                                <m:sSubPr>
+                                  <m:ctrlPr>
+                                    <a:rPr lang="en-US" altLang="zh-CN" i="1">
+                                      <a:latin typeface="Cambria Math" charset="0"/>
+                                    </a:rPr>
+                                  </m:ctrlPr>
+                                </m:sSubPr>
+                                <m:e>
+                                  <m:r>
+                                    <a:rPr lang="en-US" altLang="zh-CN" i="1">
+                                      <a:latin typeface="Cambria Math" charset="0"/>
+                                    </a:rPr>
+                                    <m:t>𝑦</m:t>
+                                  </m:r>
+                                </m:e>
+                                <m:sub>
+                                  <m:r>
+                                    <a:rPr lang="en-US" altLang="zh-CN" i="1">
+                                      <a:latin typeface="Cambria Math" charset="0"/>
+                                    </a:rPr>
+                                    <m:t>𝑖</m:t>
+                                  </m:r>
+                                </m:sub>
+                              </m:sSub>
+                              <m:r>
+                                <a:rPr lang="en-US" altLang="zh-CN" i="1">
+                                  <a:latin typeface="Cambria Math" charset="0"/>
+                                </a:rPr>
+                                <m:t>−</m:t>
+                              </m:r>
+                              <m:f>
+                                <m:fPr>
+                                  <m:ctrlPr>
+                                    <a:rPr lang="mr-IN" altLang="zh-CN" i="1">
+                                      <a:latin typeface="Cambria Math" charset="0"/>
+                                    </a:rPr>
+                                  </m:ctrlPr>
+                                </m:fPr>
+                                <m:num>
+                                  <m:sSup>
+                                    <m:sSupPr>
+                                      <m:ctrlPr>
+                                        <a:rPr lang="mr-IN" altLang="zh-CN" i="1" dirty="0">
+                                          <a:latin typeface="Cambria Math" charset="0"/>
+                                          <a:ea typeface="Cambria Math" charset="0"/>
+                                          <a:cs typeface="Cambria Math" charset="0"/>
+                                        </a:rPr>
+                                      </m:ctrlPr>
+                                    </m:sSupPr>
+                                    <m:e>
+                                      <m:r>
+                                        <a:rPr lang="mr-IN" altLang="zh-CN" i="1" dirty="0">
+                                          <a:latin typeface="Cambria Math" charset="0"/>
+                                          <a:ea typeface="Cambria Math" charset="0"/>
+                                          <a:cs typeface="Cambria Math" charset="0"/>
+                                        </a:rPr>
+                                        <m:t>𝑒</m:t>
+                                      </m:r>
+                                    </m:e>
+                                    <m:sup>
+                                      <m:sSup>
+                                        <m:sSupPr>
+                                          <m:ctrlPr>
+                                            <a:rPr lang="en-US" altLang="zh-CN" i="1" dirty="0">
+                                              <a:latin typeface="Cambria Math" charset="0"/>
+                                              <a:ea typeface="Cambria Math" charset="0"/>
+                                              <a:cs typeface="Cambria Math" charset="0"/>
+                                            </a:rPr>
+                                          </m:ctrlPr>
+                                        </m:sSupPr>
+                                        <m:e>
+                                          <m:r>
+                                            <a:rPr lang="en-US" altLang="zh-CN" i="1" dirty="0">
+                                              <a:latin typeface="Cambria Math" charset="0"/>
+                                              <a:ea typeface="Cambria Math" charset="0"/>
+                                              <a:cs typeface="Cambria Math" charset="0"/>
+                                            </a:rPr>
+                                            <m:t>𝜔</m:t>
+                                          </m:r>
+                                        </m:e>
+                                        <m:sup>
+                                          <m:r>
+                                            <a:rPr lang="en-US" altLang="zh-CN" i="1" dirty="0">
+                                              <a:latin typeface="Cambria Math" charset="0"/>
+                                              <a:ea typeface="Cambria Math" charset="0"/>
+                                              <a:cs typeface="Cambria Math" charset="0"/>
+                                            </a:rPr>
+                                            <m:t>𝑇</m:t>
+                                          </m:r>
+                                        </m:sup>
+                                      </m:sSup>
+                                      <m:sSub>
+                                        <m:sSubPr>
+                                          <m:ctrlPr>
+                                            <a:rPr lang="en-US" altLang="zh-CN" i="1" dirty="0">
+                                              <a:latin typeface="Cambria Math" charset="0"/>
+                                              <a:ea typeface="Cambria Math" charset="0"/>
+                                              <a:cs typeface="Cambria Math" charset="0"/>
+                                            </a:rPr>
+                                          </m:ctrlPr>
+                                        </m:sSubPr>
+                                        <m:e>
+                                          <m:r>
+                                            <a:rPr lang="en-US" altLang="zh-CN" i="1" dirty="0">
+                                              <a:latin typeface="Cambria Math" charset="0"/>
+                                              <a:ea typeface="Cambria Math" charset="0"/>
+                                              <a:cs typeface="Cambria Math" charset="0"/>
+                                            </a:rPr>
+                                            <m:t>𝑥</m:t>
+                                          </m:r>
+                                        </m:e>
+                                        <m:sub>
+                                          <m:r>
+                                            <a:rPr lang="en-US" altLang="zh-CN" i="1" dirty="0">
+                                              <a:latin typeface="Cambria Math" charset="0"/>
+                                              <a:ea typeface="Cambria Math" charset="0"/>
+                                              <a:cs typeface="Cambria Math" charset="0"/>
+                                            </a:rPr>
+                                            <m:t>𝑖</m:t>
+                                          </m:r>
+                                        </m:sub>
+                                      </m:sSub>
+                                      <m:r>
+                                        <a:rPr lang="en-US" altLang="zh-CN" i="1" dirty="0">
+                                          <a:latin typeface="Cambria Math" charset="0"/>
+                                          <a:ea typeface="Cambria Math" charset="0"/>
+                                          <a:cs typeface="Cambria Math" charset="0"/>
+                                        </a:rPr>
+                                        <m:t>+</m:t>
+                                      </m:r>
+                                      <m:sSub>
+                                        <m:sSubPr>
+                                          <m:ctrlPr>
+                                            <a:rPr lang="en-US" altLang="zh-CN" i="1" dirty="0">
+                                              <a:latin typeface="Cambria Math" charset="0"/>
+                                              <a:ea typeface="Cambria Math" charset="0"/>
+                                              <a:cs typeface="Cambria Math" charset="0"/>
+                                            </a:rPr>
+                                          </m:ctrlPr>
+                                        </m:sSubPr>
+                                        <m:e>
+                                          <m:r>
+                                            <a:rPr lang="en-US" altLang="zh-CN" i="1" dirty="0">
+                                              <a:latin typeface="Cambria Math" charset="0"/>
+                                              <a:ea typeface="Cambria Math" charset="0"/>
+                                              <a:cs typeface="Cambria Math" charset="0"/>
+                                            </a:rPr>
+                                            <m:t>𝜔</m:t>
+                                          </m:r>
+                                        </m:e>
+                                        <m:sub>
+                                          <m:r>
+                                            <a:rPr lang="en-US" altLang="zh-CN" i="1" dirty="0">
+                                              <a:latin typeface="Cambria Math" charset="0"/>
+                                              <a:ea typeface="Cambria Math" charset="0"/>
+                                              <a:cs typeface="Cambria Math" charset="0"/>
+                                            </a:rPr>
+                                            <m:t>0</m:t>
+                                          </m:r>
+                                        </m:sub>
+                                      </m:sSub>
+                                    </m:sup>
+                                  </m:sSup>
+                                </m:num>
+                                <m:den>
+                                  <m:r>
+                                    <a:rPr lang="en-US" altLang="zh-CN" i="1">
+                                      <a:latin typeface="Cambria Math" charset="0"/>
+                                    </a:rPr>
+                                    <m:t>1+</m:t>
+                                  </m:r>
+                                  <m:sSup>
+                                    <m:sSupPr>
+                                      <m:ctrlPr>
+                                        <a:rPr lang="mr-IN" altLang="zh-CN" i="1" dirty="0">
+                                          <a:latin typeface="Cambria Math" charset="0"/>
+                                          <a:ea typeface="Cambria Math" charset="0"/>
+                                          <a:cs typeface="Cambria Math" charset="0"/>
+                                        </a:rPr>
+                                      </m:ctrlPr>
+                                    </m:sSupPr>
+                                    <m:e>
+                                      <m:r>
+                                        <a:rPr lang="mr-IN" altLang="zh-CN" i="1" dirty="0">
+                                          <a:latin typeface="Cambria Math" charset="0"/>
+                                          <a:ea typeface="Cambria Math" charset="0"/>
+                                          <a:cs typeface="Cambria Math" charset="0"/>
+                                        </a:rPr>
+                                        <m:t>𝑒</m:t>
+                                      </m:r>
+                                    </m:e>
+                                    <m:sup>
+                                      <m:sSup>
+                                        <m:sSupPr>
+                                          <m:ctrlPr>
+                                            <a:rPr lang="en-US" altLang="zh-CN" i="1" dirty="0">
+                                              <a:latin typeface="Cambria Math" charset="0"/>
+                                              <a:ea typeface="Cambria Math" charset="0"/>
+                                              <a:cs typeface="Cambria Math" charset="0"/>
+                                            </a:rPr>
+                                          </m:ctrlPr>
+                                        </m:sSupPr>
+                                        <m:e>
+                                          <m:r>
+                                            <a:rPr lang="en-US" altLang="zh-CN" i="1" dirty="0">
+                                              <a:latin typeface="Cambria Math" charset="0"/>
+                                              <a:ea typeface="Cambria Math" charset="0"/>
+                                              <a:cs typeface="Cambria Math" charset="0"/>
+                                            </a:rPr>
+                                            <m:t>𝜔</m:t>
+                                          </m:r>
+                                        </m:e>
+                                        <m:sup>
+                                          <m:r>
+                                            <a:rPr lang="en-US" altLang="zh-CN" i="1" dirty="0">
+                                              <a:latin typeface="Cambria Math" charset="0"/>
+                                              <a:ea typeface="Cambria Math" charset="0"/>
+                                              <a:cs typeface="Cambria Math" charset="0"/>
+                                            </a:rPr>
+                                            <m:t>𝑇</m:t>
+                                          </m:r>
+                                        </m:sup>
+                                      </m:sSup>
+                                      <m:sSub>
+                                        <m:sSubPr>
+                                          <m:ctrlPr>
+                                            <a:rPr lang="en-US" altLang="zh-CN" i="1" dirty="0">
+                                              <a:latin typeface="Cambria Math" charset="0"/>
+                                              <a:ea typeface="Cambria Math" charset="0"/>
+                                              <a:cs typeface="Cambria Math" charset="0"/>
+                                            </a:rPr>
+                                          </m:ctrlPr>
+                                        </m:sSubPr>
+                                        <m:e>
+                                          <m:r>
+                                            <a:rPr lang="en-US" altLang="zh-CN" i="1" dirty="0">
+                                              <a:latin typeface="Cambria Math" charset="0"/>
+                                              <a:ea typeface="Cambria Math" charset="0"/>
+                                              <a:cs typeface="Cambria Math" charset="0"/>
+                                            </a:rPr>
+                                            <m:t>𝑥</m:t>
+                                          </m:r>
+                                        </m:e>
+                                        <m:sub>
+                                          <m:r>
+                                            <a:rPr lang="en-US" altLang="zh-CN" i="1" dirty="0">
+                                              <a:latin typeface="Cambria Math" charset="0"/>
+                                              <a:ea typeface="Cambria Math" charset="0"/>
+                                              <a:cs typeface="Cambria Math" charset="0"/>
+                                            </a:rPr>
+                                            <m:t>𝑖</m:t>
+                                          </m:r>
+                                        </m:sub>
+                                      </m:sSub>
+                                      <m:r>
+                                        <a:rPr lang="en-US" altLang="zh-CN" i="1" dirty="0">
+                                          <a:latin typeface="Cambria Math" charset="0"/>
+                                          <a:ea typeface="Cambria Math" charset="0"/>
+                                          <a:cs typeface="Cambria Math" charset="0"/>
+                                        </a:rPr>
+                                        <m:t>+</m:t>
+                                      </m:r>
+                                      <m:sSub>
+                                        <m:sSubPr>
+                                          <m:ctrlPr>
+                                            <a:rPr lang="en-US" altLang="zh-CN" i="1" dirty="0">
+                                              <a:latin typeface="Cambria Math" charset="0"/>
+                                              <a:ea typeface="Cambria Math" charset="0"/>
+                                              <a:cs typeface="Cambria Math" charset="0"/>
+                                            </a:rPr>
+                                          </m:ctrlPr>
+                                        </m:sSubPr>
+                                        <m:e>
+                                          <m:r>
+                                            <a:rPr lang="en-US" altLang="zh-CN" i="1" dirty="0">
+                                              <a:latin typeface="Cambria Math" charset="0"/>
+                                              <a:ea typeface="Cambria Math" charset="0"/>
+                                              <a:cs typeface="Cambria Math" charset="0"/>
+                                            </a:rPr>
+                                            <m:t>𝜔</m:t>
+                                          </m:r>
+                                        </m:e>
+                                        <m:sub>
+                                          <m:r>
+                                            <a:rPr lang="en-US" altLang="zh-CN" i="1" dirty="0">
+                                              <a:latin typeface="Cambria Math" charset="0"/>
+                                              <a:ea typeface="Cambria Math" charset="0"/>
+                                              <a:cs typeface="Cambria Math" charset="0"/>
+                                            </a:rPr>
+                                            <m:t>0</m:t>
+                                          </m:r>
+                                        </m:sub>
+                                      </m:sSub>
+                                    </m:sup>
+                                  </m:sSup>
+                                </m:den>
+                              </m:f>
+                            </m:e>
+                          </m:d>
+                          <m:sSub>
+                            <m:sSubPr>
+                              <m:ctrlPr>
+                                <a:rPr lang="en-US" altLang="zh-CN" i="1" dirty="0" smtClean="0">
+                                  <a:latin typeface="Cambria Math" charset="0"/>
+                                  <a:ea typeface="Cambria Math" charset="0"/>
+                                  <a:cs typeface="Cambria Math" charset="0"/>
+                                </a:rPr>
+                              </m:ctrlPr>
+                            </m:sSubPr>
+                            <m:e>
+                              <m:r>
+                                <a:rPr lang="en-US" altLang="zh-CN" b="0" i="1" dirty="0" smtClean="0">
+                                  <a:latin typeface="Cambria Math" charset="0"/>
+                                  <a:ea typeface="Cambria Math" charset="0"/>
+                                  <a:cs typeface="Cambria Math" charset="0"/>
+                                </a:rPr>
+                                <m:t>𝑥</m:t>
+                              </m:r>
+                            </m:e>
+                            <m:sub>
+                              <m:r>
+                                <a:rPr lang="en-US" altLang="zh-CN" b="0" i="1" dirty="0" smtClean="0">
+                                  <a:latin typeface="Cambria Math" charset="0"/>
+                                  <a:ea typeface="Cambria Math" charset="0"/>
+                                  <a:cs typeface="Cambria Math" charset="0"/>
+                                </a:rPr>
+                                <m:t>𝑖</m:t>
+                              </m:r>
+                            </m:sub>
+                          </m:sSub>
+                        </m:e>
+                      </m:nary>
+                    </m:oMath>
+                  </m:oMathPara>
+                </a14:m>
+                <a:endParaRPr lang="en-US" altLang="zh-CN" dirty="0" smtClean="0"/>
+              </a:p>
+              <a:p>
+                <a:pPr marL="0" indent="0">
+                  <a:buNone/>
+                </a:pPr>
+                <a:endParaRPr lang="en-US" dirty="0" smtClean="0"/>
+              </a:p>
+              <a:p>
+                <a:pPr marL="0" indent="0">
+                  <a:buNone/>
+                </a:pPr>
+                <a:r>
+                  <a:rPr lang="zh-CN" altLang="en-US" dirty="0" smtClean="0"/>
+                  <a:t>上面两个式子并非</a:t>
+                </a:r>
+                <a14:m>
+                  <m:oMath xmlns:m="http://schemas.openxmlformats.org/officeDocument/2006/math">
+                    <m:r>
+                      <a:rPr lang="en-US" altLang="zh-CN" i="1" dirty="0">
+                        <a:latin typeface="Cambria Math" charset="0"/>
+                        <a:ea typeface="Cambria Math" charset="0"/>
+                        <a:cs typeface="Cambria Math" charset="0"/>
+                      </a:rPr>
+                      <m:t>𝜔</m:t>
+                    </m:r>
+                  </m:oMath>
+                </a14:m>
+                <a:r>
+                  <a:rPr lang="zh-CN" altLang="en-US" dirty="0"/>
+                  <a:t>和</a:t>
+                </a:r>
+                <a14:m>
+                  <m:oMath xmlns:m="http://schemas.openxmlformats.org/officeDocument/2006/math">
+                    <m:sSub>
+                      <m:sSubPr>
+                        <m:ctrlPr>
+                          <a:rPr lang="en-US" altLang="zh-CN" i="1" dirty="0">
+                            <a:latin typeface="Cambria Math" charset="0"/>
+                            <a:ea typeface="Cambria Math" charset="0"/>
+                            <a:cs typeface="Cambria Math" charset="0"/>
+                          </a:rPr>
+                        </m:ctrlPr>
+                      </m:sSubPr>
+                      <m:e>
+                        <m:r>
+                          <a:rPr lang="en-US" altLang="zh-CN" i="1" dirty="0">
+                            <a:latin typeface="Cambria Math" charset="0"/>
+                            <a:ea typeface="Cambria Math" charset="0"/>
+                            <a:cs typeface="Cambria Math" charset="0"/>
+                          </a:rPr>
+                          <m:t>𝜔</m:t>
+                        </m:r>
+                      </m:e>
+                      <m:sub>
+                        <m:r>
+                          <a:rPr lang="en-US" altLang="zh-CN" i="1" dirty="0">
+                            <a:latin typeface="Cambria Math" charset="0"/>
+                            <a:ea typeface="Cambria Math" charset="0"/>
+                            <a:cs typeface="Cambria Math" charset="0"/>
+                          </a:rPr>
+                          <m:t>0</m:t>
+                        </m:r>
+                      </m:sub>
+                    </m:sSub>
+                  </m:oMath>
+                </a14:m>
+                <a:r>
+                  <a:rPr lang="zh-CN" altLang="en-US" dirty="0" smtClean="0"/>
+                  <a:t>的线性函数，所以直接求解非常困难。</a:t>
+                </a:r>
+                <a:endParaRPr lang="en-US" dirty="0"/>
+              </a:p>
+              <a:p>
+                <a:pPr marL="0" indent="0">
+                  <a:buNone/>
+                </a:pPr>
+                <a:endParaRPr lang="en-US" dirty="0"/>
+              </a:p>
+            </p:txBody>
+          </p:sp>
+        </mc:Choice>
+        <mc:Fallback>
+          <p:sp>
+            <p:nvSpPr>
+              <p:cNvPr id="3" name="Content Placeholder 2"/>
+              <p:cNvSpPr>
+                <a:spLocks noGrp="1" noRot="1" noChangeAspect="1" noMove="1" noResize="1" noEditPoints="1" noAdjustHandles="1" noChangeArrowheads="1" noChangeShapeType="1" noTextEdit="1"/>
+              </p:cNvSpPr>
+              <p:nvPr>
+                <p:ph idx="1"/>
+              </p:nvPr>
+            </p:nvSpPr>
+            <p:spPr>
+              <a:blipFill rotWithShape="0">
+                <a:blip r:embed="rId2"/>
+                <a:stretch>
+                  <a:fillRect l="-1043" t="-2101" b="-3221"/>
+                </a:stretch>
+              </a:blipFill>
+            </p:spPr>
+            <p:txBody>
+              <a:bodyPr/>
+              <a:lstStyle/>
+              <a:p>
+                <a:r>
+                  <a:rPr lang="en-US">
+                    <a:noFill/>
+                  </a:rPr>
+                  <a:t> </a:t>
+                </a:r>
+              </a:p>
+            </p:txBody>
+          </p:sp>
+        </mc:Fallback>
+      </mc:AlternateContent>
+    </p:spTree>
+    <p:extLst>
+      <p:ext uri="{BB962C8B-B14F-4D97-AF65-F5344CB8AC3E}">
+        <p14:creationId xmlns:p14="http://schemas.microsoft.com/office/powerpoint/2010/main" val="215874387"/>
+      </p:ext>
+    </p:extLst>
+  </p:cSld>
+  <p:clrMapOvr>
+    <a:masterClrMapping/>
+  </p:clrMapOvr>
+</p:sld>
+</file>
+
+<file path=ppt/slides/slide18.xml><?xml version="1.0" encoding="utf-8"?>
+<p:sld xmlns:a="http://schemas.openxmlformats.org/drawingml/2006/main" xmlns:r="http://schemas.openxmlformats.org/officeDocument/2006/relationships" xmlns:p="http://schemas.openxmlformats.org/presentationml/2006/main">
+  <p:cSld>
+    <p:spTree>
+      <p:nvGrpSpPr>
+        <p:cNvPr id="1" name=""/>
+        <p:cNvGrpSpPr/>
+        <p:nvPr/>
+      </p:nvGrpSpPr>
+      <p:grpSpPr>
+        <a:xfrm>
+          <a:off x="0" y="0"/>
+          <a:ext cx="0" cy="0"/>
+          <a:chOff x="0" y="0"/>
+          <a:chExt cx="0" cy="0"/>
+        </a:xfrm>
+      </p:grpSpPr>
+      <p:sp>
+        <p:nvSpPr>
+          <p:cNvPr id="2" name="Title 1"/>
+          <p:cNvSpPr>
+            <a:spLocks noGrp="1"/>
+          </p:cNvSpPr>
+          <p:nvPr>
+            <p:ph type="title"/>
+          </p:nvPr>
+        </p:nvSpPr>
+        <p:spPr/>
+        <p:txBody>
+          <a:bodyPr/>
+          <a:lstStyle/>
+          <a:p>
+            <a:r>
+              <a:rPr lang="zh-CN" altLang="en-US" dirty="0" smtClean="0"/>
+              <a:t>梯度上升算法</a:t>
+            </a:r>
+            <a:endParaRPr lang="en-US" dirty="0"/>
+          </a:p>
+        </p:txBody>
+      </p:sp>
+      <mc:AlternateContent xmlns:mc="http://schemas.openxmlformats.org/markup-compatibility/2006">
+        <mc:Choice xmlns:a14="http://schemas.microsoft.com/office/drawing/2010/main" Requires="a14">
+          <p:sp>
+            <p:nvSpPr>
+              <p:cNvPr id="3" name="Content Placeholder 2"/>
+              <p:cNvSpPr>
+                <a:spLocks noGrp="1"/>
+              </p:cNvSpPr>
+              <p:nvPr>
+                <p:ph idx="1"/>
+              </p:nvPr>
+            </p:nvSpPr>
+            <p:spPr/>
+            <p:txBody>
+              <a:bodyPr>
+                <a:normAutofit fontScale="55000" lnSpcReduction="20000"/>
+              </a:bodyPr>
+              <a:lstStyle/>
+              <a:p>
+                <a:pPr marL="0" indent="0">
+                  <a:lnSpc>
+                    <a:spcPct val="120000"/>
+                  </a:lnSpc>
+                  <a:buNone/>
+                </a:pPr>
+                <a:r>
+                  <a:rPr lang="zh-CN" altLang="en-US" dirty="0" smtClean="0"/>
+                  <a:t>对于多个参数的非线性函数，我们可以使用梯度上升算法来求其最大值。其基本思想是：要找某函数的最大值，最好的方法是沿着该函数的梯度方向探查，即沿着梯度的方向移动，每移动一次称之为一次迭代。梯度记为</a:t>
+                </a:r>
+                <a14:m>
+                  <m:oMath xmlns:m="http://schemas.openxmlformats.org/officeDocument/2006/math">
+                    <m:r>
+                      <a:rPr lang="en-US" altLang="zh-CN" i="1" dirty="0">
+                        <a:latin typeface="Cambria Math" charset="0"/>
+                        <a:ea typeface="Cambria Math" charset="0"/>
+                        <a:cs typeface="Cambria Math" charset="0"/>
+                      </a:rPr>
+                      <m:t>𝛻</m:t>
+                    </m:r>
+                    <m:r>
+                      <a:rPr lang="zh-CN" altLang="en-US" b="0" i="0" dirty="0" smtClean="0">
+                        <a:latin typeface="Cambria Math" charset="0"/>
+                        <a:ea typeface="Cambria Math" charset="0"/>
+                        <a:cs typeface="Cambria Math" charset="0"/>
+                      </a:rPr>
+                      <m:t>，</m:t>
+                    </m:r>
+                    <m:r>
+                      <a:rPr lang="en-US" altLang="zh-CN" b="0" i="1" dirty="0" smtClean="0">
+                        <a:latin typeface="Cambria Math" charset="0"/>
+                        <a:ea typeface="Cambria Math" charset="0"/>
+                        <a:cs typeface="Cambria Math" charset="0"/>
+                      </a:rPr>
+                      <m:t>𝑓</m:t>
+                    </m:r>
+                    <m:d>
+                      <m:dPr>
+                        <m:ctrlPr>
+                          <a:rPr lang="en-US" altLang="zh-CN" b="0" i="1" dirty="0" smtClean="0">
+                            <a:latin typeface="Cambria Math" charset="0"/>
+                            <a:ea typeface="Cambria Math" charset="0"/>
+                            <a:cs typeface="Cambria Math" charset="0"/>
+                          </a:rPr>
+                        </m:ctrlPr>
+                      </m:dPr>
+                      <m:e>
+                        <m:r>
+                          <a:rPr lang="en-US" altLang="zh-CN" i="1" dirty="0">
+                            <a:latin typeface="Cambria Math" charset="0"/>
+                            <a:ea typeface="Cambria Math" charset="0"/>
+                            <a:cs typeface="Cambria Math" charset="0"/>
+                          </a:rPr>
+                          <m:t>𝜔</m:t>
+                        </m:r>
+                        <m:r>
+                          <a:rPr lang="en-US" altLang="zh-CN" b="0" i="0" dirty="0" smtClean="0">
+                            <a:latin typeface="Cambria Math" charset="0"/>
+                            <a:ea typeface="Cambria Math" charset="0"/>
+                            <a:cs typeface="Cambria Math" charset="0"/>
+                          </a:rPr>
+                          <m:t>,</m:t>
+                        </m:r>
+                        <m:sSub>
+                          <m:sSubPr>
+                            <m:ctrlPr>
+                              <a:rPr lang="en-US" altLang="zh-CN" i="1" dirty="0" smtClean="0">
+                                <a:latin typeface="Cambria Math" charset="0"/>
+                                <a:ea typeface="Cambria Math" charset="0"/>
+                                <a:cs typeface="Cambria Math" charset="0"/>
+                              </a:rPr>
+                            </m:ctrlPr>
+                          </m:sSubPr>
+                          <m:e>
+                            <m:r>
+                              <a:rPr lang="en-US" altLang="zh-CN" i="1" dirty="0">
+                                <a:latin typeface="Cambria Math" charset="0"/>
+                                <a:ea typeface="Cambria Math" charset="0"/>
+                                <a:cs typeface="Cambria Math" charset="0"/>
+                              </a:rPr>
+                              <m:t>𝜔</m:t>
+                            </m:r>
+                          </m:e>
+                          <m:sub>
+                            <m:r>
+                              <a:rPr lang="en-US" altLang="zh-CN" i="1" dirty="0">
+                                <a:latin typeface="Cambria Math" charset="0"/>
+                                <a:ea typeface="Cambria Math" charset="0"/>
+                                <a:cs typeface="Cambria Math" charset="0"/>
+                              </a:rPr>
+                              <m:t>0</m:t>
+                            </m:r>
+                          </m:sub>
+                        </m:sSub>
+                      </m:e>
+                    </m:d>
+                    <m:r>
+                      <a:rPr lang="zh-CN" altLang="en-US" b="0" i="1" dirty="0" smtClean="0">
+                        <a:latin typeface="Cambria Math" charset="0"/>
+                        <a:ea typeface="Cambria Math" charset="0"/>
+                        <a:cs typeface="Cambria Math" charset="0"/>
+                      </a:rPr>
+                      <m:t>的</m:t>
+                    </m:r>
+                    <m:r>
+                      <a:rPr lang="zh-CN" altLang="en-US" i="1" dirty="0" smtClean="0">
+                        <a:latin typeface="Cambria Math" charset="0"/>
+                        <a:ea typeface="Cambria Math" charset="0"/>
+                        <a:cs typeface="Cambria Math" charset="0"/>
+                      </a:rPr>
+                      <m:t>梯度</m:t>
+                    </m:r>
+                  </m:oMath>
+                </a14:m>
+                <a:r>
+                  <a:rPr lang="zh-CN" altLang="en-US" dirty="0" smtClean="0"/>
+                  <a:t>为：</a:t>
+                </a:r>
+                <a:endParaRPr lang="en-US" altLang="zh-CN" dirty="0" smtClean="0"/>
+              </a:p>
+              <a:p>
+                <a:pPr marL="0" indent="0">
+                  <a:lnSpc>
+                    <a:spcPct val="120000"/>
+                  </a:lnSpc>
+                  <a:buNone/>
+                </a:pPr>
+                <a:endParaRPr lang="en-US" altLang="zh-CN" dirty="0" smtClean="0"/>
+              </a:p>
+              <a:p>
+                <a:pPr marL="0" indent="0">
+                  <a:lnSpc>
+                    <a:spcPct val="120000"/>
+                  </a:lnSpc>
+                  <a:buNone/>
+                </a:pPr>
+                <a14:m>
+                  <m:oMathPara xmlns:m="http://schemas.openxmlformats.org/officeDocument/2006/math">
+                    <m:oMathParaPr>
+                      <m:jc m:val="centerGroup"/>
+                    </m:oMathParaPr>
+                    <m:oMath xmlns:m="http://schemas.openxmlformats.org/officeDocument/2006/math">
+                      <m:r>
+                        <a:rPr lang="en-US" altLang="zh-CN" i="1" dirty="0">
+                          <a:latin typeface="Cambria Math" charset="0"/>
+                          <a:ea typeface="Cambria Math" charset="0"/>
+                          <a:cs typeface="Cambria Math" charset="0"/>
+                        </a:rPr>
+                        <m:t>𝛻</m:t>
+                      </m:r>
+                      <m:r>
+                        <a:rPr lang="en-US" altLang="zh-CN" i="1" dirty="0">
+                          <a:latin typeface="Cambria Math" charset="0"/>
+                          <a:ea typeface="Cambria Math" charset="0"/>
+                          <a:cs typeface="Cambria Math" charset="0"/>
+                        </a:rPr>
+                        <m:t>𝑓</m:t>
+                      </m:r>
+                      <m:d>
+                        <m:dPr>
+                          <m:ctrlPr>
+                            <a:rPr lang="en-US" altLang="zh-CN" i="1" dirty="0">
+                              <a:latin typeface="Cambria Math" charset="0"/>
+                              <a:ea typeface="Cambria Math" charset="0"/>
+                              <a:cs typeface="Cambria Math" charset="0"/>
+                            </a:rPr>
+                          </m:ctrlPr>
+                        </m:dPr>
+                        <m:e>
+                          <m:r>
+                            <a:rPr lang="en-US" altLang="zh-CN" i="1" dirty="0">
+                              <a:latin typeface="Cambria Math" charset="0"/>
+                              <a:ea typeface="Cambria Math" charset="0"/>
+                              <a:cs typeface="Cambria Math" charset="0"/>
+                            </a:rPr>
+                            <m:t>𝜔</m:t>
+                          </m:r>
+                          <m:r>
+                            <a:rPr lang="en-US" altLang="zh-CN" dirty="0">
+                              <a:latin typeface="Cambria Math" charset="0"/>
+                              <a:ea typeface="Cambria Math" charset="0"/>
+                              <a:cs typeface="Cambria Math" charset="0"/>
+                            </a:rPr>
+                            <m:t>,</m:t>
+                          </m:r>
+                          <m:sSub>
+                            <m:sSubPr>
+                              <m:ctrlPr>
+                                <a:rPr lang="en-US" altLang="zh-CN" i="1" dirty="0">
+                                  <a:latin typeface="Cambria Math" charset="0"/>
+                                  <a:ea typeface="Cambria Math" charset="0"/>
+                                  <a:cs typeface="Cambria Math" charset="0"/>
+                                </a:rPr>
+                              </m:ctrlPr>
+                            </m:sSubPr>
+                            <m:e>
+                              <m:r>
+                                <a:rPr lang="en-US" altLang="zh-CN" i="1" dirty="0">
+                                  <a:latin typeface="Cambria Math" charset="0"/>
+                                  <a:ea typeface="Cambria Math" charset="0"/>
+                                  <a:cs typeface="Cambria Math" charset="0"/>
+                                </a:rPr>
+                                <m:t>𝜔</m:t>
+                              </m:r>
+                            </m:e>
+                            <m:sub>
+                              <m:r>
+                                <a:rPr lang="en-US" altLang="zh-CN" i="1" dirty="0">
+                                  <a:latin typeface="Cambria Math" charset="0"/>
+                                  <a:ea typeface="Cambria Math" charset="0"/>
+                                  <a:cs typeface="Cambria Math" charset="0"/>
+                                </a:rPr>
+                                <m:t>0</m:t>
+                              </m:r>
+                            </m:sub>
+                          </m:sSub>
+                        </m:e>
+                      </m:d>
+                      <m:r>
+                        <a:rPr lang="en-US" altLang="zh-CN" b="0" i="1" dirty="0" smtClean="0">
+                          <a:latin typeface="Cambria Math" charset="0"/>
+                          <a:ea typeface="Cambria Math" charset="0"/>
+                          <a:cs typeface="Cambria Math" charset="0"/>
+                        </a:rPr>
+                        <m:t>=</m:t>
+                      </m:r>
+                      <m:d>
+                        <m:dPr>
+                          <m:ctrlPr>
+                            <a:rPr lang="mr-IN" altLang="zh-CN" b="0" i="1" dirty="0" smtClean="0">
+                              <a:latin typeface="Cambria Math" charset="0"/>
+                              <a:ea typeface="Cambria Math" charset="0"/>
+                              <a:cs typeface="Cambria Math" charset="0"/>
+                            </a:rPr>
+                          </m:ctrlPr>
+                        </m:dPr>
+                        <m:e>
+                          <m:f>
+                            <m:fPr>
+                              <m:type m:val="noBar"/>
+                              <m:ctrlPr>
+                                <a:rPr lang="mr-IN" altLang="zh-CN" b="0" i="1" dirty="0" smtClean="0">
+                                  <a:latin typeface="Cambria Math" charset="0"/>
+                                  <a:ea typeface="Cambria Math" charset="0"/>
+                                  <a:cs typeface="Cambria Math" charset="0"/>
+                                </a:rPr>
+                              </m:ctrlPr>
+                            </m:fPr>
+                            <m:num>
+                              <m:f>
+                                <m:fPr>
+                                  <m:ctrlPr>
+                                    <a:rPr lang="mr-IN" altLang="zh-CN" i="1">
+                                      <a:latin typeface="Cambria Math" charset="0"/>
+                                    </a:rPr>
+                                  </m:ctrlPr>
+                                </m:fPr>
+                                <m:num>
+                                  <m:r>
+                                    <a:rPr lang="mr-IN" altLang="zh-CN" i="1">
+                                      <a:latin typeface="Cambria Math" charset="0"/>
+                                      <a:ea typeface="Cambria Math" charset="0"/>
+                                      <a:cs typeface="Cambria Math" charset="0"/>
+                                    </a:rPr>
+                                    <m:t>𝜕</m:t>
+                                  </m:r>
+                                  <m:r>
+                                    <a:rPr lang="en-US" altLang="zh-CN" i="1" dirty="0">
+                                      <a:latin typeface="Cambria Math" charset="0"/>
+                                      <a:ea typeface="Cambria Math" charset="0"/>
+                                      <a:cs typeface="Cambria Math" charset="0"/>
+                                    </a:rPr>
+                                    <m:t>𝑓</m:t>
+                                  </m:r>
+                                  <m:d>
+                                    <m:dPr>
+                                      <m:ctrlPr>
+                                        <a:rPr lang="en-US" altLang="zh-CN" i="1" dirty="0">
+                                          <a:latin typeface="Cambria Math" charset="0"/>
+                                          <a:ea typeface="Cambria Math" charset="0"/>
+                                          <a:cs typeface="Cambria Math" charset="0"/>
+                                        </a:rPr>
+                                      </m:ctrlPr>
+                                    </m:dPr>
+                                    <m:e>
+                                      <m:r>
+                                        <a:rPr lang="en-US" altLang="zh-CN" i="1" dirty="0">
+                                          <a:latin typeface="Cambria Math" charset="0"/>
+                                          <a:ea typeface="Cambria Math" charset="0"/>
+                                          <a:cs typeface="Cambria Math" charset="0"/>
+                                        </a:rPr>
+                                        <m:t>𝜔</m:t>
+                                      </m:r>
+                                      <m:r>
+                                        <a:rPr lang="en-US" altLang="zh-CN" dirty="0">
+                                          <a:latin typeface="Cambria Math" charset="0"/>
+                                          <a:ea typeface="Cambria Math" charset="0"/>
+                                          <a:cs typeface="Cambria Math" charset="0"/>
+                                        </a:rPr>
+                                        <m:t>,</m:t>
+                                      </m:r>
+                                      <m:sSub>
+                                        <m:sSubPr>
+                                          <m:ctrlPr>
+                                            <a:rPr lang="en-US" altLang="zh-CN" i="1" dirty="0">
+                                              <a:latin typeface="Cambria Math" charset="0"/>
+                                              <a:ea typeface="Cambria Math" charset="0"/>
+                                              <a:cs typeface="Cambria Math" charset="0"/>
+                                            </a:rPr>
+                                          </m:ctrlPr>
+                                        </m:sSubPr>
+                                        <m:e>
+                                          <m:r>
+                                            <a:rPr lang="en-US" altLang="zh-CN" i="1" dirty="0">
+                                              <a:latin typeface="Cambria Math" charset="0"/>
+                                              <a:ea typeface="Cambria Math" charset="0"/>
+                                              <a:cs typeface="Cambria Math" charset="0"/>
+                                            </a:rPr>
+                                            <m:t>𝜔</m:t>
+                                          </m:r>
+                                        </m:e>
+                                        <m:sub>
+                                          <m:r>
+                                            <a:rPr lang="en-US" altLang="zh-CN" i="1" dirty="0">
+                                              <a:latin typeface="Cambria Math" charset="0"/>
+                                              <a:ea typeface="Cambria Math" charset="0"/>
+                                              <a:cs typeface="Cambria Math" charset="0"/>
+                                            </a:rPr>
+                                            <m:t>0</m:t>
+                                          </m:r>
+                                        </m:sub>
+                                      </m:sSub>
+                                    </m:e>
+                                  </m:d>
+                                </m:num>
+                                <m:den>
+                                  <m:r>
+                                    <a:rPr lang="mr-IN" altLang="zh-CN" i="1">
+                                      <a:latin typeface="Cambria Math" charset="0"/>
+                                      <a:ea typeface="Cambria Math" charset="0"/>
+                                      <a:cs typeface="Cambria Math" charset="0"/>
+                                    </a:rPr>
+                                    <m:t>𝜕</m:t>
+                                  </m:r>
+                                  <m:sSub>
+                                    <m:sSubPr>
+                                      <m:ctrlPr>
+                                        <a:rPr lang="en-US" altLang="zh-CN" i="1" dirty="0">
+                                          <a:latin typeface="Cambria Math" charset="0"/>
+                                          <a:ea typeface="Cambria Math" charset="0"/>
+                                          <a:cs typeface="Cambria Math" charset="0"/>
+                                        </a:rPr>
+                                      </m:ctrlPr>
+                                    </m:sSubPr>
+                                    <m:e>
+                                      <m:r>
+                                        <a:rPr lang="en-US" altLang="zh-CN" i="1" dirty="0">
+                                          <a:latin typeface="Cambria Math" charset="0"/>
+                                          <a:ea typeface="Cambria Math" charset="0"/>
+                                          <a:cs typeface="Cambria Math" charset="0"/>
+                                        </a:rPr>
+                                        <m:t>𝜔</m:t>
+                                      </m:r>
+                                    </m:e>
+                                    <m:sub>
+                                      <m:r>
+                                        <a:rPr lang="en-US" altLang="zh-CN" i="1" dirty="0">
+                                          <a:latin typeface="Cambria Math" charset="0"/>
+                                          <a:ea typeface="Cambria Math" charset="0"/>
+                                          <a:cs typeface="Cambria Math" charset="0"/>
+                                        </a:rPr>
+                                        <m:t>0</m:t>
+                                      </m:r>
+                                    </m:sub>
+                                  </m:sSub>
+                                </m:den>
+                              </m:f>
+                            </m:num>
+                            <m:den>
+                              <m:f>
+                                <m:fPr>
+                                  <m:ctrlPr>
+                                    <a:rPr lang="mr-IN" altLang="zh-CN" i="1">
+                                      <a:latin typeface="Cambria Math" charset="0"/>
+                                    </a:rPr>
+                                  </m:ctrlPr>
+                                </m:fPr>
+                                <m:num>
+                                  <m:r>
+                                    <a:rPr lang="mr-IN" altLang="zh-CN" i="1">
+                                      <a:latin typeface="Cambria Math" charset="0"/>
+                                      <a:ea typeface="Cambria Math" charset="0"/>
+                                      <a:cs typeface="Cambria Math" charset="0"/>
+                                    </a:rPr>
+                                    <m:t>𝜕</m:t>
+                                  </m:r>
+                                  <m:r>
+                                    <a:rPr lang="en-US" altLang="zh-CN" i="1" dirty="0">
+                                      <a:latin typeface="Cambria Math" charset="0"/>
+                                      <a:ea typeface="Cambria Math" charset="0"/>
+                                      <a:cs typeface="Cambria Math" charset="0"/>
+                                    </a:rPr>
+                                    <m:t>𝑓</m:t>
+                                  </m:r>
+                                  <m:d>
+                                    <m:dPr>
+                                      <m:ctrlPr>
+                                        <a:rPr lang="en-US" altLang="zh-CN" i="1" dirty="0">
+                                          <a:latin typeface="Cambria Math" charset="0"/>
+                                          <a:ea typeface="Cambria Math" charset="0"/>
+                                          <a:cs typeface="Cambria Math" charset="0"/>
+                                        </a:rPr>
+                                      </m:ctrlPr>
+                                    </m:dPr>
+                                    <m:e>
+                                      <m:r>
+                                        <a:rPr lang="en-US" altLang="zh-CN" i="1" dirty="0">
+                                          <a:latin typeface="Cambria Math" charset="0"/>
+                                          <a:ea typeface="Cambria Math" charset="0"/>
+                                          <a:cs typeface="Cambria Math" charset="0"/>
+                                        </a:rPr>
+                                        <m:t>𝜔</m:t>
+                                      </m:r>
+                                      <m:r>
+                                        <a:rPr lang="en-US" altLang="zh-CN" dirty="0">
+                                          <a:latin typeface="Cambria Math" charset="0"/>
+                                          <a:ea typeface="Cambria Math" charset="0"/>
+                                          <a:cs typeface="Cambria Math" charset="0"/>
+                                        </a:rPr>
+                                        <m:t>,</m:t>
+                                      </m:r>
+                                      <m:sSub>
+                                        <m:sSubPr>
+                                          <m:ctrlPr>
+                                            <a:rPr lang="en-US" altLang="zh-CN" i="1" dirty="0">
+                                              <a:latin typeface="Cambria Math" charset="0"/>
+                                              <a:ea typeface="Cambria Math" charset="0"/>
+                                              <a:cs typeface="Cambria Math" charset="0"/>
+                                            </a:rPr>
+                                          </m:ctrlPr>
+                                        </m:sSubPr>
+                                        <m:e>
+                                          <m:r>
+                                            <a:rPr lang="en-US" altLang="zh-CN" i="1" dirty="0">
+                                              <a:latin typeface="Cambria Math" charset="0"/>
+                                              <a:ea typeface="Cambria Math" charset="0"/>
+                                              <a:cs typeface="Cambria Math" charset="0"/>
+                                            </a:rPr>
+                                            <m:t>𝜔</m:t>
+                                          </m:r>
+                                        </m:e>
+                                        <m:sub>
+                                          <m:r>
+                                            <a:rPr lang="en-US" altLang="zh-CN" i="1" dirty="0">
+                                              <a:latin typeface="Cambria Math" charset="0"/>
+                                              <a:ea typeface="Cambria Math" charset="0"/>
+                                              <a:cs typeface="Cambria Math" charset="0"/>
+                                            </a:rPr>
+                                            <m:t>0</m:t>
+                                          </m:r>
+                                        </m:sub>
+                                      </m:sSub>
+                                    </m:e>
+                                  </m:d>
+                                </m:num>
+                                <m:den>
+                                  <m:r>
+                                    <a:rPr lang="mr-IN" altLang="zh-CN" i="1">
+                                      <a:latin typeface="Cambria Math" charset="0"/>
+                                      <a:ea typeface="Cambria Math" charset="0"/>
+                                      <a:cs typeface="Cambria Math" charset="0"/>
+                                    </a:rPr>
+                                    <m:t>𝜕</m:t>
+                                  </m:r>
+                                  <m:r>
+                                    <a:rPr lang="en-US" altLang="zh-CN" i="1" dirty="0">
+                                      <a:latin typeface="Cambria Math" charset="0"/>
+                                      <a:ea typeface="Cambria Math" charset="0"/>
+                                      <a:cs typeface="Cambria Math" charset="0"/>
+                                    </a:rPr>
+                                    <m:t>𝜔</m:t>
+                                  </m:r>
+                                </m:den>
+                              </m:f>
+                            </m:den>
+                          </m:f>
+                        </m:e>
+                      </m:d>
+                    </m:oMath>
+                  </m:oMathPara>
+                </a14:m>
+                <a:endParaRPr lang="en-US" altLang="zh-CN" dirty="0"/>
+              </a:p>
+              <a:p>
+                <a:pPr marL="0" indent="0">
+                  <a:lnSpc>
+                    <a:spcPct val="120000"/>
+                  </a:lnSpc>
+                  <a:buNone/>
+                </a:pPr>
+                <a:endParaRPr lang="en-US" altLang="zh-CN" dirty="0" smtClean="0"/>
+              </a:p>
+              <a:p>
+                <a:pPr marL="0" indent="0">
+                  <a:lnSpc>
+                    <a:spcPct val="120000"/>
+                  </a:lnSpc>
+                  <a:buNone/>
+                </a:pPr>
+                <a:r>
+                  <a:rPr lang="zh-CN" altLang="en-US" dirty="0" smtClean="0"/>
+                  <a:t>沿梯度方向每次移动的大小称之为步长，记为</a:t>
+                </a:r>
+                <a14:m>
+                  <m:oMath xmlns:m="http://schemas.openxmlformats.org/officeDocument/2006/math">
+                    <m:r>
+                      <a:rPr lang="zh-CN" altLang="en-US" i="1" smtClean="0">
+                        <a:latin typeface="Cambria Math" charset="0"/>
+                        <a:ea typeface="Cambria Math" charset="0"/>
+                        <a:cs typeface="Cambria Math" charset="0"/>
+                      </a:rPr>
+                      <m:t>𝛼</m:t>
+                    </m:r>
+                  </m:oMath>
+                </a14:m>
+                <a:r>
+                  <a:rPr lang="zh-CN" altLang="en-US" dirty="0" smtClean="0"/>
+                  <a:t>。这样梯度上升算法的迭代公式为：</a:t>
+                </a:r>
+                <a:endParaRPr lang="en-US" altLang="zh-CN" dirty="0" smtClean="0"/>
+              </a:p>
+              <a:p>
+                <a:pPr marL="0" indent="0">
+                  <a:lnSpc>
+                    <a:spcPct val="120000"/>
+                  </a:lnSpc>
+                  <a:buNone/>
+                </a:pPr>
+                <a:endParaRPr lang="en-US" dirty="0"/>
+              </a:p>
+              <a:p>
+                <a:pPr marL="0" indent="0">
+                  <a:lnSpc>
+                    <a:spcPct val="120000"/>
+                  </a:lnSpc>
+                  <a:buNone/>
+                </a:pPr>
+                <a14:m>
+                  <m:oMathPara xmlns:m="http://schemas.openxmlformats.org/officeDocument/2006/math">
+                    <m:oMathParaPr>
+                      <m:jc m:val="centerGroup"/>
+                    </m:oMathParaPr>
+                    <m:oMath xmlns:m="http://schemas.openxmlformats.org/officeDocument/2006/math">
+                      <m:r>
+                        <a:rPr lang="en-US" altLang="zh-CN" b="0" i="1" dirty="0" smtClean="0">
+                          <a:latin typeface="Cambria Math" charset="0"/>
+                        </a:rPr>
+                        <m:t>𝑤</m:t>
+                      </m:r>
+                      <m:r>
+                        <a:rPr lang="en-US" altLang="zh-CN" b="0" i="1" dirty="0" smtClean="0">
+                          <a:latin typeface="Cambria Math" charset="0"/>
+                        </a:rPr>
+                        <m:t>≔</m:t>
+                      </m:r>
+                      <m:r>
+                        <a:rPr lang="en-US" altLang="zh-CN" b="0" i="1" dirty="0" smtClean="0">
+                          <a:latin typeface="Cambria Math" charset="0"/>
+                        </a:rPr>
+                        <m:t>𝑤</m:t>
+                      </m:r>
+                      <m:r>
+                        <a:rPr lang="en-US" altLang="zh-CN" b="0" i="1" dirty="0" smtClean="0">
+                          <a:latin typeface="Cambria Math" charset="0"/>
+                        </a:rPr>
+                        <m:t>+</m:t>
+                      </m:r>
+                      <m:r>
+                        <a:rPr lang="en-US" altLang="zh-CN" b="0" i="1" dirty="0" smtClean="0">
+                          <a:latin typeface="Cambria Math" charset="0"/>
+                          <a:ea typeface="Cambria Math" charset="0"/>
+                          <a:cs typeface="Cambria Math" charset="0"/>
+                        </a:rPr>
+                        <m:t>𝛼</m:t>
+                      </m:r>
+                      <m:sSub>
+                        <m:sSubPr>
+                          <m:ctrlPr>
+                            <a:rPr lang="en-US" altLang="zh-CN" b="0" i="1" dirty="0" smtClean="0">
+                              <a:latin typeface="Cambria Math" charset="0"/>
+                              <a:ea typeface="Cambria Math" charset="0"/>
+                              <a:cs typeface="Cambria Math" charset="0"/>
+                            </a:rPr>
+                          </m:ctrlPr>
+                        </m:sSubPr>
+                        <m:e>
+                          <m:r>
+                            <a:rPr lang="en-US" altLang="zh-CN" i="1" dirty="0">
+                              <a:latin typeface="Cambria Math" charset="0"/>
+                              <a:ea typeface="Cambria Math" charset="0"/>
+                              <a:cs typeface="Cambria Math" charset="0"/>
+                            </a:rPr>
+                            <m:t>𝛻</m:t>
+                          </m:r>
+                        </m:e>
+                        <m:sub>
+                          <m:r>
+                            <a:rPr lang="en-US" altLang="zh-CN" b="0" i="1" dirty="0" smtClean="0">
+                              <a:latin typeface="Cambria Math" charset="0"/>
+                              <a:ea typeface="Cambria Math" charset="0"/>
+                              <a:cs typeface="Cambria Math" charset="0"/>
+                            </a:rPr>
+                            <m:t>𝑤</m:t>
+                          </m:r>
+                        </m:sub>
+                      </m:sSub>
+                      <m:r>
+                        <a:rPr lang="en-US" altLang="zh-CN" b="0" i="1" dirty="0" smtClean="0">
+                          <a:latin typeface="Cambria Math" charset="0"/>
+                          <a:ea typeface="Cambria Math" charset="0"/>
+                          <a:cs typeface="Cambria Math" charset="0"/>
+                        </a:rPr>
+                        <m:t>𝑓</m:t>
+                      </m:r>
+                      <m:r>
+                        <a:rPr lang="en-US" altLang="zh-CN" b="0" i="1" dirty="0" smtClean="0">
+                          <a:latin typeface="Cambria Math" charset="0"/>
+                          <a:ea typeface="Cambria Math" charset="0"/>
+                          <a:cs typeface="Cambria Math" charset="0"/>
+                        </a:rPr>
+                        <m:t>(</m:t>
+                      </m:r>
+                      <m:r>
+                        <a:rPr lang="en-US" altLang="zh-CN" b="0" i="1" dirty="0" smtClean="0">
+                          <a:latin typeface="Cambria Math" charset="0"/>
+                          <a:ea typeface="Cambria Math" charset="0"/>
+                          <a:cs typeface="Cambria Math" charset="0"/>
+                        </a:rPr>
+                        <m:t>𝑤</m:t>
+                      </m:r>
+                      <m:r>
+                        <a:rPr lang="en-US" altLang="zh-CN" b="0" i="1" dirty="0" smtClean="0">
+                          <a:latin typeface="Cambria Math" charset="0"/>
+                          <a:ea typeface="Cambria Math" charset="0"/>
+                          <a:cs typeface="Cambria Math" charset="0"/>
+                        </a:rPr>
+                        <m:t>)</m:t>
+                      </m:r>
+                    </m:oMath>
+                  </m:oMathPara>
+                </a14:m>
+                <a:endParaRPr lang="en-US" dirty="0" smtClean="0"/>
+              </a:p>
+              <a:p>
+                <a:pPr marL="0" indent="0">
+                  <a:lnSpc>
+                    <a:spcPct val="120000"/>
+                  </a:lnSpc>
+                  <a:buNone/>
+                </a:pPr>
+                <a:endParaRPr lang="en-US" dirty="0"/>
+              </a:p>
+              <a:p>
+                <a:pPr marL="0" indent="0">
+                  <a:lnSpc>
+                    <a:spcPct val="120000"/>
+                  </a:lnSpc>
+                  <a:buNone/>
+                </a:pPr>
+                <a:r>
+                  <a:rPr lang="zh-CN" altLang="en-US" dirty="0" smtClean="0"/>
+                  <a:t>我们不停的迭代该公式，直到达到某个停止条件位置迭代次数到达某个指定值。此时的</a:t>
+                </a:r>
+                <a14:m>
+                  <m:oMath xmlns:m="http://schemas.openxmlformats.org/officeDocument/2006/math">
+                    <m:r>
+                      <a:rPr lang="en-US" altLang="zh-CN" i="1" dirty="0">
+                        <a:latin typeface="Cambria Math" charset="0"/>
+                        <a:ea typeface="Cambria Math" charset="0"/>
+                        <a:cs typeface="Cambria Math" charset="0"/>
+                      </a:rPr>
+                      <m:t>𝜔</m:t>
+                    </m:r>
+                  </m:oMath>
+                </a14:m>
+                <a:r>
+                  <a:rPr lang="zh-CN" altLang="en-US" dirty="0"/>
+                  <a:t>和</a:t>
+                </a:r>
+                <a14:m>
+                  <m:oMath xmlns:m="http://schemas.openxmlformats.org/officeDocument/2006/math">
+                    <m:sSub>
+                      <m:sSubPr>
+                        <m:ctrlPr>
+                          <a:rPr lang="en-US" altLang="zh-CN" i="1" dirty="0">
+                            <a:latin typeface="Cambria Math" charset="0"/>
+                            <a:ea typeface="Cambria Math" charset="0"/>
+                            <a:cs typeface="Cambria Math" charset="0"/>
+                          </a:rPr>
+                        </m:ctrlPr>
+                      </m:sSubPr>
+                      <m:e>
+                        <m:r>
+                          <a:rPr lang="en-US" altLang="zh-CN" i="1" dirty="0">
+                            <a:latin typeface="Cambria Math" charset="0"/>
+                            <a:ea typeface="Cambria Math" charset="0"/>
+                            <a:cs typeface="Cambria Math" charset="0"/>
+                          </a:rPr>
+                          <m:t>𝜔</m:t>
+                        </m:r>
+                      </m:e>
+                      <m:sub>
+                        <m:r>
+                          <a:rPr lang="en-US" altLang="zh-CN" i="1" dirty="0">
+                            <a:latin typeface="Cambria Math" charset="0"/>
+                            <a:ea typeface="Cambria Math" charset="0"/>
+                            <a:cs typeface="Cambria Math" charset="0"/>
+                          </a:rPr>
+                          <m:t>0</m:t>
+                        </m:r>
+                      </m:sub>
+                    </m:sSub>
+                  </m:oMath>
+                </a14:m>
+                <a:r>
+                  <a:rPr lang="zh-CN" altLang="en-US" dirty="0" smtClean="0"/>
+                  <a:t>就是我们要求的回归系数和截距。</a:t>
+                </a:r>
+                <a:endParaRPr lang="en-US" dirty="0"/>
+              </a:p>
+            </p:txBody>
+          </p:sp>
+        </mc:Choice>
+        <mc:Fallback>
+          <p:sp>
+            <p:nvSpPr>
+              <p:cNvPr id="3" name="Content Placeholder 2"/>
+              <p:cNvSpPr>
+                <a:spLocks noGrp="1" noRot="1" noChangeAspect="1" noMove="1" noResize="1" noEditPoints="1" noAdjustHandles="1" noChangeArrowheads="1" noChangeShapeType="1" noTextEdit="1"/>
+              </p:cNvSpPr>
+              <p:nvPr>
+                <p:ph idx="1"/>
+              </p:nvPr>
+            </p:nvSpPr>
+            <p:spPr>
+              <a:blipFill rotWithShape="0">
+                <a:blip r:embed="rId2"/>
+                <a:stretch>
+                  <a:fillRect l="-232" t="-280"/>
+                </a:stretch>
+              </a:blipFill>
+            </p:spPr>
+            <p:txBody>
+              <a:bodyPr/>
+              <a:lstStyle/>
+              <a:p>
+                <a:r>
+                  <a:rPr lang="en-US">
+                    <a:noFill/>
+                  </a:rPr>
+                  <a:t> </a:t>
+                </a:r>
+              </a:p>
+            </p:txBody>
+          </p:sp>
+        </mc:Fallback>
+      </mc:AlternateContent>
+    </p:spTree>
+    <p:extLst>
+      <p:ext uri="{BB962C8B-B14F-4D97-AF65-F5344CB8AC3E}">
+        <p14:creationId xmlns:p14="http://schemas.microsoft.com/office/powerpoint/2010/main" val="15501779"/>
+      </p:ext>
+    </p:extLst>
+  </p:cSld>
+  <p:clrMapOvr>
+    <a:masterClrMapping/>
+  </p:clrMapOvr>
+</p:sld>
+</file>
+
+<file path=ppt/slides/slide2.xml><?xml version="1.0" encoding="utf-8"?>
+<p:sld xmlns:a="http://schemas.openxmlformats.org/drawingml/2006/main" xmlns:r="http://schemas.openxmlformats.org/officeDocument/2006/relationships" xmlns:p="http://schemas.openxmlformats.org/presentationml/2006/main">
+  <p:cSld>
+    <p:spTree>
+      <p:nvGrpSpPr>
+        <p:cNvPr id="1" name=""/>
+        <p:cNvGrpSpPr/>
+        <p:nvPr/>
+      </p:nvGrpSpPr>
+      <p:grpSpPr>
+        <a:xfrm>
+          <a:off x="0" y="0"/>
+          <a:ext cx="0" cy="0"/>
+          <a:chOff x="0" y="0"/>
+          <a:chExt cx="0" cy="0"/>
+        </a:xfrm>
+      </p:grpSpPr>
+      <p:sp>
+        <p:nvSpPr>
+          <p:cNvPr id="2" name="Title 1"/>
+          <p:cNvSpPr>
+            <a:spLocks noGrp="1"/>
+          </p:cNvSpPr>
+          <p:nvPr>
+            <p:ph type="title"/>
+          </p:nvPr>
+        </p:nvSpPr>
+        <p:spPr/>
+        <p:txBody>
+          <a:bodyPr/>
+          <a:lstStyle/>
+          <a:p>
+            <a:r>
+              <a:rPr lang="zh-CN" altLang="en-US" dirty="0" smtClean="0"/>
+              <a:t>画函数图像</a:t>
+            </a:r>
+            <a:endParaRPr lang="en-US" dirty="0"/>
+          </a:p>
+        </p:txBody>
+      </p:sp>
+      <mc:AlternateContent xmlns:mc="http://schemas.openxmlformats.org/markup-compatibility/2006" xmlns:a14="http://schemas.microsoft.com/office/drawing/2010/main">
+        <mc:Choice Requires="a14">
+          <p:sp>
+            <p:nvSpPr>
+              <p:cNvPr id="3" name="Content Placeholder 2"/>
+              <p:cNvSpPr>
+                <a:spLocks noGrp="1"/>
+              </p:cNvSpPr>
+              <p:nvPr>
+                <p:ph idx="1"/>
+              </p:nvPr>
+            </p:nvSpPr>
+            <p:spPr/>
+            <p:txBody>
+              <a:bodyPr/>
+              <a:lstStyle/>
+              <a:p>
+                <a:pPr marL="0" indent="0">
+                  <a:buNone/>
+                </a:pPr>
+                <a14:m>
+                  <m:oMathPara xmlns:m="http://schemas.openxmlformats.org/officeDocument/2006/math">
+                    <m:oMathParaPr>
+                      <m:jc m:val="left"/>
+                    </m:oMathParaPr>
+                    <m:oMath xmlns:m="http://schemas.openxmlformats.org/officeDocument/2006/math">
+                      <m:r>
+                        <a:rPr lang="en-US" altLang="zh-CN" b="0" i="1" smtClean="0">
+                          <a:latin typeface="Cambria Math" charset="0"/>
+                        </a:rPr>
+                        <m:t>𝑦</m:t>
+                      </m:r>
+                      <m:d>
+                        <m:dPr>
+                          <m:ctrlPr>
+                            <a:rPr lang="en-US" altLang="zh-CN" b="0" i="1" smtClean="0">
+                              <a:latin typeface="Cambria Math" charset="0"/>
+                            </a:rPr>
+                          </m:ctrlPr>
+                        </m:dPr>
+                        <m:e>
+                          <m:r>
+                            <a:rPr lang="en-US" altLang="zh-CN" b="0" i="1" smtClean="0">
+                              <a:latin typeface="Cambria Math" charset="0"/>
+                            </a:rPr>
+                            <m:t>𝑥</m:t>
+                          </m:r>
+                        </m:e>
+                      </m:d>
+                      <m:r>
+                        <a:rPr lang="en-US" altLang="zh-CN" b="0" i="1" smtClean="0">
+                          <a:latin typeface="Cambria Math" charset="0"/>
+                        </a:rPr>
+                        <m:t>=</m:t>
+                      </m:r>
+                      <m:f>
+                        <m:fPr>
+                          <m:ctrlPr>
+                            <a:rPr lang="mr-IN" altLang="zh-CN" b="0" i="1" smtClean="0">
+                              <a:latin typeface="Cambria Math" charset="0"/>
+                            </a:rPr>
+                          </m:ctrlPr>
+                        </m:fPr>
+                        <m:num>
+                          <m:r>
+                            <a:rPr lang="en-US" altLang="zh-CN" b="0" i="1" smtClean="0">
+                              <a:latin typeface="Cambria Math" charset="0"/>
+                            </a:rPr>
+                            <m:t>1</m:t>
+                          </m:r>
+                        </m:num>
+                        <m:den>
+                          <m:r>
+                            <a:rPr lang="en-US" altLang="zh-CN" b="0" i="1" smtClean="0">
+                              <a:latin typeface="Cambria Math" charset="0"/>
+                            </a:rPr>
+                            <m:t>1+</m:t>
+                          </m:r>
+                          <m:sSup>
+                            <m:sSupPr>
+                              <m:ctrlPr>
+                                <a:rPr lang="mr-IN" altLang="zh-CN" b="0" i="1" smtClean="0">
+                                  <a:latin typeface="Cambria Math" charset="0"/>
+                                </a:rPr>
+                              </m:ctrlPr>
+                            </m:sSupPr>
+                            <m:e>
+                              <m:r>
+                                <a:rPr lang="mr-IN" altLang="zh-CN" b="0" i="1" smtClean="0">
+                                  <a:latin typeface="Cambria Math" charset="0"/>
+                                </a:rPr>
+                                <m:t>𝑒</m:t>
+                              </m:r>
+                            </m:e>
+                            <m:sup>
+                              <m:r>
+                                <a:rPr lang="mr-IN" altLang="zh-CN" b="0" i="1" smtClean="0">
+                                  <a:latin typeface="Cambria Math" charset="0"/>
+                                </a:rPr>
+                                <m:t>−</m:t>
+                              </m:r>
+                              <m:r>
+                                <a:rPr lang="en-US" altLang="zh-CN" b="0" i="1" smtClean="0">
+                                  <a:latin typeface="Cambria Math" charset="0"/>
+                                </a:rPr>
+                                <m:t>𝑥</m:t>
+                              </m:r>
+                            </m:sup>
+                          </m:sSup>
+                        </m:den>
+                      </m:f>
+                    </m:oMath>
+                  </m:oMathPara>
+                </a14:m>
+                <a:endParaRPr lang="en-US" dirty="0" smtClean="0"/>
+              </a:p>
+              <a:p>
+                <a:pPr marL="0" indent="0">
+                  <a:buNone/>
+                </a:pPr>
+                <a:endParaRPr lang="en-US" dirty="0" smtClean="0"/>
+              </a:p>
+              <a:p>
+                <a:pPr marL="0" indent="0">
+                  <a:buNone/>
+                </a:pPr>
+                <a:endParaRPr lang="en-US" dirty="0"/>
+              </a:p>
+              <a:p>
+                <a:r>
+                  <a:rPr lang="en-US" altLang="zh-CN" dirty="0" smtClean="0"/>
+                  <a:t>x</a:t>
+                </a:r>
+                <a:r>
+                  <a:rPr lang="zh-CN" altLang="en-US" dirty="0" smtClean="0"/>
+                  <a:t>取</a:t>
+                </a:r>
+                <a:r>
+                  <a:rPr lang="en-US" altLang="zh-CN" dirty="0" smtClean="0"/>
+                  <a:t>[-5,</a:t>
+                </a:r>
+                <a:r>
+                  <a:rPr lang="zh-CN" altLang="en-US" dirty="0" smtClean="0"/>
+                  <a:t> </a:t>
+                </a:r>
+                <a:r>
+                  <a:rPr lang="en-US" altLang="zh-CN" dirty="0" smtClean="0"/>
+                  <a:t>5]</a:t>
+                </a:r>
+                <a:r>
+                  <a:rPr lang="zh-CN" altLang="en-US" dirty="0" smtClean="0"/>
+                  <a:t>时，</a:t>
+                </a:r>
+                <a:r>
+                  <a:rPr lang="en-US" altLang="zh-CN" dirty="0" smtClean="0"/>
+                  <a:t>y(x)</a:t>
+                </a:r>
+                <a:r>
+                  <a:rPr lang="zh-CN" altLang="en-US" dirty="0" smtClean="0"/>
+                  <a:t>的图像</a:t>
+                </a:r>
+                <a:endParaRPr lang="en-US" altLang="zh-CN" dirty="0" smtClean="0"/>
+              </a:p>
+              <a:p>
+                <a:r>
+                  <a:rPr lang="en-US" altLang="zh-CN" dirty="0"/>
+                  <a:t>x</a:t>
+                </a:r>
+                <a:r>
+                  <a:rPr lang="zh-CN" altLang="en-US" dirty="0"/>
+                  <a:t>取</a:t>
+                </a:r>
+                <a:r>
+                  <a:rPr lang="en-US" altLang="zh-CN" dirty="0" smtClean="0"/>
+                  <a:t>[-100,</a:t>
+                </a:r>
+                <a:r>
+                  <a:rPr lang="zh-CN" altLang="en-US" dirty="0" smtClean="0"/>
+                  <a:t> </a:t>
+                </a:r>
+                <a:r>
+                  <a:rPr lang="en-US" altLang="zh-CN" dirty="0" smtClean="0"/>
+                  <a:t>100]</a:t>
+                </a:r>
+                <a:r>
+                  <a:rPr lang="zh-CN" altLang="en-US" dirty="0"/>
+                  <a:t>时</a:t>
+                </a:r>
+                <a:r>
+                  <a:rPr lang="zh-CN" altLang="en-US" dirty="0" smtClean="0"/>
+                  <a:t>，</a:t>
+                </a:r>
+                <a:r>
+                  <a:rPr lang="en-US" altLang="zh-CN" dirty="0" smtClean="0"/>
+                  <a:t>y(x</a:t>
+                </a:r>
+                <a:r>
+                  <a:rPr lang="en-US" altLang="zh-CN" dirty="0"/>
+                  <a:t>)</a:t>
+                </a:r>
+                <a:r>
+                  <a:rPr lang="zh-CN" altLang="en-US" dirty="0"/>
+                  <a:t>的</a:t>
+                </a:r>
+                <a:r>
+                  <a:rPr lang="zh-CN" altLang="en-US" dirty="0" smtClean="0"/>
+                  <a:t>图像</a:t>
+                </a:r>
+                <a:endParaRPr lang="en-US" altLang="zh-CN" dirty="0"/>
+              </a:p>
+            </p:txBody>
+          </p:sp>
+        </mc:Choice>
+        <mc:Fallback xmlns="">
+          <p:sp>
+            <p:nvSpPr>
+              <p:cNvPr id="3" name="Content Placeholder 2"/>
+              <p:cNvSpPr>
+                <a:spLocks noGrp="1" noRot="1" noChangeAspect="1" noMove="1" noResize="1" noEditPoints="1" noAdjustHandles="1" noChangeArrowheads="1" noChangeShapeType="1" noTextEdit="1"/>
+              </p:cNvSpPr>
+              <p:nvPr>
+                <p:ph idx="1"/>
+              </p:nvPr>
+            </p:nvSpPr>
+            <p:spPr>
+              <a:blipFill rotWithShape="0">
+                <a:blip r:embed="rId2"/>
+                <a:stretch>
+                  <a:fillRect l="-1043"/>
+                </a:stretch>
+              </a:blipFill>
+            </p:spPr>
+            <p:txBody>
+              <a:bodyPr/>
+              <a:lstStyle/>
+              <a:p>
+                <a:r>
+                  <a:rPr lang="en-US">
+                    <a:noFill/>
+                  </a:rPr>
+                  <a:t> </a:t>
+                </a:r>
+              </a:p>
+            </p:txBody>
+          </p:sp>
+        </mc:Fallback>
+      </mc:AlternateContent>
+    </p:spTree>
+    <p:extLst>
+      <p:ext uri="{BB962C8B-B14F-4D97-AF65-F5344CB8AC3E}">
+        <p14:creationId xmlns:p14="http://schemas.microsoft.com/office/powerpoint/2010/main" val="2026276881"/>
+      </p:ext>
+    </p:extLst>
+  </p:cSld>
+  <p:clrMapOvr>
+    <a:masterClrMapping/>
+  </p:clrMapOvr>
+</p:sld>
+</file>
+
+<file path=ppt/slides/slide3.xml><?xml version="1.0" encoding="utf-8"?>
+<p:sld xmlns:a="http://schemas.openxmlformats.org/drawingml/2006/main" xmlns:r="http://schemas.openxmlformats.org/officeDocument/2006/relationships" xmlns:p="http://schemas.openxmlformats.org/presentationml/2006/main">
+  <p:cSld>
+    <p:spTree>
+      <p:nvGrpSpPr>
+        <p:cNvPr id="1" name=""/>
+        <p:cNvGrpSpPr/>
+        <p:nvPr/>
+      </p:nvGrpSpPr>
+      <p:grpSpPr>
+        <a:xfrm>
+          <a:off x="0" y="0"/>
+          <a:ext cx="0" cy="0"/>
+          <a:chOff x="0" y="0"/>
+          <a:chExt cx="0" cy="0"/>
+        </a:xfrm>
+      </p:grpSpPr>
+      <p:sp>
+        <p:nvSpPr>
+          <p:cNvPr id="2" name="Title 1"/>
+          <p:cNvSpPr>
+            <a:spLocks noGrp="1"/>
+          </p:cNvSpPr>
+          <p:nvPr>
+            <p:ph type="title"/>
+          </p:nvPr>
+        </p:nvSpPr>
+        <p:spPr/>
+        <p:txBody>
+          <a:bodyPr/>
+          <a:lstStyle/>
+          <a:p>
+            <a:r>
+              <a:rPr lang="zh-CN" altLang="en-US" dirty="0" smtClean="0"/>
+              <a:t>函数图像</a:t>
+            </a:r>
+            <a:endParaRPr lang="en-US" dirty="0"/>
+          </a:p>
+        </p:txBody>
+      </p:sp>
+      <p:pic>
+        <p:nvPicPr>
+          <p:cNvPr id="6" name="Picture 5"/>
+          <p:cNvPicPr>
+            <a:picLocks noChangeAspect="1"/>
+          </p:cNvPicPr>
+          <p:nvPr/>
+        </p:nvPicPr>
+        <p:blipFill>
+          <a:blip r:embed="rId2"/>
+          <a:stretch>
+            <a:fillRect/>
+          </a:stretch>
+        </p:blipFill>
+        <p:spPr>
+          <a:xfrm>
+            <a:off x="838200" y="2070538"/>
+            <a:ext cx="4762500" cy="3200400"/>
+          </a:xfrm>
+          <a:prstGeom prst="rect">
+            <a:avLst/>
+          </a:prstGeom>
+        </p:spPr>
+      </p:pic>
+      <p:pic>
+        <p:nvPicPr>
+          <p:cNvPr id="7" name="Picture 6"/>
+          <p:cNvPicPr>
+            <a:picLocks noChangeAspect="1"/>
+          </p:cNvPicPr>
+          <p:nvPr/>
+        </p:nvPicPr>
+        <p:blipFill>
+          <a:blip r:embed="rId3"/>
+          <a:stretch>
+            <a:fillRect/>
+          </a:stretch>
+        </p:blipFill>
+        <p:spPr>
+          <a:xfrm>
+            <a:off x="6096000" y="2070538"/>
+            <a:ext cx="4762500" cy="3200400"/>
+          </a:xfrm>
+          <a:prstGeom prst="rect">
+            <a:avLst/>
+          </a:prstGeom>
+        </p:spPr>
+      </p:pic>
+    </p:spTree>
+    <p:extLst>
+      <p:ext uri="{BB962C8B-B14F-4D97-AF65-F5344CB8AC3E}">
+        <p14:creationId xmlns:p14="http://schemas.microsoft.com/office/powerpoint/2010/main" val="89364489"/>
+      </p:ext>
+    </p:extLst>
+  </p:cSld>
+  <p:clrMapOvr>
+    <a:masterClrMapping/>
+  </p:clrMapOvr>
+</p:sld>
+</file>
+
+<file path=ppt/slides/slide4.xml><?xml version="1.0" encoding="utf-8"?>
+<p:sld xmlns:a="http://schemas.openxmlformats.org/drawingml/2006/main" xmlns:r="http://schemas.openxmlformats.org/officeDocument/2006/relationships" xmlns:p="http://schemas.openxmlformats.org/presentationml/2006/main">
+  <p:cSld>
+    <p:spTree>
+      <p:nvGrpSpPr>
+        <p:cNvPr id="1" name=""/>
+        <p:cNvGrpSpPr/>
+        <p:nvPr/>
+      </p:nvGrpSpPr>
+      <p:grpSpPr>
+        <a:xfrm>
+          <a:off x="0" y="0"/>
+          <a:ext cx="0" cy="0"/>
+          <a:chOff x="0" y="0"/>
+          <a:chExt cx="0" cy="0"/>
+        </a:xfrm>
+      </p:grpSpPr>
+      <p:sp>
+        <p:nvSpPr>
+          <p:cNvPr id="2" name="Title 1"/>
+          <p:cNvSpPr>
+            <a:spLocks noGrp="1"/>
+          </p:cNvSpPr>
+          <p:nvPr>
+            <p:ph type="title"/>
+          </p:nvPr>
+        </p:nvSpPr>
+        <p:spPr/>
+        <p:txBody>
+          <a:bodyPr/>
+          <a:lstStyle/>
+          <a:p>
+            <a:r>
+              <a:rPr lang="en-US" altLang="zh-CN" dirty="0" smtClean="0"/>
+              <a:t>sigmoid</a:t>
+            </a:r>
+            <a:r>
+              <a:rPr lang="zh-CN" altLang="en-US" dirty="0" smtClean="0"/>
+              <a:t>函数</a:t>
+            </a:r>
+            <a:endParaRPr lang="en-US" dirty="0"/>
+          </a:p>
+        </p:txBody>
+      </p:sp>
+      <p:pic>
+        <p:nvPicPr>
+          <p:cNvPr id="4" name="Picture 3"/>
+          <p:cNvPicPr>
+            <a:picLocks noChangeAspect="1"/>
+          </p:cNvPicPr>
+          <p:nvPr/>
+        </p:nvPicPr>
+        <p:blipFill>
+          <a:blip r:embed="rId2"/>
+          <a:stretch>
+            <a:fillRect/>
+          </a:stretch>
+        </p:blipFill>
+        <p:spPr>
+          <a:xfrm>
+            <a:off x="1934779" y="1794094"/>
+            <a:ext cx="8890000" cy="4351338"/>
+          </a:xfrm>
+          <a:prstGeom prst="rect">
+            <a:avLst/>
+          </a:prstGeom>
+        </p:spPr>
+      </p:pic>
+    </p:spTree>
+    <p:extLst>
+      <p:ext uri="{BB962C8B-B14F-4D97-AF65-F5344CB8AC3E}">
+        <p14:creationId xmlns:p14="http://schemas.microsoft.com/office/powerpoint/2010/main" val="1550131089"/>
+      </p:ext>
+    </p:extLst>
+  </p:cSld>
+  <p:clrMapOvr>
+    <a:masterClrMapping/>
+  </p:clrMapOvr>
+</p:sld>
+</file>
+
+<file path=ppt/slides/slide5.xml><?xml version="1.0" encoding="utf-8"?>
+<p:sld xmlns:a="http://schemas.openxmlformats.org/drawingml/2006/main" xmlns:r="http://schemas.openxmlformats.org/officeDocument/2006/relationships" xmlns:p="http://schemas.openxmlformats.org/presentationml/2006/main">
+  <p:cSld>
+    <p:spTree>
+      <p:nvGrpSpPr>
+        <p:cNvPr id="1" name=""/>
+        <p:cNvGrpSpPr/>
+        <p:nvPr/>
+      </p:nvGrpSpPr>
+      <p:grpSpPr>
+        <a:xfrm>
+          <a:off x="0" y="0"/>
+          <a:ext cx="0" cy="0"/>
+          <a:chOff x="0" y="0"/>
+          <a:chExt cx="0" cy="0"/>
+        </a:xfrm>
+      </p:grpSpPr>
+      <p:sp>
+        <p:nvSpPr>
+          <p:cNvPr id="2" name="Title 1"/>
+          <p:cNvSpPr>
+            <a:spLocks noGrp="1"/>
+          </p:cNvSpPr>
+          <p:nvPr>
+            <p:ph type="title"/>
+          </p:nvPr>
+        </p:nvSpPr>
+        <p:spPr/>
+        <p:txBody>
+          <a:bodyPr/>
+          <a:lstStyle/>
+          <a:p>
+            <a:r>
+              <a:rPr lang="en-US" altLang="zh-CN" dirty="0"/>
+              <a:t>L</a:t>
+            </a:r>
+            <a:r>
+              <a:rPr lang="en-US" altLang="zh-CN" dirty="0" smtClean="0"/>
+              <a:t>ogistic</a:t>
+            </a:r>
+            <a:r>
+              <a:rPr lang="zh-CN" altLang="en-US" dirty="0" smtClean="0"/>
+              <a:t>函数</a:t>
+            </a:r>
+            <a:endParaRPr lang="en-US" dirty="0"/>
+          </a:p>
+        </p:txBody>
+      </p:sp>
+      <mc:AlternateContent xmlns:mc="http://schemas.openxmlformats.org/markup-compatibility/2006" xmlns:a14="http://schemas.microsoft.com/office/drawing/2010/main">
+        <mc:Choice Requires="a14">
+          <p:sp>
+            <p:nvSpPr>
+              <p:cNvPr id="3" name="Content Placeholder 2"/>
+              <p:cNvSpPr>
+                <a:spLocks noGrp="1"/>
+              </p:cNvSpPr>
+              <p:nvPr>
+                <p:ph idx="1"/>
+              </p:nvPr>
+            </p:nvSpPr>
+            <p:spPr/>
+            <p:txBody>
+              <a:bodyPr/>
+              <a:lstStyle/>
+              <a:p>
+                <a:pPr marL="0" indent="0">
+                  <a:buNone/>
+                </a:pPr>
+                <a:r>
+                  <a:rPr lang="en-US" altLang="zh-CN" dirty="0" smtClean="0"/>
+                  <a:t>Logistic</a:t>
+                </a:r>
+                <a:r>
+                  <a:rPr lang="zh-CN" altLang="en-US" dirty="0" smtClean="0"/>
+                  <a:t>函数</a:t>
+                </a:r>
+                <a:r>
+                  <a:rPr lang="en-US" altLang="zh-CN" dirty="0" smtClean="0"/>
+                  <a:t>:</a:t>
+                </a:r>
+                <a:r>
+                  <a:rPr lang="zh-CN" altLang="en-US" dirty="0" smtClean="0"/>
+                  <a:t> </a:t>
+                </a:r>
+                <a:r>
+                  <a:rPr lang="en-US" altLang="zh-CN" dirty="0" smtClean="0"/>
+                  <a:t>	</a:t>
+                </a:r>
+                <a14:m>
+                  <m:oMath xmlns:m="http://schemas.openxmlformats.org/officeDocument/2006/math">
+                    <m:r>
+                      <a:rPr lang="en-US" altLang="zh-CN" b="0" i="1" smtClean="0">
+                        <a:latin typeface="Cambria Math" charset="0"/>
+                      </a:rPr>
+                      <m:t>𝑦</m:t>
+                    </m:r>
+                    <m:d>
+                      <m:dPr>
+                        <m:ctrlPr>
+                          <a:rPr lang="en-US" altLang="zh-CN" i="1">
+                            <a:latin typeface="Cambria Math" charset="0"/>
+                          </a:rPr>
+                        </m:ctrlPr>
+                      </m:dPr>
+                      <m:e>
+                        <m:r>
+                          <a:rPr lang="en-US" altLang="zh-CN" i="1">
+                            <a:latin typeface="Cambria Math" charset="0"/>
+                          </a:rPr>
+                          <m:t>𝑥</m:t>
+                        </m:r>
+                      </m:e>
+                    </m:d>
+                    <m:r>
+                      <a:rPr lang="en-US" altLang="zh-CN" i="1">
+                        <a:latin typeface="Cambria Math" charset="0"/>
+                      </a:rPr>
+                      <m:t>=</m:t>
+                    </m:r>
+                    <m:f>
+                      <m:fPr>
+                        <m:ctrlPr>
+                          <a:rPr lang="mr-IN" altLang="zh-CN" i="1">
+                            <a:latin typeface="Cambria Math" charset="0"/>
+                          </a:rPr>
+                        </m:ctrlPr>
+                      </m:fPr>
+                      <m:num>
+                        <m:r>
+                          <a:rPr lang="en-US" altLang="zh-CN" i="1">
+                            <a:latin typeface="Cambria Math" charset="0"/>
+                          </a:rPr>
+                          <m:t>1</m:t>
+                        </m:r>
+                      </m:num>
+                      <m:den>
+                        <m:r>
+                          <a:rPr lang="en-US" altLang="zh-CN" i="1">
+                            <a:latin typeface="Cambria Math" charset="0"/>
+                          </a:rPr>
+                          <m:t>1+</m:t>
+                        </m:r>
+                        <m:sSup>
+                          <m:sSupPr>
+                            <m:ctrlPr>
+                              <a:rPr lang="mr-IN" altLang="zh-CN" i="1">
+                                <a:latin typeface="Cambria Math" charset="0"/>
+                              </a:rPr>
+                            </m:ctrlPr>
+                          </m:sSupPr>
+                          <m:e>
+                            <m:r>
+                              <a:rPr lang="mr-IN" altLang="zh-CN" i="1">
+                                <a:latin typeface="Cambria Math" charset="0"/>
+                              </a:rPr>
+                              <m:t>𝑒</m:t>
+                            </m:r>
+                          </m:e>
+                          <m:sup>
+                            <m:r>
+                              <a:rPr lang="mr-IN" altLang="zh-CN" i="1">
+                                <a:latin typeface="Cambria Math" charset="0"/>
+                              </a:rPr>
+                              <m:t>−</m:t>
+                            </m:r>
+                            <m:r>
+                              <a:rPr lang="en-US" altLang="zh-CN" i="1">
+                                <a:latin typeface="Cambria Math" charset="0"/>
+                              </a:rPr>
+                              <m:t>𝑥</m:t>
+                            </m:r>
+                          </m:sup>
+                        </m:sSup>
+                      </m:den>
+                    </m:f>
+                    <m:r>
+                      <a:rPr lang="en-US" altLang="zh-CN" b="0" i="1" smtClean="0">
+                        <a:latin typeface="Cambria Math" charset="0"/>
+                      </a:rPr>
+                      <m:t>=</m:t>
+                    </m:r>
+                    <m:f>
+                      <m:fPr>
+                        <m:ctrlPr>
+                          <a:rPr lang="mr-IN" altLang="zh-CN" b="0" i="1" smtClean="0">
+                            <a:latin typeface="Cambria Math" charset="0"/>
+                          </a:rPr>
+                        </m:ctrlPr>
+                      </m:fPr>
+                      <m:num>
+                        <m:sSup>
+                          <m:sSupPr>
+                            <m:ctrlPr>
+                              <a:rPr lang="mr-IN" altLang="zh-CN" b="0" i="1" smtClean="0">
+                                <a:latin typeface="Cambria Math" charset="0"/>
+                              </a:rPr>
+                            </m:ctrlPr>
+                          </m:sSupPr>
+                          <m:e>
+                            <m:r>
+                              <a:rPr lang="mr-IN" altLang="zh-CN" b="0" i="1" smtClean="0">
+                                <a:latin typeface="Cambria Math" charset="0"/>
+                              </a:rPr>
+                              <m:t>𝑒</m:t>
+                            </m:r>
+                          </m:e>
+                          <m:sup>
+                            <m:r>
+                              <a:rPr lang="en-US" altLang="zh-CN" b="0" i="1" smtClean="0">
+                                <a:latin typeface="Cambria Math" charset="0"/>
+                              </a:rPr>
+                              <m:t>𝑥</m:t>
+                            </m:r>
+                          </m:sup>
+                        </m:sSup>
+                      </m:num>
+                      <m:den>
+                        <m:r>
+                          <a:rPr lang="en-US" altLang="zh-CN" b="0" i="1" smtClean="0">
+                            <a:latin typeface="Cambria Math" charset="0"/>
+                          </a:rPr>
+                          <m:t>1+</m:t>
+                        </m:r>
+                        <m:sSup>
+                          <m:sSupPr>
+                            <m:ctrlPr>
+                              <a:rPr lang="mr-IN" altLang="zh-CN" i="1">
+                                <a:latin typeface="Cambria Math" charset="0"/>
+                              </a:rPr>
+                            </m:ctrlPr>
+                          </m:sSupPr>
+                          <m:e>
+                            <m:r>
+                              <a:rPr lang="mr-IN" altLang="zh-CN" i="1">
+                                <a:latin typeface="Cambria Math" charset="0"/>
+                              </a:rPr>
+                              <m:t>𝑒</m:t>
+                            </m:r>
+                          </m:e>
+                          <m:sup>
+                            <m:r>
+                              <a:rPr lang="en-US" altLang="zh-CN" i="1">
+                                <a:latin typeface="Cambria Math" charset="0"/>
+                              </a:rPr>
+                              <m:t>𝑥</m:t>
+                            </m:r>
+                          </m:sup>
+                        </m:sSup>
+                      </m:den>
+                    </m:f>
+                  </m:oMath>
+                </a14:m>
+                <a:endParaRPr lang="en-US" dirty="0" smtClean="0"/>
+              </a:p>
+              <a:p>
+                <a:pPr marL="0" indent="0">
+                  <a:buNone/>
+                </a:pPr>
+                <a:endParaRPr lang="en-US" dirty="0"/>
+              </a:p>
+              <a:p>
+                <a:pPr marL="0" indent="0">
+                  <a:buNone/>
+                </a:pPr>
+                <a:r>
+                  <a:rPr lang="en-US" altLang="zh-CN" dirty="0" smtClean="0"/>
+                  <a:t>Logistic</a:t>
+                </a:r>
+                <a:r>
+                  <a:rPr lang="zh-CN" altLang="en-US" dirty="0" smtClean="0"/>
+                  <a:t>函数有哪些特点？</a:t>
+                </a:r>
+                <a:endParaRPr lang="en-US" dirty="0"/>
+              </a:p>
+            </p:txBody>
+          </p:sp>
+        </mc:Choice>
+        <mc:Fallback xmlns="">
+          <p:sp>
+            <p:nvSpPr>
+              <p:cNvPr id="3" name="Content Placeholder 2"/>
+              <p:cNvSpPr>
+                <a:spLocks noGrp="1" noRot="1" noChangeAspect="1" noMove="1" noResize="1" noEditPoints="1" noAdjustHandles="1" noChangeArrowheads="1" noChangeShapeType="1" noTextEdit="1"/>
+              </p:cNvSpPr>
+              <p:nvPr>
+                <p:ph idx="1"/>
+              </p:nvPr>
+            </p:nvSpPr>
+            <p:spPr>
+              <a:blipFill rotWithShape="0">
+                <a:blip r:embed="rId2"/>
+                <a:stretch>
+                  <a:fillRect l="-1217"/>
+                </a:stretch>
+              </a:blipFill>
+            </p:spPr>
+            <p:txBody>
+              <a:bodyPr/>
+              <a:lstStyle/>
+              <a:p>
+                <a:r>
+                  <a:rPr lang="en-US">
+                    <a:noFill/>
+                  </a:rPr>
+                  <a:t> </a:t>
+                </a:r>
+              </a:p>
+            </p:txBody>
+          </p:sp>
+        </mc:Fallback>
+      </mc:AlternateContent>
+    </p:spTree>
+    <p:extLst>
+      <p:ext uri="{BB962C8B-B14F-4D97-AF65-F5344CB8AC3E}">
+        <p14:creationId xmlns:p14="http://schemas.microsoft.com/office/powerpoint/2010/main" val="67449939"/>
+      </p:ext>
+    </p:extLst>
+  </p:cSld>
+  <p:clrMapOvr>
+    <a:masterClrMapping/>
+  </p:clrMapOvr>
+</p:sld>
+</file>
+
+<file path=ppt/slides/slide6.xml><?xml version="1.0" encoding="utf-8"?>
+<p:sld xmlns:a="http://schemas.openxmlformats.org/drawingml/2006/main" xmlns:r="http://schemas.openxmlformats.org/officeDocument/2006/relationships" xmlns:p="http://schemas.openxmlformats.org/presentationml/2006/main">
+  <p:cSld>
+    <p:spTree>
+      <p:nvGrpSpPr>
+        <p:cNvPr id="1" name=""/>
+        <p:cNvGrpSpPr/>
+        <p:nvPr/>
+      </p:nvGrpSpPr>
+      <p:grpSpPr>
+        <a:xfrm>
+          <a:off x="0" y="0"/>
+          <a:ext cx="0" cy="0"/>
+          <a:chOff x="0" y="0"/>
+          <a:chExt cx="0" cy="0"/>
+        </a:xfrm>
+      </p:grpSpPr>
+      <p:sp>
+        <p:nvSpPr>
+          <p:cNvPr id="2" name="Title 1"/>
+          <p:cNvSpPr>
+            <a:spLocks noGrp="1"/>
+          </p:cNvSpPr>
+          <p:nvPr>
+            <p:ph type="title"/>
+          </p:nvPr>
+        </p:nvSpPr>
+        <p:spPr/>
+        <p:txBody>
+          <a:bodyPr/>
+          <a:lstStyle/>
+          <a:p>
+            <a:r>
+              <a:rPr lang="en-US" altLang="zh-CN" dirty="0" smtClean="0"/>
+              <a:t>Logistic</a:t>
+            </a:r>
+            <a:r>
+              <a:rPr lang="zh-CN" altLang="en-US" dirty="0" smtClean="0"/>
+              <a:t>函数特点</a:t>
+            </a:r>
+            <a:endParaRPr lang="en-US" dirty="0"/>
+          </a:p>
+        </p:txBody>
+      </p:sp>
+      <p:sp>
+        <p:nvSpPr>
+          <p:cNvPr id="3" name="Content Placeholder 2"/>
+          <p:cNvSpPr>
+            <a:spLocks noGrp="1"/>
+          </p:cNvSpPr>
+          <p:nvPr>
+            <p:ph idx="1"/>
+          </p:nvPr>
+        </p:nvSpPr>
+        <p:spPr/>
+        <p:txBody>
+          <a:bodyPr/>
+          <a:lstStyle/>
+          <a:p>
+            <a:r>
+              <a:rPr lang="zh-CN" altLang="en-US" dirty="0"/>
+              <a:t>定义域是正无穷到负</a:t>
+            </a:r>
+            <a:r>
+              <a:rPr lang="zh-CN" altLang="en-US" dirty="0" smtClean="0"/>
+              <a:t>无穷；</a:t>
+            </a:r>
+            <a:endParaRPr lang="zh-CN" altLang="en-US" dirty="0"/>
+          </a:p>
+          <a:p>
+            <a:r>
+              <a:rPr lang="zh-CN" altLang="en-US" dirty="0"/>
+              <a:t>取值范围在</a:t>
+            </a:r>
+            <a:r>
+              <a:rPr lang="en-US" altLang="zh-CN" dirty="0"/>
+              <a:t>[0,1]</a:t>
+            </a:r>
+            <a:r>
+              <a:rPr lang="zh-CN" altLang="en-US" dirty="0"/>
+              <a:t>之间，作为概率不会大于</a:t>
+            </a:r>
+            <a:r>
+              <a:rPr lang="en-US" altLang="zh-CN" dirty="0"/>
+              <a:t>1</a:t>
+            </a:r>
+            <a:r>
+              <a:rPr lang="zh-CN" altLang="en-US" dirty="0"/>
+              <a:t>或者小于</a:t>
+            </a:r>
+            <a:r>
+              <a:rPr lang="en-US" altLang="zh-CN" dirty="0"/>
+              <a:t>0</a:t>
+            </a:r>
+            <a:r>
+              <a:rPr lang="zh-CN" altLang="en-US" dirty="0"/>
+              <a:t>，所以非常适合研究</a:t>
+            </a:r>
+            <a:r>
+              <a:rPr lang="zh-CN" altLang="en-US" dirty="0" smtClean="0"/>
+              <a:t>概率；</a:t>
+            </a:r>
+            <a:endParaRPr lang="zh-CN" altLang="en-US" dirty="0"/>
+          </a:p>
+          <a:p>
+            <a:r>
+              <a:rPr lang="zh-CN" altLang="en-US" dirty="0"/>
+              <a:t>当我们从负无穷往右移动时，刚开始函数值很缓慢增加，然后转向迅速增加，之后增加的速度又开始逐渐减缓，最后当</a:t>
+            </a:r>
+            <a:r>
+              <a:rPr lang="en-US" altLang="zh-CN" dirty="0"/>
+              <a:t>x</a:t>
+            </a:r>
+            <a:r>
+              <a:rPr lang="zh-CN" altLang="en-US" dirty="0"/>
+              <a:t>趋近于正无穷时，函数值趋近于</a:t>
+            </a:r>
+            <a:r>
+              <a:rPr lang="en-US" altLang="zh-CN" dirty="0"/>
+              <a:t>1</a:t>
+            </a:r>
+            <a:r>
+              <a:rPr lang="en-US" altLang="zh-CN" dirty="0" smtClean="0"/>
+              <a:t>.</a:t>
+            </a:r>
+          </a:p>
+          <a:p>
+            <a:r>
+              <a:rPr lang="zh-CN" altLang="en-US" dirty="0" smtClean="0"/>
+              <a:t>其他许多数学特性（</a:t>
+            </a:r>
+            <a:r>
+              <a:rPr lang="en-US" altLang="zh-CN" dirty="0" smtClean="0"/>
+              <a:t>TODO</a:t>
+            </a:r>
+            <a:r>
+              <a:rPr lang="zh-CN" altLang="en-US" dirty="0" smtClean="0"/>
+              <a:t>）</a:t>
+            </a:r>
+            <a:endParaRPr lang="en-US" altLang="zh-CN" dirty="0"/>
+          </a:p>
+        </p:txBody>
+      </p:sp>
+    </p:spTree>
+    <p:extLst>
+      <p:ext uri="{BB962C8B-B14F-4D97-AF65-F5344CB8AC3E}">
+        <p14:creationId xmlns:p14="http://schemas.microsoft.com/office/powerpoint/2010/main" val="955565488"/>
+      </p:ext>
+    </p:extLst>
+  </p:cSld>
+  <p:clrMapOvr>
+    <a:masterClrMapping/>
+  </p:clrMapOvr>
+</p:sld>
+</file>
+
+<file path=ppt/slides/slide7.xml><?xml version="1.0" encoding="utf-8"?>
+<p:sld xmlns:a="http://schemas.openxmlformats.org/drawingml/2006/main" xmlns:r="http://schemas.openxmlformats.org/officeDocument/2006/relationships" xmlns:p="http://schemas.openxmlformats.org/presentationml/2006/main">
+  <p:cSld>
+    <p:spTree>
+      <p:nvGrpSpPr>
+        <p:cNvPr id="1" name=""/>
+        <p:cNvGrpSpPr/>
+        <p:nvPr/>
+      </p:nvGrpSpPr>
+      <p:grpSpPr>
+        <a:xfrm>
+          <a:off x="0" y="0"/>
+          <a:ext cx="0" cy="0"/>
+          <a:chOff x="0" y="0"/>
+          <a:chExt cx="0" cy="0"/>
+        </a:xfrm>
+      </p:grpSpPr>
+      <p:sp>
+        <p:nvSpPr>
+          <p:cNvPr id="2" name="Title 1"/>
+          <p:cNvSpPr>
+            <a:spLocks noGrp="1"/>
+          </p:cNvSpPr>
+          <p:nvPr>
+            <p:ph type="title"/>
+          </p:nvPr>
+        </p:nvSpPr>
+        <p:spPr/>
+        <p:txBody>
+          <a:bodyPr/>
+          <a:lstStyle/>
+          <a:p>
+            <a:r>
+              <a:rPr lang="en-US" altLang="zh-CN" dirty="0" smtClean="0"/>
+              <a:t>Logistic</a:t>
+            </a:r>
+            <a:r>
+              <a:rPr lang="zh-CN" altLang="en-US" dirty="0" smtClean="0"/>
+              <a:t>函数的实际意义</a:t>
+            </a:r>
+            <a:endParaRPr lang="en-US" dirty="0"/>
+          </a:p>
+        </p:txBody>
+      </p:sp>
+      <p:sp>
+        <p:nvSpPr>
+          <p:cNvPr id="3" name="Content Placeholder 2"/>
+          <p:cNvSpPr>
+            <a:spLocks noGrp="1"/>
+          </p:cNvSpPr>
+          <p:nvPr>
+            <p:ph idx="1"/>
+          </p:nvPr>
+        </p:nvSpPr>
+        <p:spPr/>
+        <p:txBody>
+          <a:bodyPr/>
+          <a:lstStyle/>
+          <a:p>
+            <a:pPr marL="0" indent="0">
+              <a:buNone/>
+            </a:pPr>
+            <a:r>
+              <a:rPr lang="en-US" altLang="zh-CN" dirty="0"/>
+              <a:t>Logistic</a:t>
+            </a:r>
+            <a:r>
+              <a:rPr lang="zh-CN" altLang="en-US" dirty="0"/>
+              <a:t>函数的</a:t>
+            </a:r>
+            <a:r>
+              <a:rPr lang="en-US" altLang="zh-CN" dirty="0"/>
+              <a:t>S</a:t>
+            </a:r>
+            <a:r>
+              <a:rPr lang="zh-CN" altLang="en-US" dirty="0"/>
+              <a:t>型曲线表明，</a:t>
+            </a:r>
+            <a:r>
+              <a:rPr lang="en-US" altLang="zh-CN" dirty="0"/>
+              <a:t>x</a:t>
+            </a:r>
+            <a:r>
+              <a:rPr lang="zh-CN" altLang="en-US" dirty="0"/>
+              <a:t>的作用对于某个案例发生某一事件的可能性是变化的，在</a:t>
+            </a:r>
+            <a:r>
+              <a:rPr lang="en-US" altLang="zh-CN" dirty="0"/>
+              <a:t>x</a:t>
+            </a:r>
+            <a:r>
+              <a:rPr lang="zh-CN" altLang="en-US" dirty="0"/>
+              <a:t>值很小时其作用也比较小，然而到中间阶段对应的可能性就增长很快，但是在</a:t>
+            </a:r>
+            <a:r>
+              <a:rPr lang="en-US" altLang="zh-CN" dirty="0"/>
+              <a:t>x</a:t>
+            </a:r>
+            <a:r>
+              <a:rPr lang="zh-CN" altLang="en-US" dirty="0"/>
+              <a:t>的值到一定程度后，可能性就保持在几乎不变的水平了。这说明</a:t>
+            </a:r>
+            <a:r>
+              <a:rPr lang="en-US" altLang="zh-CN" dirty="0"/>
+              <a:t>x</a:t>
+            </a:r>
+            <a:r>
+              <a:rPr lang="zh-CN" altLang="en-US" dirty="0"/>
+              <a:t>在</a:t>
+            </a:r>
+            <a:r>
+              <a:rPr lang="en-US" altLang="zh-CN" dirty="0"/>
+              <a:t>P</a:t>
+            </a:r>
+            <a:r>
+              <a:rPr lang="zh-CN" altLang="en-US" dirty="0"/>
+              <a:t>接近于</a:t>
+            </a:r>
+            <a:r>
+              <a:rPr lang="en-US" altLang="zh-CN" dirty="0"/>
+              <a:t>0</a:t>
+            </a:r>
+            <a:r>
+              <a:rPr lang="zh-CN" altLang="en-US" dirty="0"/>
+              <a:t>或</a:t>
+            </a:r>
+            <a:r>
+              <a:rPr lang="en-US" altLang="zh-CN" dirty="0"/>
+              <a:t>1</a:t>
+            </a:r>
+            <a:r>
+              <a:rPr lang="zh-CN" altLang="en-US" dirty="0"/>
+              <a:t>时的作用要小于</a:t>
+            </a:r>
+            <a:r>
+              <a:rPr lang="en-US" altLang="zh-CN" dirty="0"/>
+              <a:t>P</a:t>
+            </a:r>
+            <a:r>
+              <a:rPr lang="zh-CN" altLang="en-US" dirty="0"/>
+              <a:t>处于中间阶段时的作用。这种非线性函数的形式有助于解决线性概率模型所不能解决的问题</a:t>
+            </a:r>
+            <a:r>
+              <a:rPr lang="zh-CN" altLang="en-US" dirty="0" smtClean="0"/>
+              <a:t>。</a:t>
+            </a:r>
+            <a:endParaRPr lang="en-US" altLang="zh-CN" dirty="0" smtClean="0"/>
+          </a:p>
+          <a:p>
+            <a:pPr marL="0" indent="0">
+              <a:buNone/>
+            </a:pPr>
+            <a:endParaRPr lang="en-US" dirty="0"/>
+          </a:p>
+          <a:p>
+            <a:pPr marL="0" indent="0">
+              <a:buNone/>
+            </a:pPr>
+            <a:endParaRPr lang="en-US" dirty="0" smtClean="0"/>
+          </a:p>
+          <a:p>
+            <a:pPr marL="0" indent="0">
+              <a:buNone/>
+            </a:pPr>
+            <a:r>
+              <a:rPr lang="zh-CN" altLang="en-US" dirty="0" smtClean="0"/>
+              <a:t>想一些生活中符合这种规律的场景？</a:t>
+            </a:r>
+            <a:endParaRPr lang="en-US" dirty="0"/>
+          </a:p>
+        </p:txBody>
+      </p:sp>
+    </p:spTree>
+    <p:extLst>
+      <p:ext uri="{BB962C8B-B14F-4D97-AF65-F5344CB8AC3E}">
+        <p14:creationId xmlns:p14="http://schemas.microsoft.com/office/powerpoint/2010/main" val="345158178"/>
+      </p:ext>
+    </p:extLst>
+  </p:cSld>
+  <p:clrMapOvr>
+    <a:masterClrMapping/>
+  </p:clrMapOvr>
+</p:sld>
+</file>
+
+<file path=ppt/slides/slide8.xml><?xml version="1.0" encoding="utf-8"?>
+<p:sld xmlns:a="http://schemas.openxmlformats.org/drawingml/2006/main" xmlns:r="http://schemas.openxmlformats.org/officeDocument/2006/relationships" xmlns:p="http://schemas.openxmlformats.org/presentationml/2006/main">
+  <p:cSld>
+    <p:spTree>
+      <p:nvGrpSpPr>
+        <p:cNvPr id="1" name=""/>
+        <p:cNvGrpSpPr/>
+        <p:nvPr/>
+      </p:nvGrpSpPr>
+      <p:grpSpPr>
+        <a:xfrm>
+          <a:off x="0" y="0"/>
+          <a:ext cx="0" cy="0"/>
+          <a:chOff x="0" y="0"/>
+          <a:chExt cx="0" cy="0"/>
+        </a:xfrm>
+      </p:grpSpPr>
+      <p:sp>
+        <p:nvSpPr>
+          <p:cNvPr id="2" name="Title 1"/>
+          <p:cNvSpPr>
+            <a:spLocks noGrp="1"/>
+          </p:cNvSpPr>
+          <p:nvPr>
+            <p:ph type="title"/>
+          </p:nvPr>
+        </p:nvSpPr>
+        <p:spPr/>
+        <p:txBody>
+          <a:bodyPr/>
+          <a:lstStyle/>
+          <a:p>
+            <a:r>
+              <a:rPr lang="en-US" altLang="zh-CN" dirty="0" smtClean="0"/>
+              <a:t>Logistic</a:t>
+            </a:r>
+            <a:r>
+              <a:rPr lang="zh-CN" altLang="en-US" dirty="0" smtClean="0"/>
+              <a:t>回归</a:t>
+            </a:r>
+            <a:endParaRPr lang="en-US" dirty="0"/>
+          </a:p>
+        </p:txBody>
+      </p:sp>
+      <mc:AlternateContent xmlns:mc="http://schemas.openxmlformats.org/markup-compatibility/2006" xmlns:a14="http://schemas.microsoft.com/office/drawing/2010/main">
+        <mc:Choice Requires="a14">
+          <p:sp>
+            <p:nvSpPr>
+              <p:cNvPr id="6" name="Content Placeholder 5"/>
+              <p:cNvSpPr>
+                <a:spLocks noGrp="1"/>
+              </p:cNvSpPr>
+              <p:nvPr>
+                <p:ph idx="1"/>
+              </p:nvPr>
+            </p:nvSpPr>
+            <p:spPr/>
+            <p:txBody>
+              <a:bodyPr>
+                <a:normAutofit lnSpcReduction="10000"/>
+              </a:bodyPr>
+              <a:lstStyle/>
+              <a:p>
+                <a:pPr marL="0" indent="0">
+                  <a:buNone/>
+                </a:pPr>
+                <a:r>
+                  <a:rPr lang="zh-CN" altLang="en-US" dirty="0" smtClean="0"/>
+                  <a:t>为了从</a:t>
+                </a:r>
+                <a:r>
+                  <a:rPr lang="en-US" altLang="zh-CN" dirty="0"/>
+                  <a:t>Logistic</a:t>
+                </a:r>
+                <a:r>
+                  <a:rPr lang="zh-CN" altLang="en-US" dirty="0"/>
+                  <a:t>函数得到</a:t>
+                </a:r>
+                <a:r>
+                  <a:rPr lang="en-US" altLang="zh-CN" dirty="0"/>
+                  <a:t>Logistic</a:t>
+                </a:r>
+                <a:r>
+                  <a:rPr lang="zh-CN" altLang="en-US" dirty="0"/>
+                  <a:t>回归模型，我们将原式中的</a:t>
+                </a:r>
+                <a:r>
+                  <a:rPr lang="en-US" altLang="zh-CN" dirty="0"/>
+                  <a:t>x</a:t>
+                </a:r>
+                <a:r>
+                  <a:rPr lang="zh-CN" altLang="en-US" dirty="0"/>
+                  <a:t>定义为一系列影响事件发生概率的因素的线性函数</a:t>
+                </a:r>
+                <a:r>
+                  <a:rPr lang="zh-CN" altLang="en-US" dirty="0" smtClean="0"/>
+                  <a:t>：</a:t>
+                </a:r>
+                <a:endParaRPr lang="en-US" altLang="zh-CN" dirty="0"/>
+              </a:p>
+              <a:p>
+                <a:pPr marL="0" indent="0">
+                  <a:buNone/>
+                </a:pPr>
+                <a:endParaRPr lang="en-US" dirty="0"/>
+              </a:p>
+              <a:p>
+                <a:pPr marL="0" indent="0">
+                  <a:buNone/>
+                </a:pPr>
+                <a14:m>
+                  <m:oMathPara xmlns:m="http://schemas.openxmlformats.org/officeDocument/2006/math">
+                    <m:oMathParaPr>
+                      <m:jc m:val="centerGroup"/>
+                    </m:oMathParaPr>
+                    <m:oMath xmlns:m="http://schemas.openxmlformats.org/officeDocument/2006/math">
+                      <m:acc>
+                        <m:accPr>
+                          <m:chr m:val="̂"/>
+                          <m:ctrlPr>
+                            <a:rPr lang="en-US" i="1" smtClean="0">
+                              <a:latin typeface="Cambria Math" charset="0"/>
+                            </a:rPr>
+                          </m:ctrlPr>
+                        </m:accPr>
+                        <m:e>
+                          <m:r>
+                            <a:rPr lang="en-US" altLang="zh-CN" b="0" i="1" smtClean="0">
+                              <a:latin typeface="Cambria Math" charset="0"/>
+                            </a:rPr>
+                            <m:t>𝑦</m:t>
+                          </m:r>
+                          <m:r>
+                            <a:rPr lang="zh-CN" altLang="en-US" b="0" i="1" smtClean="0">
+                              <a:latin typeface="Cambria Math" charset="0"/>
+                            </a:rPr>
+                            <m:t> </m:t>
+                          </m:r>
+                        </m:e>
+                      </m:acc>
+                      <m:d>
+                        <m:dPr>
+                          <m:ctrlPr>
+                            <a:rPr lang="en-US" altLang="zh-CN" b="0" i="1" smtClean="0">
+                              <a:latin typeface="Cambria Math" charset="0"/>
+                            </a:rPr>
+                          </m:ctrlPr>
+                        </m:dPr>
+                        <m:e>
+                          <m:r>
+                            <a:rPr lang="en-US" altLang="zh-CN" b="0" i="1" smtClean="0">
+                              <a:latin typeface="Cambria Math" charset="0"/>
+                              <a:ea typeface="Cambria Math" charset="0"/>
+                              <a:cs typeface="Cambria Math" charset="0"/>
+                            </a:rPr>
+                            <m:t>𝜔</m:t>
+                          </m:r>
+                          <m:r>
+                            <a:rPr lang="en-US" altLang="zh-CN" b="0" i="1" smtClean="0">
+                              <a:latin typeface="Cambria Math" charset="0"/>
+                              <a:ea typeface="Cambria Math" charset="0"/>
+                              <a:cs typeface="Cambria Math" charset="0"/>
+                            </a:rPr>
+                            <m:t>,</m:t>
+                          </m:r>
+                          <m:r>
+                            <a:rPr lang="en-US" altLang="zh-CN" b="0" i="1" smtClean="0">
+                              <a:latin typeface="Cambria Math" charset="0"/>
+                              <a:ea typeface="Cambria Math" charset="0"/>
+                              <a:cs typeface="Cambria Math" charset="0"/>
+                            </a:rPr>
+                            <m:t>𝑥</m:t>
+                          </m:r>
+                        </m:e>
+                      </m:d>
+                      <m:r>
+                        <a:rPr lang="en-US" altLang="zh-CN" b="0" i="1" smtClean="0">
+                          <a:latin typeface="Cambria Math" charset="0"/>
+                          <a:ea typeface="Cambria Math" charset="0"/>
+                          <a:cs typeface="Cambria Math" charset="0"/>
+                        </a:rPr>
+                        <m:t>=</m:t>
+                      </m:r>
+                      <m:sSub>
+                        <m:sSubPr>
+                          <m:ctrlPr>
+                            <a:rPr lang="en-US" altLang="zh-CN" b="0" i="1" smtClean="0">
+                              <a:latin typeface="Cambria Math" charset="0"/>
+                              <a:ea typeface="Cambria Math" charset="0"/>
+                              <a:cs typeface="Cambria Math" charset="0"/>
+                            </a:rPr>
+                          </m:ctrlPr>
+                        </m:sSubPr>
+                        <m:e>
+                          <m:r>
+                            <a:rPr lang="en-US" altLang="zh-CN" i="1">
+                              <a:latin typeface="Cambria Math" charset="0"/>
+                              <a:ea typeface="Cambria Math" charset="0"/>
+                              <a:cs typeface="Cambria Math" charset="0"/>
+                            </a:rPr>
+                            <m:t>𝜔</m:t>
+                          </m:r>
+                        </m:e>
+                        <m:sub>
+                          <m:r>
+                            <a:rPr lang="en-US" altLang="zh-CN" b="0" i="1" smtClean="0">
+                              <a:latin typeface="Cambria Math" charset="0"/>
+                              <a:ea typeface="Cambria Math" charset="0"/>
+                              <a:cs typeface="Cambria Math" charset="0"/>
+                            </a:rPr>
+                            <m:t>0</m:t>
+                          </m:r>
+                        </m:sub>
+                      </m:sSub>
+                      <m:r>
+                        <a:rPr lang="en-US" altLang="zh-CN" b="0" i="1" smtClean="0">
+                          <a:latin typeface="Cambria Math" charset="0"/>
+                          <a:ea typeface="Cambria Math" charset="0"/>
+                          <a:cs typeface="Cambria Math" charset="0"/>
+                        </a:rPr>
+                        <m:t>+</m:t>
+                      </m:r>
+                      <m:sSub>
+                        <m:sSubPr>
+                          <m:ctrlPr>
+                            <a:rPr lang="en-US" altLang="zh-CN" i="1" smtClean="0">
+                              <a:latin typeface="Cambria Math" charset="0"/>
+                              <a:ea typeface="Cambria Math" charset="0"/>
+                              <a:cs typeface="Cambria Math" charset="0"/>
+                            </a:rPr>
+                          </m:ctrlPr>
+                        </m:sSubPr>
+                        <m:e>
+                          <m:r>
+                            <a:rPr lang="en-US" altLang="zh-CN" i="1">
+                              <a:latin typeface="Cambria Math" charset="0"/>
+                              <a:ea typeface="Cambria Math" charset="0"/>
+                              <a:cs typeface="Cambria Math" charset="0"/>
+                            </a:rPr>
+                            <m:t>𝜔</m:t>
+                          </m:r>
+                        </m:e>
+                        <m:sub>
+                          <m:r>
+                            <a:rPr lang="en-US" altLang="zh-CN" b="0" i="1" smtClean="0">
+                              <a:latin typeface="Cambria Math" charset="0"/>
+                              <a:ea typeface="Cambria Math" charset="0"/>
+                              <a:cs typeface="Cambria Math" charset="0"/>
+                            </a:rPr>
+                            <m:t>1</m:t>
+                          </m:r>
+                        </m:sub>
+                      </m:sSub>
+                      <m:sSub>
+                        <m:sSubPr>
+                          <m:ctrlPr>
+                            <a:rPr lang="en-US" altLang="zh-CN" i="1" smtClean="0">
+                              <a:latin typeface="Cambria Math" charset="0"/>
+                              <a:ea typeface="Cambria Math" charset="0"/>
+                              <a:cs typeface="Cambria Math" charset="0"/>
+                            </a:rPr>
+                          </m:ctrlPr>
+                        </m:sSubPr>
+                        <m:e>
+                          <m:r>
+                            <a:rPr lang="en-US" altLang="zh-CN" b="0" i="1" smtClean="0">
+                              <a:latin typeface="Cambria Math" charset="0"/>
+                              <a:ea typeface="Cambria Math" charset="0"/>
+                              <a:cs typeface="Cambria Math" charset="0"/>
+                            </a:rPr>
+                            <m:t>𝑥</m:t>
+                          </m:r>
+                        </m:e>
+                        <m:sub>
+                          <m:r>
+                            <a:rPr lang="en-US" altLang="zh-CN" b="0" i="1" smtClean="0">
+                              <a:latin typeface="Cambria Math" charset="0"/>
+                              <a:ea typeface="Cambria Math" charset="0"/>
+                              <a:cs typeface="Cambria Math" charset="0"/>
+                            </a:rPr>
+                            <m:t>1</m:t>
+                          </m:r>
+                        </m:sub>
+                      </m:sSub>
+                      <m:r>
+                        <a:rPr lang="en-US" altLang="zh-CN" b="0" i="1" smtClean="0">
+                          <a:latin typeface="Cambria Math" charset="0"/>
+                          <a:ea typeface="Cambria Math" charset="0"/>
+                          <a:cs typeface="Cambria Math" charset="0"/>
+                        </a:rPr>
+                        <m:t>+…+</m:t>
+                      </m:r>
+                      <m:sSub>
+                        <m:sSubPr>
+                          <m:ctrlPr>
+                            <a:rPr lang="en-US" altLang="zh-CN" i="1">
+                              <a:latin typeface="Cambria Math" charset="0"/>
+                              <a:ea typeface="Cambria Math" charset="0"/>
+                              <a:cs typeface="Cambria Math" charset="0"/>
+                            </a:rPr>
+                          </m:ctrlPr>
+                        </m:sSubPr>
+                        <m:e>
+                          <m:r>
+                            <a:rPr lang="en-US" altLang="zh-CN" i="1">
+                              <a:latin typeface="Cambria Math" charset="0"/>
+                              <a:ea typeface="Cambria Math" charset="0"/>
+                              <a:cs typeface="Cambria Math" charset="0"/>
+                            </a:rPr>
+                            <m:t>𝜔</m:t>
+                          </m:r>
+                        </m:e>
+                        <m:sub>
+                          <m:r>
+                            <a:rPr lang="en-US" altLang="zh-CN" b="0" i="1" smtClean="0">
+                              <a:latin typeface="Cambria Math" charset="0"/>
+                              <a:ea typeface="Cambria Math" charset="0"/>
+                              <a:cs typeface="Cambria Math" charset="0"/>
+                            </a:rPr>
+                            <m:t>𝑛</m:t>
+                          </m:r>
+                        </m:sub>
+                      </m:sSub>
+                      <m:sSub>
+                        <m:sSubPr>
+                          <m:ctrlPr>
+                            <a:rPr lang="en-US" altLang="zh-CN" i="1">
+                              <a:latin typeface="Cambria Math" charset="0"/>
+                              <a:ea typeface="Cambria Math" charset="0"/>
+                              <a:cs typeface="Cambria Math" charset="0"/>
+                            </a:rPr>
+                          </m:ctrlPr>
+                        </m:sSubPr>
+                        <m:e>
+                          <m:r>
+                            <a:rPr lang="en-US" altLang="zh-CN" i="1">
+                              <a:latin typeface="Cambria Math" charset="0"/>
+                              <a:ea typeface="Cambria Math" charset="0"/>
+                              <a:cs typeface="Cambria Math" charset="0"/>
+                            </a:rPr>
+                            <m:t>𝑥</m:t>
+                          </m:r>
+                        </m:e>
+                        <m:sub>
+                          <m:r>
+                            <a:rPr lang="en-US" altLang="zh-CN" b="0" i="1" smtClean="0">
+                              <a:latin typeface="Cambria Math" charset="0"/>
+                              <a:ea typeface="Cambria Math" charset="0"/>
+                              <a:cs typeface="Cambria Math" charset="0"/>
+                            </a:rPr>
+                            <m:t>𝑛</m:t>
+                          </m:r>
+                        </m:sub>
+                      </m:sSub>
+                    </m:oMath>
+                  </m:oMathPara>
+                </a14:m>
+                <a:endParaRPr lang="en-US" altLang="zh-CN" dirty="0" smtClean="0">
+                  <a:ea typeface="Cambria Math" charset="0"/>
+                  <a:cs typeface="Cambria Math" charset="0"/>
+                </a:endParaRPr>
+              </a:p>
+              <a:p>
+                <a:pPr marL="0" indent="0">
+                  <a:buNone/>
+                </a:pPr>
+                <a:endParaRPr lang="en-US" altLang="zh-CN" dirty="0" smtClean="0"/>
+              </a:p>
+              <a:p>
+                <a:pPr marL="0" indent="0">
+                  <a:buNone/>
+                </a:pPr>
+                <a:r>
+                  <a:rPr lang="zh-CN" altLang="en-US" dirty="0" smtClean="0"/>
+                  <a:t>我们把</a:t>
+                </a:r>
+                <a14:m>
+                  <m:oMath xmlns:m="http://schemas.openxmlformats.org/officeDocument/2006/math">
+                    <m:r>
+                      <a:rPr lang="zh-CN" altLang="en-US" i="1" smtClean="0">
+                        <a:latin typeface="Cambria Math" charset="0"/>
+                        <a:ea typeface="Cambria Math" charset="0"/>
+                        <a:cs typeface="Cambria Math" charset="0"/>
+                      </a:rPr>
+                      <m:t>𝜔</m:t>
+                    </m:r>
+                    <m:r>
+                      <a:rPr lang="en-US" altLang="zh-CN" b="0" i="1" smtClean="0">
+                        <a:latin typeface="Cambria Math" charset="0"/>
+                        <a:ea typeface="Cambria Math" charset="0"/>
+                        <a:cs typeface="Cambria Math" charset="0"/>
+                      </a:rPr>
+                      <m:t>=(</m:t>
+                    </m:r>
+                    <m:sSub>
+                      <m:sSubPr>
+                        <m:ctrlPr>
+                          <a:rPr lang="en-US" altLang="zh-CN" i="1">
+                            <a:latin typeface="Cambria Math" charset="0"/>
+                            <a:ea typeface="Cambria Math" charset="0"/>
+                            <a:cs typeface="Cambria Math" charset="0"/>
+                          </a:rPr>
+                        </m:ctrlPr>
+                      </m:sSubPr>
+                      <m:e>
+                        <m:r>
+                          <a:rPr lang="en-US" altLang="zh-CN" i="1">
+                            <a:latin typeface="Cambria Math" charset="0"/>
+                            <a:ea typeface="Cambria Math" charset="0"/>
+                            <a:cs typeface="Cambria Math" charset="0"/>
+                          </a:rPr>
+                          <m:t>𝜔</m:t>
+                        </m:r>
+                      </m:e>
+                      <m:sub>
+                        <m:r>
+                          <a:rPr lang="en-US" altLang="zh-CN" b="0" i="1" smtClean="0">
+                            <a:latin typeface="Cambria Math" charset="0"/>
+                            <a:ea typeface="Cambria Math" charset="0"/>
+                            <a:cs typeface="Cambria Math" charset="0"/>
+                          </a:rPr>
+                          <m:t>1</m:t>
+                        </m:r>
+                      </m:sub>
+                    </m:sSub>
+                    <m:r>
+                      <a:rPr lang="en-US" altLang="zh-CN" b="0" i="1" smtClean="0">
+                        <a:latin typeface="Cambria Math" charset="0"/>
+                        <a:ea typeface="Cambria Math" charset="0"/>
+                        <a:cs typeface="Cambria Math" charset="0"/>
+                      </a:rPr>
+                      <m:t>,</m:t>
+                    </m:r>
+                    <m:sSub>
+                      <m:sSubPr>
+                        <m:ctrlPr>
+                          <a:rPr lang="en-US" altLang="zh-CN" i="1">
+                            <a:latin typeface="Cambria Math" charset="0"/>
+                            <a:ea typeface="Cambria Math" charset="0"/>
+                            <a:cs typeface="Cambria Math" charset="0"/>
+                          </a:rPr>
+                        </m:ctrlPr>
+                      </m:sSubPr>
+                      <m:e>
+                        <m:r>
+                          <a:rPr lang="en-US" altLang="zh-CN" i="1">
+                            <a:latin typeface="Cambria Math" charset="0"/>
+                            <a:ea typeface="Cambria Math" charset="0"/>
+                            <a:cs typeface="Cambria Math" charset="0"/>
+                          </a:rPr>
+                          <m:t>𝜔</m:t>
+                        </m:r>
+                      </m:e>
+                      <m:sub>
+                        <m:r>
+                          <a:rPr lang="en-US" altLang="zh-CN" b="0" i="1" smtClean="0">
+                            <a:latin typeface="Cambria Math" charset="0"/>
+                            <a:ea typeface="Cambria Math" charset="0"/>
+                            <a:cs typeface="Cambria Math" charset="0"/>
+                          </a:rPr>
+                          <m:t>2</m:t>
+                        </m:r>
+                      </m:sub>
+                    </m:sSub>
+                    <m:r>
+                      <a:rPr lang="en-US" altLang="zh-CN" i="1">
+                        <a:latin typeface="Cambria Math" charset="0"/>
+                        <a:ea typeface="Cambria Math" charset="0"/>
+                        <a:cs typeface="Cambria Math" charset="0"/>
+                      </a:rPr>
+                      <m:t>,</m:t>
+                    </m:r>
+                    <m:r>
+                      <a:rPr lang="en-US" altLang="zh-CN" b="0" i="1" smtClean="0">
+                        <a:latin typeface="Cambria Math" charset="0"/>
+                        <a:ea typeface="Cambria Math" charset="0"/>
+                        <a:cs typeface="Cambria Math" charset="0"/>
+                      </a:rPr>
+                      <m:t>…,</m:t>
+                    </m:r>
+                    <m:sSub>
+                      <m:sSubPr>
+                        <m:ctrlPr>
+                          <a:rPr lang="en-US" altLang="zh-CN" i="1">
+                            <a:latin typeface="Cambria Math" charset="0"/>
+                            <a:ea typeface="Cambria Math" charset="0"/>
+                            <a:cs typeface="Cambria Math" charset="0"/>
+                          </a:rPr>
+                        </m:ctrlPr>
+                      </m:sSubPr>
+                      <m:e>
+                        <m:r>
+                          <a:rPr lang="en-US" altLang="zh-CN" i="1">
+                            <a:latin typeface="Cambria Math" charset="0"/>
+                            <a:ea typeface="Cambria Math" charset="0"/>
+                            <a:cs typeface="Cambria Math" charset="0"/>
+                          </a:rPr>
+                          <m:t>𝜔</m:t>
+                        </m:r>
+                      </m:e>
+                      <m:sub>
+                        <m:r>
+                          <a:rPr lang="en-US" altLang="zh-CN" b="0" i="1" smtClean="0">
+                            <a:latin typeface="Cambria Math" charset="0"/>
+                            <a:ea typeface="Cambria Math" charset="0"/>
+                            <a:cs typeface="Cambria Math" charset="0"/>
+                          </a:rPr>
+                          <m:t>𝑛</m:t>
+                        </m:r>
+                      </m:sub>
+                    </m:sSub>
+                    <m:r>
+                      <a:rPr lang="en-US" altLang="zh-CN" b="0" i="1" smtClean="0">
+                        <a:latin typeface="Cambria Math" charset="0"/>
+                        <a:ea typeface="Cambria Math" charset="0"/>
+                        <a:cs typeface="Cambria Math" charset="0"/>
+                      </a:rPr>
+                      <m:t>)</m:t>
+                    </m:r>
+                    <m:r>
+                      <a:rPr lang="zh-CN" altLang="en-US" i="1" smtClean="0">
+                        <a:latin typeface="Cambria Math" charset="0"/>
+                        <a:ea typeface="Cambria Math" charset="0"/>
+                        <a:cs typeface="Cambria Math" charset="0"/>
+                      </a:rPr>
+                      <m:t>称为</m:t>
+                    </m:r>
+                  </m:oMath>
+                </a14:m>
+                <a:r>
+                  <a:rPr lang="zh-CN" altLang="en-US" dirty="0" smtClean="0">
+                    <a:ea typeface="Cambria Math" charset="0"/>
+                    <a:cs typeface="Cambria Math" charset="0"/>
+                  </a:rPr>
+                  <a:t>回归系数</a:t>
+                </a:r>
+                <a:r>
+                  <a:rPr lang="en-US" altLang="zh-CN" dirty="0" smtClean="0">
+                    <a:ea typeface="Cambria Math" charset="0"/>
+                    <a:cs typeface="Cambria Math" charset="0"/>
+                  </a:rPr>
+                  <a:t>(</a:t>
+                </a:r>
+                <a:r>
+                  <a:rPr lang="en-US" dirty="0"/>
+                  <a:t>coefficient</a:t>
+                </a:r>
+                <a:r>
+                  <a:rPr lang="en-US" altLang="zh-CN" dirty="0" smtClean="0">
+                    <a:ea typeface="Cambria Math" charset="0"/>
+                    <a:cs typeface="Cambria Math" charset="0"/>
+                  </a:rPr>
+                  <a:t>)</a:t>
+                </a:r>
+                <a:r>
+                  <a:rPr lang="zh-CN" altLang="en-US" dirty="0" smtClean="0">
+                    <a:ea typeface="Cambria Math" charset="0"/>
+                    <a:cs typeface="Cambria Math" charset="0"/>
+                  </a:rPr>
+                  <a:t>，</a:t>
+                </a:r>
+                <a14:m>
+                  <m:oMath xmlns:m="http://schemas.openxmlformats.org/officeDocument/2006/math">
+                    <m:sSub>
+                      <m:sSubPr>
+                        <m:ctrlPr>
+                          <a:rPr lang="en-US" altLang="zh-CN" i="1">
+                            <a:latin typeface="Cambria Math" charset="0"/>
+                            <a:ea typeface="Cambria Math" charset="0"/>
+                            <a:cs typeface="Cambria Math" charset="0"/>
+                          </a:rPr>
+                        </m:ctrlPr>
+                      </m:sSubPr>
+                      <m:e>
+                        <m:r>
+                          <a:rPr lang="en-US" altLang="zh-CN" i="1">
+                            <a:latin typeface="Cambria Math" charset="0"/>
+                            <a:ea typeface="Cambria Math" charset="0"/>
+                            <a:cs typeface="Cambria Math" charset="0"/>
+                          </a:rPr>
+                          <m:t>𝜔</m:t>
+                        </m:r>
+                      </m:e>
+                      <m:sub>
+                        <m:r>
+                          <a:rPr lang="en-US" altLang="zh-CN" b="0" i="1" smtClean="0">
+                            <a:latin typeface="Cambria Math" charset="0"/>
+                            <a:ea typeface="Cambria Math" charset="0"/>
+                            <a:cs typeface="Cambria Math" charset="0"/>
+                          </a:rPr>
+                          <m:t>0</m:t>
+                        </m:r>
+                      </m:sub>
+                    </m:sSub>
+                    <m:r>
+                      <a:rPr lang="zh-CN" altLang="en-US" i="1" smtClean="0">
+                        <a:latin typeface="Cambria Math" charset="0"/>
+                        <a:ea typeface="Cambria Math" charset="0"/>
+                        <a:cs typeface="Cambria Math" charset="0"/>
+                      </a:rPr>
+                      <m:t>称为</m:t>
+                    </m:r>
+                  </m:oMath>
+                </a14:m>
+                <a:r>
+                  <a:rPr lang="zh-CN" altLang="en-US" dirty="0" smtClean="0">
+                    <a:ea typeface="Cambria Math" charset="0"/>
+                    <a:cs typeface="Cambria Math" charset="0"/>
+                  </a:rPr>
+                  <a:t>截距</a:t>
+                </a:r>
+                <a:r>
+                  <a:rPr lang="en-US" altLang="zh-CN" dirty="0" smtClean="0">
+                    <a:ea typeface="Cambria Math" charset="0"/>
+                    <a:cs typeface="Cambria Math" charset="0"/>
+                  </a:rPr>
+                  <a:t>(</a:t>
+                </a:r>
+                <a:r>
+                  <a:rPr lang="en-US" dirty="0"/>
+                  <a:t>intercept</a:t>
+                </a:r>
+                <a:r>
+                  <a:rPr lang="en-US" altLang="zh-CN" dirty="0" smtClean="0">
+                    <a:ea typeface="Cambria Math" charset="0"/>
+                    <a:cs typeface="Cambria Math" charset="0"/>
+                  </a:rPr>
+                  <a:t>)</a:t>
+                </a:r>
+                <a:r>
+                  <a:rPr lang="zh-CN" altLang="en-US" dirty="0" smtClean="0">
+                    <a:ea typeface="Cambria Math" charset="0"/>
+                    <a:cs typeface="Cambria Math" charset="0"/>
+                  </a:rPr>
+                  <a:t>。</a:t>
+                </a:r>
+                <a:endParaRPr lang="en-US" altLang="zh-CN" dirty="0" smtClean="0">
+                  <a:ea typeface="Cambria Math" charset="0"/>
+                  <a:cs typeface="Cambria Math" charset="0"/>
+                </a:endParaRPr>
+              </a:p>
+              <a:p>
+                <a:pPr marL="0" indent="0">
+                  <a:buNone/>
+                </a:pPr>
+                <a:r>
+                  <a:rPr lang="zh-CN" altLang="en-US" dirty="0" smtClean="0">
+                    <a:ea typeface="Cambria Math" charset="0"/>
+                    <a:cs typeface="Cambria Math" charset="0"/>
+                  </a:rPr>
+                  <a:t>从而：</a:t>
+                </a:r>
+                <a:endParaRPr lang="en-US" altLang="zh-CN" dirty="0" smtClean="0">
+                  <a:ea typeface="Cambria Math" charset="0"/>
+                  <a:cs typeface="Cambria Math" charset="0"/>
+                </a:endParaRPr>
+              </a:p>
+              <a:p>
+                <a:pPr marL="0" indent="0">
+                  <a:buNone/>
+                </a:pPr>
+                <a14:m>
+                  <m:oMathPara xmlns:m="http://schemas.openxmlformats.org/officeDocument/2006/math">
+                    <m:oMathParaPr>
+                      <m:jc m:val="centerGroup"/>
+                    </m:oMathParaPr>
+                    <m:oMath xmlns:m="http://schemas.openxmlformats.org/officeDocument/2006/math">
+                      <m:r>
+                        <a:rPr lang="en-US" altLang="zh-CN" b="0" i="1" dirty="0" smtClean="0">
+                          <a:latin typeface="Cambria Math" charset="0"/>
+                          <a:ea typeface="Cambria Math" charset="0"/>
+                          <a:cs typeface="Cambria Math" charset="0"/>
+                        </a:rPr>
+                        <m:t>𝑦</m:t>
+                      </m:r>
+                      <m:d>
+                        <m:dPr>
+                          <m:ctrlPr>
+                            <a:rPr lang="en-US" altLang="zh-CN" b="0" i="1" dirty="0" smtClean="0">
+                              <a:latin typeface="Cambria Math" charset="0"/>
+                              <a:ea typeface="Cambria Math" charset="0"/>
+                              <a:cs typeface="Cambria Math" charset="0"/>
+                            </a:rPr>
+                          </m:ctrlPr>
+                        </m:dPr>
+                        <m:e>
+                          <m:r>
+                            <a:rPr lang="en-US" altLang="zh-CN" b="0" i="1" dirty="0" smtClean="0">
+                              <a:latin typeface="Cambria Math" charset="0"/>
+                              <a:ea typeface="Cambria Math" charset="0"/>
+                              <a:cs typeface="Cambria Math" charset="0"/>
+                            </a:rPr>
+                            <m:t>𝜔</m:t>
+                          </m:r>
+                          <m:r>
+                            <a:rPr lang="en-US" altLang="zh-CN" b="0" i="1" dirty="0" smtClean="0">
+                              <a:latin typeface="Cambria Math" charset="0"/>
+                              <a:ea typeface="Cambria Math" charset="0"/>
+                              <a:cs typeface="Cambria Math" charset="0"/>
+                            </a:rPr>
+                            <m:t>,</m:t>
+                          </m:r>
+                          <m:r>
+                            <a:rPr lang="en-US" altLang="zh-CN" b="0" i="1" dirty="0" smtClean="0">
+                              <a:latin typeface="Cambria Math" charset="0"/>
+                              <a:ea typeface="Cambria Math" charset="0"/>
+                              <a:cs typeface="Cambria Math" charset="0"/>
+                            </a:rPr>
+                            <m:t>𝑥</m:t>
+                          </m:r>
+                        </m:e>
+                      </m:d>
+                      <m:r>
+                        <a:rPr lang="en-US" altLang="zh-CN" b="0" i="1" dirty="0" smtClean="0">
+                          <a:latin typeface="Cambria Math" charset="0"/>
+                          <a:ea typeface="Cambria Math" charset="0"/>
+                          <a:cs typeface="Cambria Math" charset="0"/>
+                        </a:rPr>
+                        <m:t>=</m:t>
+                      </m:r>
+                      <m:f>
+                        <m:fPr>
+                          <m:ctrlPr>
+                            <a:rPr lang="mr-IN" altLang="zh-CN" b="0" i="1" dirty="0" smtClean="0">
+                              <a:latin typeface="Cambria Math" charset="0"/>
+                              <a:ea typeface="Cambria Math" charset="0"/>
+                              <a:cs typeface="Cambria Math" charset="0"/>
+                            </a:rPr>
+                          </m:ctrlPr>
+                        </m:fPr>
+                        <m:num>
+                          <m:r>
+                            <a:rPr lang="en-US" altLang="zh-CN" b="0" i="1" dirty="0" smtClean="0">
+                              <a:latin typeface="Cambria Math" charset="0"/>
+                              <a:ea typeface="Cambria Math" charset="0"/>
+                              <a:cs typeface="Cambria Math" charset="0"/>
+                            </a:rPr>
+                            <m:t>1</m:t>
+                          </m:r>
+                        </m:num>
+                        <m:den>
+                          <m:r>
+                            <a:rPr lang="en-US" altLang="zh-CN" b="0" i="1" dirty="0" smtClean="0">
+                              <a:latin typeface="Cambria Math" charset="0"/>
+                              <a:ea typeface="Cambria Math" charset="0"/>
+                              <a:cs typeface="Cambria Math" charset="0"/>
+                            </a:rPr>
+                            <m:t>1+</m:t>
+                          </m:r>
+                          <m:sSup>
+                            <m:sSupPr>
+                              <m:ctrlPr>
+                                <a:rPr lang="mr-IN" altLang="zh-CN" b="0" i="1" dirty="0" smtClean="0">
+                                  <a:latin typeface="Cambria Math" charset="0"/>
+                                  <a:ea typeface="Cambria Math" charset="0"/>
+                                  <a:cs typeface="Cambria Math" charset="0"/>
+                                </a:rPr>
+                              </m:ctrlPr>
+                            </m:sSupPr>
+                            <m:e>
+                              <m:r>
+                                <a:rPr lang="mr-IN" altLang="zh-CN" b="0" i="1" dirty="0" smtClean="0">
+                                  <a:latin typeface="Cambria Math" charset="0"/>
+                                  <a:ea typeface="Cambria Math" charset="0"/>
+                                  <a:cs typeface="Cambria Math" charset="0"/>
+                                </a:rPr>
+                                <m:t>𝑒</m:t>
+                              </m:r>
+                            </m:e>
+                            <m:sup>
+                              <m:r>
+                                <a:rPr lang="mr-IN" altLang="zh-CN" b="0" i="1" dirty="0" smtClean="0">
+                                  <a:latin typeface="Cambria Math" charset="0"/>
+                                  <a:ea typeface="Cambria Math" charset="0"/>
+                                  <a:cs typeface="Cambria Math" charset="0"/>
+                                </a:rPr>
+                                <m:t>−</m:t>
+                              </m:r>
+                              <m:r>
+                                <a:rPr lang="en-US" altLang="zh-CN" b="0" i="1" dirty="0" smtClean="0">
+                                  <a:latin typeface="Cambria Math" charset="0"/>
+                                  <a:ea typeface="Cambria Math" charset="0"/>
+                                  <a:cs typeface="Cambria Math" charset="0"/>
+                                </a:rPr>
+                                <m:t>(</m:t>
+                              </m:r>
+                              <m:sSup>
+                                <m:sSupPr>
+                                  <m:ctrlPr>
+                                    <a:rPr lang="en-US" altLang="zh-CN" b="0" i="1" dirty="0" smtClean="0">
+                                      <a:latin typeface="Cambria Math" charset="0"/>
+                                      <a:ea typeface="Cambria Math" charset="0"/>
+                                      <a:cs typeface="Cambria Math" charset="0"/>
+                                    </a:rPr>
+                                  </m:ctrlPr>
+                                </m:sSupPr>
+                                <m:e>
+                                  <m:r>
+                                    <a:rPr lang="en-US" altLang="zh-CN" b="0" i="1" dirty="0" smtClean="0">
+                                      <a:latin typeface="Cambria Math" charset="0"/>
+                                      <a:ea typeface="Cambria Math" charset="0"/>
+                                      <a:cs typeface="Cambria Math" charset="0"/>
+                                    </a:rPr>
+                                    <m:t>𝜔</m:t>
+                                  </m:r>
+                                </m:e>
+                                <m:sup>
+                                  <m:r>
+                                    <a:rPr lang="en-US" altLang="zh-CN" b="0" i="1" dirty="0" smtClean="0">
+                                      <a:latin typeface="Cambria Math" charset="0"/>
+                                      <a:ea typeface="Cambria Math" charset="0"/>
+                                      <a:cs typeface="Cambria Math" charset="0"/>
+                                    </a:rPr>
+                                    <m:t>𝑇</m:t>
+                                  </m:r>
+                                </m:sup>
+                              </m:sSup>
+                              <m:r>
+                                <a:rPr lang="en-US" altLang="zh-CN" b="0" i="1" dirty="0" smtClean="0">
+                                  <a:latin typeface="Cambria Math" charset="0"/>
+                                  <a:ea typeface="Cambria Math" charset="0"/>
+                                  <a:cs typeface="Cambria Math" charset="0"/>
+                                </a:rPr>
+                                <m:t>𝑥</m:t>
+                              </m:r>
+                              <m:r>
+                                <a:rPr lang="en-US" altLang="zh-CN" b="0" i="1" dirty="0" smtClean="0">
+                                  <a:latin typeface="Cambria Math" charset="0"/>
+                                  <a:ea typeface="Cambria Math" charset="0"/>
+                                  <a:cs typeface="Cambria Math" charset="0"/>
+                                </a:rPr>
+                                <m:t>+</m:t>
+                              </m:r>
+                              <m:sSub>
+                                <m:sSubPr>
+                                  <m:ctrlPr>
+                                    <a:rPr lang="en-US" altLang="zh-CN" b="0" i="1" dirty="0" smtClean="0">
+                                      <a:latin typeface="Cambria Math" charset="0"/>
+                                      <a:ea typeface="Cambria Math" charset="0"/>
+                                      <a:cs typeface="Cambria Math" charset="0"/>
+                                    </a:rPr>
+                                  </m:ctrlPr>
+                                </m:sSubPr>
+                                <m:e>
+                                  <m:r>
+                                    <a:rPr lang="en-US" altLang="zh-CN" b="0" i="1" dirty="0" smtClean="0">
+                                      <a:latin typeface="Cambria Math" charset="0"/>
+                                      <a:ea typeface="Cambria Math" charset="0"/>
+                                      <a:cs typeface="Cambria Math" charset="0"/>
+                                    </a:rPr>
+                                    <m:t>𝜔</m:t>
+                                  </m:r>
+                                </m:e>
+                                <m:sub>
+                                  <m:r>
+                                    <a:rPr lang="en-US" altLang="zh-CN" b="0" i="1" dirty="0" smtClean="0">
+                                      <a:latin typeface="Cambria Math" charset="0"/>
+                                      <a:ea typeface="Cambria Math" charset="0"/>
+                                      <a:cs typeface="Cambria Math" charset="0"/>
+                                    </a:rPr>
+                                    <m:t>0</m:t>
+                                  </m:r>
+                                </m:sub>
+                              </m:sSub>
+                              <m:r>
+                                <a:rPr lang="en-US" altLang="zh-CN" b="0" i="1" dirty="0" smtClean="0">
+                                  <a:latin typeface="Cambria Math" charset="0"/>
+                                  <a:ea typeface="Cambria Math" charset="0"/>
+                                  <a:cs typeface="Cambria Math" charset="0"/>
+                                </a:rPr>
+                                <m:t>)</m:t>
+                              </m:r>
+                            </m:sup>
+                          </m:sSup>
+                        </m:den>
+                      </m:f>
+                    </m:oMath>
+                  </m:oMathPara>
+                </a14:m>
+                <a:endParaRPr lang="en-US" altLang="zh-CN" dirty="0" smtClean="0">
+                  <a:ea typeface="Cambria Math" charset="0"/>
+                  <a:cs typeface="Cambria Math" charset="0"/>
+                </a:endParaRPr>
+              </a:p>
+            </p:txBody>
+          </p:sp>
+        </mc:Choice>
+        <mc:Fallback xmlns="">
+          <p:sp>
+            <p:nvSpPr>
+              <p:cNvPr id="6" name="Content Placeholder 5"/>
+              <p:cNvSpPr>
+                <a:spLocks noGrp="1" noRot="1" noChangeAspect="1" noMove="1" noResize="1" noEditPoints="1" noAdjustHandles="1" noChangeArrowheads="1" noChangeShapeType="1" noTextEdit="1"/>
+              </p:cNvSpPr>
+              <p:nvPr>
+                <p:ph idx="1"/>
+              </p:nvPr>
+            </p:nvSpPr>
+            <p:spPr>
+              <a:blipFill rotWithShape="0">
+                <a:blip r:embed="rId2"/>
+                <a:stretch>
+                  <a:fillRect l="-1217" t="-3221"/>
+                </a:stretch>
+              </a:blipFill>
+            </p:spPr>
+            <p:txBody>
+              <a:bodyPr/>
+              <a:lstStyle/>
+              <a:p>
+                <a:r>
+                  <a:rPr lang="en-US">
+                    <a:noFill/>
+                  </a:rPr>
+                  <a:t> </a:t>
+                </a:r>
+              </a:p>
+            </p:txBody>
+          </p:sp>
+        </mc:Fallback>
+      </mc:AlternateContent>
+    </p:spTree>
+    <p:extLst>
+      <p:ext uri="{BB962C8B-B14F-4D97-AF65-F5344CB8AC3E}">
+        <p14:creationId xmlns:p14="http://schemas.microsoft.com/office/powerpoint/2010/main" val="1439797435"/>
+      </p:ext>
+    </p:extLst>
+  </p:cSld>
+  <p:clrMapOvr>
+    <a:masterClrMapping/>
+  </p:clrMapOvr>
+  <p:timing>
+    <p:tnLst>
+      <p:par>
+        <p:cTn id="1" dur="indefinite" restart="never" nodeType="tmRoot"/>
+      </p:par>
+    </p:tnLst>
+  </p:timing>
+</p:sld>
+</file>
+
+<file path=ppt/slides/slide9.xml><?xml version="1.0" encoding="utf-8"?>
+<p:sld xmlns:a="http://schemas.openxmlformats.org/drawingml/2006/main" xmlns:r="http://schemas.openxmlformats.org/officeDocument/2006/relationships" xmlns:p="http://schemas.openxmlformats.org/presentationml/2006/main">
+  <p:cSld>
+    <p:spTree>
+      <p:nvGrpSpPr>
+        <p:cNvPr id="1" name=""/>
+        <p:cNvGrpSpPr/>
+        <p:nvPr/>
+      </p:nvGrpSpPr>
+      <p:grpSpPr>
+        <a:xfrm>
+          <a:off x="0" y="0"/>
+          <a:ext cx="0" cy="0"/>
+          <a:chOff x="0" y="0"/>
+          <a:chExt cx="0" cy="0"/>
+        </a:xfrm>
+      </p:grpSpPr>
+      <p:sp>
+        <p:nvSpPr>
+          <p:cNvPr id="2" name="Title 1"/>
+          <p:cNvSpPr>
+            <a:spLocks noGrp="1"/>
+          </p:cNvSpPr>
+          <p:nvPr>
+            <p:ph type="title"/>
+          </p:nvPr>
+        </p:nvSpPr>
+        <p:spPr/>
+        <p:txBody>
+          <a:bodyPr/>
+          <a:lstStyle/>
+          <a:p>
+            <a:r>
+              <a:rPr lang="en-US" altLang="zh-CN" dirty="0" smtClean="0"/>
+              <a:t>Logistic</a:t>
+            </a:r>
+            <a:r>
+              <a:rPr lang="zh-CN" altLang="en-US" dirty="0" smtClean="0"/>
+              <a:t>回归分类器</a:t>
+            </a:r>
+            <a:endParaRPr lang="en-US" dirty="0"/>
+          </a:p>
+        </p:txBody>
+      </p:sp>
+      <p:sp>
+        <p:nvSpPr>
+          <p:cNvPr id="3" name="Content Placeholder 2"/>
+          <p:cNvSpPr>
+            <a:spLocks noGrp="1"/>
+          </p:cNvSpPr>
+          <p:nvPr>
+            <p:ph idx="1"/>
+          </p:nvPr>
+        </p:nvSpPr>
+        <p:spPr/>
+        <p:txBody>
+          <a:bodyPr/>
+          <a:lstStyle/>
+          <a:p>
+            <a:pPr marL="0" marR="0" lvl="0" indent="0" defTabSz="914400" eaLnBrk="1" fontAlgn="auto" latinLnBrk="0" hangingPunct="1">
+              <a:lnSpc>
+                <a:spcPct val="100000"/>
+              </a:lnSpc>
+              <a:spcBef>
+                <a:spcPts val="0"/>
+              </a:spcBef>
+              <a:spcAft>
+                <a:spcPts val="0"/>
+              </a:spcAft>
+              <a:buClrTx/>
+              <a:buSzTx/>
+              <a:buFontTx/>
+              <a:buNone/>
+              <a:tabLst/>
+              <a:defRPr/>
+            </a:pPr>
+            <a:r>
+              <a:rPr lang="zh-CN" altLang="en-US" dirty="0" smtClean="0"/>
+              <a:t>如果计算出回归系数和截距以后，每一个</a:t>
+            </a:r>
+            <a:r>
+              <a:rPr lang="en-US" altLang="zh-CN" dirty="0" smtClean="0"/>
+              <a:t>x</a:t>
+            </a:r>
+            <a:r>
+              <a:rPr lang="zh-CN" altLang="en-US" dirty="0" smtClean="0"/>
+              <a:t>代表一个维度。当输入一条数据后，我们就可以带入到</a:t>
+            </a:r>
+            <a:r>
+              <a:rPr lang="en-US" altLang="zh-CN" dirty="0" smtClean="0"/>
+              <a:t>Logistic</a:t>
+            </a:r>
+            <a:r>
+              <a:rPr lang="zh-CN" altLang="en-US" dirty="0" smtClean="0"/>
+              <a:t>函数中，计算函数值，如果大于</a:t>
+            </a:r>
+            <a:r>
+              <a:rPr lang="en-US" altLang="zh-CN" dirty="0" smtClean="0"/>
+              <a:t>0.5</a:t>
+            </a:r>
+            <a:r>
+              <a:rPr lang="zh-CN" altLang="en-US" dirty="0" smtClean="0"/>
+              <a:t>，就分入</a:t>
+            </a:r>
+            <a:r>
+              <a:rPr lang="en-US" altLang="zh-CN" dirty="0" smtClean="0"/>
+              <a:t>1</a:t>
+            </a:r>
+            <a:r>
+              <a:rPr lang="zh-CN" altLang="en-US" dirty="0" smtClean="0"/>
+              <a:t>类，小于</a:t>
+            </a:r>
+            <a:r>
+              <a:rPr lang="en-US" altLang="zh-CN" dirty="0" smtClean="0"/>
+              <a:t>0.5</a:t>
+            </a:r>
+            <a:r>
+              <a:rPr lang="zh-CN" altLang="en-US" dirty="0" smtClean="0"/>
+              <a:t>分入</a:t>
+            </a:r>
+            <a:r>
+              <a:rPr lang="en-US" altLang="zh-CN" dirty="0" smtClean="0"/>
+              <a:t>0</a:t>
+            </a:r>
+            <a:r>
+              <a:rPr lang="zh-CN" altLang="en-US" dirty="0" smtClean="0"/>
+              <a:t>类。</a:t>
+            </a:r>
+            <a:endParaRPr lang="en-US" altLang="zh-CN" dirty="0" smtClean="0"/>
+          </a:p>
+          <a:p>
+            <a:pPr marL="0" marR="0" lvl="0" indent="0" defTabSz="914400" eaLnBrk="1" fontAlgn="auto" latinLnBrk="0" hangingPunct="1">
+              <a:lnSpc>
+                <a:spcPct val="100000"/>
+              </a:lnSpc>
+              <a:spcBef>
+                <a:spcPts val="0"/>
+              </a:spcBef>
+              <a:spcAft>
+                <a:spcPts val="0"/>
+              </a:spcAft>
+              <a:buClrTx/>
+              <a:buSzTx/>
+              <a:buFontTx/>
+              <a:buNone/>
+              <a:tabLst/>
+              <a:defRPr/>
+            </a:pPr>
+            <a:endParaRPr lang="en-US" dirty="0"/>
+          </a:p>
+          <a:p>
+            <a:pPr marL="0" marR="0" lvl="0" indent="0" defTabSz="914400" eaLnBrk="1" fontAlgn="auto" latinLnBrk="0" hangingPunct="1">
+              <a:lnSpc>
+                <a:spcPct val="100000"/>
+              </a:lnSpc>
+              <a:spcBef>
+                <a:spcPts val="0"/>
+              </a:spcBef>
+              <a:spcAft>
+                <a:spcPts val="0"/>
+              </a:spcAft>
+              <a:buClrTx/>
+              <a:buSzTx/>
+              <a:buFontTx/>
+              <a:buNone/>
+              <a:tabLst/>
+              <a:defRPr/>
+            </a:pPr>
+            <a:endParaRPr lang="en-US" dirty="0" smtClean="0"/>
+          </a:p>
+          <a:p>
+            <a:pPr marL="0" marR="0" lvl="0" indent="0" defTabSz="914400" eaLnBrk="1" fontAlgn="auto" latinLnBrk="0" hangingPunct="1">
+              <a:lnSpc>
+                <a:spcPct val="100000"/>
+              </a:lnSpc>
+              <a:spcBef>
+                <a:spcPts val="0"/>
+              </a:spcBef>
+              <a:spcAft>
+                <a:spcPts val="0"/>
+              </a:spcAft>
+              <a:buClrTx/>
+              <a:buSzTx/>
+              <a:buFontTx/>
+              <a:buNone/>
+              <a:tabLst/>
+              <a:defRPr/>
+            </a:pPr>
+            <a:r>
+              <a:rPr lang="zh-CN" altLang="en-US" dirty="0" smtClean="0"/>
+              <a:t>所以，现在的问题就转变为求参数（参数估计）：回归系数和截距。</a:t>
+            </a:r>
+            <a:endParaRPr lang="en-US" dirty="0"/>
+          </a:p>
+        </p:txBody>
+      </p:sp>
+    </p:spTree>
+    <p:extLst>
+      <p:ext uri="{BB962C8B-B14F-4D97-AF65-F5344CB8AC3E}">
+        <p14:creationId xmlns:p14="http://schemas.microsoft.com/office/powerpoint/2010/main" val="1630415871"/>
       </p:ext>
     </p:extLst>
   </p:cSld>

--- a/LogisticRegression/LogisticRegression.pptx
+++ b/LogisticRegression/LogisticRegression.pptx
@@ -260,7 +260,7 @@
           <a:p>
             <a:fld id="{B735FAEC-29CD-4049-A2D3-8E2FD5646EEB}" type="datetimeFigureOut">
               <a:rPr lang="en-US" smtClean="0"/>
-              <a:t>1/14/18</a:t>
+              <a:t>8/1/18</a:t>
             </a:fld>
             <a:endParaRPr lang="en-US"/>
           </a:p>
@@ -430,7 +430,7 @@
           <a:p>
             <a:fld id="{B735FAEC-29CD-4049-A2D3-8E2FD5646EEB}" type="datetimeFigureOut">
               <a:rPr lang="en-US" smtClean="0"/>
-              <a:t>1/14/18</a:t>
+              <a:t>8/1/18</a:t>
             </a:fld>
             <a:endParaRPr lang="en-US"/>
           </a:p>
@@ -610,7 +610,7 @@
           <a:p>
             <a:fld id="{B735FAEC-29CD-4049-A2D3-8E2FD5646EEB}" type="datetimeFigureOut">
               <a:rPr lang="en-US" smtClean="0"/>
-              <a:t>1/14/18</a:t>
+              <a:t>8/1/18</a:t>
             </a:fld>
             <a:endParaRPr lang="en-US"/>
           </a:p>
@@ -780,7 +780,7 @@
           <a:p>
             <a:fld id="{B735FAEC-29CD-4049-A2D3-8E2FD5646EEB}" type="datetimeFigureOut">
               <a:rPr lang="en-US" smtClean="0"/>
-              <a:t>1/14/18</a:t>
+              <a:t>8/1/18</a:t>
             </a:fld>
             <a:endParaRPr lang="en-US"/>
           </a:p>
@@ -1026,7 +1026,7 @@
           <a:p>
             <a:fld id="{B735FAEC-29CD-4049-A2D3-8E2FD5646EEB}" type="datetimeFigureOut">
               <a:rPr lang="en-US" smtClean="0"/>
-              <a:t>1/14/18</a:t>
+              <a:t>8/1/18</a:t>
             </a:fld>
             <a:endParaRPr lang="en-US"/>
           </a:p>
@@ -1258,7 +1258,7 @@
           <a:p>
             <a:fld id="{B735FAEC-29CD-4049-A2D3-8E2FD5646EEB}" type="datetimeFigureOut">
               <a:rPr lang="en-US" smtClean="0"/>
-              <a:t>1/14/18</a:t>
+              <a:t>8/1/18</a:t>
             </a:fld>
             <a:endParaRPr lang="en-US"/>
           </a:p>
@@ -1625,7 +1625,7 @@
           <a:p>
             <a:fld id="{B735FAEC-29CD-4049-A2D3-8E2FD5646EEB}" type="datetimeFigureOut">
               <a:rPr lang="en-US" smtClean="0"/>
-              <a:t>1/14/18</a:t>
+              <a:t>8/1/18</a:t>
             </a:fld>
             <a:endParaRPr lang="en-US"/>
           </a:p>
@@ -1743,7 +1743,7 @@
           <a:p>
             <a:fld id="{B735FAEC-29CD-4049-A2D3-8E2FD5646EEB}" type="datetimeFigureOut">
               <a:rPr lang="en-US" smtClean="0"/>
-              <a:t>1/14/18</a:t>
+              <a:t>8/1/18</a:t>
             </a:fld>
             <a:endParaRPr lang="en-US"/>
           </a:p>
@@ -1838,7 +1838,7 @@
           <a:p>
             <a:fld id="{B735FAEC-29CD-4049-A2D3-8E2FD5646EEB}" type="datetimeFigureOut">
               <a:rPr lang="en-US" smtClean="0"/>
-              <a:t>1/14/18</a:t>
+              <a:t>8/1/18</a:t>
             </a:fld>
             <a:endParaRPr lang="en-US"/>
           </a:p>
@@ -2115,7 +2115,7 @@
           <a:p>
             <a:fld id="{B735FAEC-29CD-4049-A2D3-8E2FD5646EEB}" type="datetimeFigureOut">
               <a:rPr lang="en-US" smtClean="0"/>
-              <a:t>1/14/18</a:t>
+              <a:t>8/1/18</a:t>
             </a:fld>
             <a:endParaRPr lang="en-US"/>
           </a:p>
@@ -2368,7 +2368,7 @@
           <a:p>
             <a:fld id="{B735FAEC-29CD-4049-A2D3-8E2FD5646EEB}" type="datetimeFigureOut">
               <a:rPr lang="en-US" smtClean="0"/>
-              <a:t>1/14/18</a:t>
+              <a:t>8/1/18</a:t>
             </a:fld>
             <a:endParaRPr lang="en-US"/>
           </a:p>
@@ -2581,7 +2581,7 @@
           <a:p>
             <a:fld id="{B735FAEC-29CD-4049-A2D3-8E2FD5646EEB}" type="datetimeFigureOut">
               <a:rPr lang="en-US" smtClean="0"/>
-              <a:t>1/14/18</a:t>
+              <a:t>8/1/18</a:t>
             </a:fld>
             <a:endParaRPr lang="en-US"/>
           </a:p>
@@ -4213,7 +4213,19 @@
                 </a:r>
                 <a:r>
                   <a:rPr lang="zh-CN" altLang="en-US" dirty="0" smtClean="0"/>
-                  <a:t>的话，也就是增加时间发生的概率</a:t>
+                  <a:t>的话，也就</a:t>
+                </a:r>
+                <a:r>
+                  <a:rPr lang="zh-CN" altLang="en-US" smtClean="0"/>
+                  <a:t>是</a:t>
+                </a:r>
+                <a:r>
+                  <a:rPr lang="zh-CN" altLang="en-US" smtClean="0"/>
+                  <a:t>增加事件发生</a:t>
+                </a:r>
+                <a:r>
+                  <a:rPr lang="zh-CN" altLang="en-US" dirty="0" smtClean="0"/>
+                  <a:t>的概率</a:t>
                 </a:r>
                 <a:r>
                   <a:rPr lang="en-US" altLang="zh-CN" dirty="0" smtClean="0"/>
@@ -4668,8 +4680,8 @@
           </a:p>
         </p:txBody>
       </p:sp>
-      <mc:AlternateContent xmlns:mc="http://schemas.openxmlformats.org/markup-compatibility/2006">
-        <mc:Choice xmlns:a14="http://schemas.microsoft.com/office/drawing/2010/main" Requires="a14">
+      <mc:AlternateContent xmlns:mc="http://schemas.openxmlformats.org/markup-compatibility/2006" xmlns:a14="http://schemas.microsoft.com/office/drawing/2010/main">
+        <mc:Choice Requires="a14">
           <p:sp>
             <p:nvSpPr>
               <p:cNvPr id="3" name="Content Placeholder 2"/>
@@ -5432,11 +5444,7 @@
                 </a:r>
                 <a:r>
                   <a:rPr lang="zh-CN" altLang="en-US" dirty="0" smtClean="0"/>
-                  <a:t>个观测值的似然</a:t>
-                </a:r>
-                <a:r>
-                  <a:rPr lang="zh-CN" altLang="en-US" dirty="0" smtClean="0"/>
-                  <a:t>函数（前面加一个负号就是</a:t>
+                  <a:t>个观测值的似然函数（前面加一个负号就是</a:t>
                 </a:r>
                 <a:r>
                   <a:rPr lang="en-US" altLang="zh-CN" dirty="0" smtClean="0"/>
@@ -5452,11 +5460,7 @@
                 </a:r>
                 <a:r>
                   <a:rPr lang="zh-CN" altLang="en-US" dirty="0" smtClean="0"/>
-                  <a:t>的损失函数）。</a:t>
-                </a:r>
-                <a:r>
-                  <a:rPr lang="zh-CN" altLang="en-US" dirty="0" smtClean="0"/>
-                  <a:t>我们的目的是要求出能够使这一似然函数值最大的参数估计。为了简化，我们将其转换为对数形式。</a:t>
+                  <a:t>的损失函数）。我们的目的是要求出能够使这一似然函数值最大的参数估计。为了简化，我们将其转换为对数形式。</a:t>
                 </a:r>
                 <a:endParaRPr lang="en-US" altLang="zh-CN" dirty="0" smtClean="0"/>
               </a:p>
@@ -5476,7 +5480,7 @@
             </p:txBody>
           </p:sp>
         </mc:Choice>
-        <mc:Fallback>
+        <mc:Fallback xmlns="">
           <p:sp>
             <p:nvSpPr>
               <p:cNvPr id="3" name="Content Placeholder 2"/>
@@ -6800,8 +6804,8 @@
           </a:p>
         </p:txBody>
       </p:sp>
-      <mc:AlternateContent xmlns:mc="http://schemas.openxmlformats.org/markup-compatibility/2006">
-        <mc:Choice xmlns:a14="http://schemas.microsoft.com/office/drawing/2010/main" Requires="a14">
+      <mc:AlternateContent xmlns:mc="http://schemas.openxmlformats.org/markup-compatibility/2006" xmlns:a14="http://schemas.microsoft.com/office/drawing/2010/main">
+        <mc:Choice Requires="a14">
           <p:sp>
             <p:nvSpPr>
               <p:cNvPr id="3" name="Content Placeholder 2"/>
@@ -7953,7 +7957,7 @@
             </p:txBody>
           </p:sp>
         </mc:Choice>
-        <mc:Fallback>
+        <mc:Fallback xmlns="">
           <p:sp>
             <p:nvSpPr>
               <p:cNvPr id="3" name="Content Placeholder 2"/>
@@ -8040,8 +8044,8 @@
           </a:p>
         </p:txBody>
       </p:sp>
-      <mc:AlternateContent xmlns:mc="http://schemas.openxmlformats.org/markup-compatibility/2006">
-        <mc:Choice xmlns:a14="http://schemas.microsoft.com/office/drawing/2010/main" Requires="a14">
+      <mc:AlternateContent xmlns:mc="http://schemas.openxmlformats.org/markup-compatibility/2006" xmlns:a14="http://schemas.microsoft.com/office/drawing/2010/main">
+        <mc:Choice Requires="a14">
           <p:sp>
             <p:nvSpPr>
               <p:cNvPr id="3" name="Content Placeholder 2"/>
@@ -8792,7 +8796,7 @@
             </p:txBody>
           </p:sp>
         </mc:Choice>
-        <mc:Fallback>
+        <mc:Fallback xmlns="">
           <p:sp>
             <p:nvSpPr>
               <p:cNvPr id="3" name="Content Placeholder 2"/>
